--- a/ComputationalFuzzyExtractors-CryptoRump.pptx
+++ b/ComputationalFuzzyExtractors-CryptoRump.pptx
@@ -12,7 +12,7 @@
     <p:sldId id="366" r:id="rId3"/>
     <p:sldId id="315" r:id="rId4"/>
     <p:sldId id="365" r:id="rId5"/>
-    <p:sldId id="324" r:id="rId6"/>
+    <p:sldId id="367" r:id="rId6"/>
   </p:sldIdLst>
   <p:sldSz cx="9144000" cy="6858000" type="screen4x3"/>
   <p:notesSz cx="6858000" cy="9144000"/>
@@ -196,7 +196,7 @@
           <a:p>
             <a:fld id="{941E4532-0A1D-7741-B7F8-C491C4C533AD}" type="datetimeFigureOut">
               <a:rPr lang="en-US" smtClean="0"/>
-              <a:t>8/12/13</a:t>
+              <a:t>8/16/13</a:t>
             </a:fld>
             <a:endParaRPr lang="en-US"/>
           </a:p>
@@ -1651,7 +1651,7 @@
           <a:p>
             <a:fld id="{76183B97-7D03-374D-AECD-E740583BEFF3}" type="datetimeFigureOut">
               <a:rPr lang="en-US" smtClean="0"/>
-              <a:t>8/12/13</a:t>
+              <a:t>8/16/13</a:t>
             </a:fld>
             <a:endParaRPr lang="en-US"/>
           </a:p>
@@ -1821,7 +1821,7 @@
           <a:p>
             <a:fld id="{76183B97-7D03-374D-AECD-E740583BEFF3}" type="datetimeFigureOut">
               <a:rPr lang="en-US" smtClean="0"/>
-              <a:t>8/12/13</a:t>
+              <a:t>8/16/13</a:t>
             </a:fld>
             <a:endParaRPr lang="en-US"/>
           </a:p>
@@ -2001,7 +2001,7 @@
           <a:p>
             <a:fld id="{76183B97-7D03-374D-AECD-E740583BEFF3}" type="datetimeFigureOut">
               <a:rPr lang="en-US" smtClean="0"/>
-              <a:t>8/12/13</a:t>
+              <a:t>8/16/13</a:t>
             </a:fld>
             <a:endParaRPr lang="en-US"/>
           </a:p>
@@ -2171,7 +2171,7 @@
           <a:p>
             <a:fld id="{76183B97-7D03-374D-AECD-E740583BEFF3}" type="datetimeFigureOut">
               <a:rPr lang="en-US" smtClean="0"/>
-              <a:t>8/12/13</a:t>
+              <a:t>8/16/13</a:t>
             </a:fld>
             <a:endParaRPr lang="en-US"/>
           </a:p>
@@ -2417,7 +2417,7 @@
           <a:p>
             <a:fld id="{76183B97-7D03-374D-AECD-E740583BEFF3}" type="datetimeFigureOut">
               <a:rPr lang="en-US" smtClean="0"/>
-              <a:t>8/12/13</a:t>
+              <a:t>8/16/13</a:t>
             </a:fld>
             <a:endParaRPr lang="en-US"/>
           </a:p>
@@ -2705,7 +2705,7 @@
           <a:p>
             <a:fld id="{76183B97-7D03-374D-AECD-E740583BEFF3}" type="datetimeFigureOut">
               <a:rPr lang="en-US" smtClean="0"/>
-              <a:t>8/12/13</a:t>
+              <a:t>8/16/13</a:t>
             </a:fld>
             <a:endParaRPr lang="en-US"/>
           </a:p>
@@ -3127,7 +3127,7 @@
           <a:p>
             <a:fld id="{76183B97-7D03-374D-AECD-E740583BEFF3}" type="datetimeFigureOut">
               <a:rPr lang="en-US" smtClean="0"/>
-              <a:t>8/12/13</a:t>
+              <a:t>8/16/13</a:t>
             </a:fld>
             <a:endParaRPr lang="en-US"/>
           </a:p>
@@ -3245,7 +3245,7 @@
           <a:p>
             <a:fld id="{76183B97-7D03-374D-AECD-E740583BEFF3}" type="datetimeFigureOut">
               <a:rPr lang="en-US" smtClean="0"/>
-              <a:t>8/12/13</a:t>
+              <a:t>8/16/13</a:t>
             </a:fld>
             <a:endParaRPr lang="en-US"/>
           </a:p>
@@ -3340,7 +3340,7 @@
           <a:p>
             <a:fld id="{76183B97-7D03-374D-AECD-E740583BEFF3}" type="datetimeFigureOut">
               <a:rPr lang="en-US" smtClean="0"/>
-              <a:t>8/12/13</a:t>
+              <a:t>8/16/13</a:t>
             </a:fld>
             <a:endParaRPr lang="en-US"/>
           </a:p>
@@ -3617,7 +3617,7 @@
           <a:p>
             <a:fld id="{76183B97-7D03-374D-AECD-E740583BEFF3}" type="datetimeFigureOut">
               <a:rPr lang="en-US" smtClean="0"/>
-              <a:t>8/12/13</a:t>
+              <a:t>8/16/13</a:t>
             </a:fld>
             <a:endParaRPr lang="en-US"/>
           </a:p>
@@ -3870,7 +3870,7 @@
           <a:p>
             <a:fld id="{76183B97-7D03-374D-AECD-E740583BEFF3}" type="datetimeFigureOut">
               <a:rPr lang="en-US" smtClean="0"/>
-              <a:t>8/12/13</a:t>
+              <a:t>8/16/13</a:t>
             </a:fld>
             <a:endParaRPr lang="en-US"/>
           </a:p>
@@ -4083,7 +4083,7 @@
           <a:p>
             <a:fld id="{76183B97-7D03-374D-AECD-E740583BEFF3}" type="datetimeFigureOut">
               <a:rPr lang="en-US" smtClean="0"/>
-              <a:t>8/12/13</a:t>
+              <a:t>8/16/13</a:t>
             </a:fld>
             <a:endParaRPr lang="en-US"/>
           </a:p>
@@ -4575,15 +4575,7 @@
                   <a:schemeClr val="tx1"/>
                 </a:solidFill>
               </a:rPr>
-              <a:t>August 17</a:t>
-            </a:r>
-            <a:r>
-              <a:rPr lang="en-US" altLang="en-US" sz="2000" dirty="0" smtClean="0">
-                <a:solidFill>
-                  <a:schemeClr val="tx1"/>
-                </a:solidFill>
-              </a:rPr>
-              <a:t>, 2013</a:t>
+              <a:t>August 17, 2013</a:t>
             </a:r>
             <a:endParaRPr lang="en-US" altLang="en-US" sz="2000" dirty="0">
               <a:solidFill>
@@ -4849,11 +4841,7 @@
           <a:p>
             <a:r>
               <a:rPr lang="en-US" sz="2400" dirty="0" smtClean="0"/>
-              <a:t>Fuzzy Extractors derive reliable keys from noisy </a:t>
-            </a:r>
-            <a:r>
-              <a:rPr lang="en-US" sz="2400" dirty="0" smtClean="0"/>
-              <a:t>data</a:t>
+              <a:t>Fuzzy Extractors derive reliable keys from noisy data</a:t>
             </a:r>
           </a:p>
           <a:p>
@@ -4950,14 +4938,7 @@
                 <a:latin typeface="Calibri"/>
                 <a:cs typeface="Calibri"/>
               </a:rPr>
-              <a:t>Derive </a:t>
-            </a:r>
-            <a:r>
-              <a:rPr lang="en-US" sz="2000" dirty="0" smtClean="0">
-                <a:latin typeface="Calibri"/>
-                <a:cs typeface="Calibri"/>
-              </a:rPr>
-              <a:t>a key using a </a:t>
+              <a:t>Derive a key using a </a:t>
             </a:r>
             <a:br>
               <a:rPr lang="en-US" sz="2000" dirty="0" smtClean="0">
@@ -5003,17 +4984,7 @@
                 <a:latin typeface="Calibri"/>
                 <a:cs typeface="Calibri"/>
               </a:rPr>
-              <a:t>Secure </a:t>
-            </a:r>
-            <a:r>
-              <a:rPr lang="en-US" sz="2000" i="1" dirty="0" smtClean="0">
-                <a:solidFill>
-                  <a:srgbClr val="000000"/>
-                </a:solidFill>
-                <a:latin typeface="Calibri"/>
-                <a:cs typeface="Calibri"/>
-              </a:rPr>
-              <a:t>Sketch</a:t>
+              <a:t>Secure Sketch</a:t>
             </a:r>
           </a:p>
           <a:p>
@@ -5092,13 +5063,6 @@
               </a:rPr>
               <a:t>Entropy losses keep fuzzy extractors from being usable for many sources</a:t>
             </a:r>
-            <a:endParaRPr lang="en-US" sz="2000" dirty="0" smtClean="0">
-              <a:solidFill>
-                <a:srgbClr val="000000"/>
-              </a:solidFill>
-              <a:latin typeface="Calibri"/>
-              <a:cs typeface="Calibri"/>
-            </a:endParaRPr>
           </a:p>
           <a:p>
             <a:endParaRPr lang="en-US" sz="2400" dirty="0" smtClean="0">
@@ -5818,14 +5782,12 @@
       <p:cxnSp>
         <p:nvCxnSpPr>
           <p:cNvPr id="111" name="Elbow Connector 110"/>
-          <p:cNvCxnSpPr>
-            <a:endCxn id="113" idx="2"/>
-          </p:cNvCxnSpPr>
+          <p:cNvCxnSpPr/>
           <p:nvPr/>
         </p:nvCxnSpPr>
         <p:spPr>
           <a:xfrm rot="10800000" flipH="1" flipV="1">
-            <a:off x="5156087" y="3757374"/>
+            <a:off x="5167632" y="3757374"/>
             <a:ext cx="622203" cy="519762"/>
           </a:xfrm>
           <a:prstGeom prst="bentConnector3">
@@ -6080,7 +6042,7 @@
                             </p:stCondLst>
                             <p:childTnLst>
                               <p:par>
-                                <p:cTn id="5" presetID="10" presetClass="entr" presetSubtype="0" fill="hold" grpId="0" nodeType="clickEffect">
+                                <p:cTn id="5" presetID="10" presetClass="entr" presetSubtype="0" fill="hold" nodeType="clickEffect">
                                   <p:stCondLst>
                                     <p:cond delay="0"/>
                                   </p:stCondLst>
@@ -6093,7 +6055,11 @@
                                           </p:stCondLst>
                                         </p:cTn>
                                         <p:tgtEl>
-                                          <p:spTgt spid="51"/>
+                                          <p:spTgt spid="5">
+                                            <p:txEl>
+                                              <p:pRg st="3" end="3"/>
+                                            </p:txEl>
+                                          </p:spTgt>
                                         </p:tgtEl>
                                         <p:attrNameLst>
                                           <p:attrName>style.visibility</p:attrName>
@@ -6107,7 +6073,11 @@
                                       <p:cBhvr>
                                         <p:cTn id="7" dur="500"/>
                                         <p:tgtEl>
-                                          <p:spTgt spid="51"/>
+                                          <p:spTgt spid="5">
+                                            <p:txEl>
+                                              <p:pRg st="3" end="3"/>
+                                            </p:txEl>
+                                          </p:spTgt>
                                         </p:tgtEl>
                                       </p:cBhvr>
                                     </p:animEffect>
@@ -6115,7 +6085,7 @@
                                 </p:cTn>
                               </p:par>
                               <p:par>
-                                <p:cTn id="8" presetID="10" presetClass="entr" presetSubtype="0" fill="hold" grpId="0" nodeType="withEffect">
+                                <p:cTn id="8" presetID="10" presetClass="entr" presetSubtype="0" fill="hold" nodeType="withEffect">
                                   <p:stCondLst>
                                     <p:cond delay="0"/>
                                   </p:stCondLst>
@@ -6128,7 +6098,11 @@
                                           </p:stCondLst>
                                         </p:cTn>
                                         <p:tgtEl>
-                                          <p:spTgt spid="52"/>
+                                          <p:spTgt spid="5">
+                                            <p:txEl>
+                                              <p:pRg st="4" end="4"/>
+                                            </p:txEl>
+                                          </p:spTgt>
                                         </p:tgtEl>
                                         <p:attrNameLst>
                                           <p:attrName>style.visibility</p:attrName>
@@ -6142,7 +6116,11 @@
                                       <p:cBhvr>
                                         <p:cTn id="10" dur="500"/>
                                         <p:tgtEl>
-                                          <p:spTgt spid="52"/>
+                                          <p:spTgt spid="5">
+                                            <p:txEl>
+                                              <p:pRg st="4" end="4"/>
+                                            </p:txEl>
+                                          </p:spTgt>
                                         </p:tgtEl>
                                       </p:cBhvr>
                                     </p:animEffect>
@@ -6163,7 +6141,11 @@
                                           </p:stCondLst>
                                         </p:cTn>
                                         <p:tgtEl>
-                                          <p:spTgt spid="53"/>
+                                          <p:spTgt spid="5">
+                                            <p:txEl>
+                                              <p:pRg st="5" end="5"/>
+                                            </p:txEl>
+                                          </p:spTgt>
                                         </p:tgtEl>
                                         <p:attrNameLst>
                                           <p:attrName>style.visibility</p:attrName>
@@ -6177,6 +6159,133 @@
                                       <p:cBhvr>
                                         <p:cTn id="13" dur="500"/>
                                         <p:tgtEl>
+                                          <p:spTgt spid="5">
+                                            <p:txEl>
+                                              <p:pRg st="5" end="5"/>
+                                            </p:txEl>
+                                          </p:spTgt>
+                                        </p:tgtEl>
+                                      </p:cBhvr>
+                                    </p:animEffect>
+                                  </p:childTnLst>
+                                </p:cTn>
+                              </p:par>
+                            </p:childTnLst>
+                          </p:cTn>
+                        </p:par>
+                      </p:childTnLst>
+                    </p:cTn>
+                  </p:par>
+                  <p:par>
+                    <p:cTn id="14" fill="hold">
+                      <p:stCondLst>
+                        <p:cond delay="indefinite"/>
+                      </p:stCondLst>
+                      <p:childTnLst>
+                        <p:par>
+                          <p:cTn id="15" fill="hold">
+                            <p:stCondLst>
+                              <p:cond delay="0"/>
+                            </p:stCondLst>
+                            <p:childTnLst>
+                              <p:par>
+                                <p:cTn id="16" presetID="10" presetClass="entr" presetSubtype="0" fill="hold" grpId="0" nodeType="clickEffect">
+                                  <p:stCondLst>
+                                    <p:cond delay="0"/>
+                                  </p:stCondLst>
+                                  <p:childTnLst>
+                                    <p:set>
+                                      <p:cBhvr>
+                                        <p:cTn id="17" dur="1" fill="hold">
+                                          <p:stCondLst>
+                                            <p:cond delay="0"/>
+                                          </p:stCondLst>
+                                        </p:cTn>
+                                        <p:tgtEl>
+                                          <p:spTgt spid="51"/>
+                                        </p:tgtEl>
+                                        <p:attrNameLst>
+                                          <p:attrName>style.visibility</p:attrName>
+                                        </p:attrNameLst>
+                                      </p:cBhvr>
+                                      <p:to>
+                                        <p:strVal val="visible"/>
+                                      </p:to>
+                                    </p:set>
+                                    <p:animEffect transition="in" filter="fade">
+                                      <p:cBhvr>
+                                        <p:cTn id="18" dur="500"/>
+                                        <p:tgtEl>
+                                          <p:spTgt spid="51"/>
+                                        </p:tgtEl>
+                                      </p:cBhvr>
+                                    </p:animEffect>
+                                  </p:childTnLst>
+                                </p:cTn>
+                              </p:par>
+                              <p:par>
+                                <p:cTn id="19" presetID="10" presetClass="entr" presetSubtype="0" fill="hold" grpId="0" nodeType="withEffect">
+                                  <p:stCondLst>
+                                    <p:cond delay="0"/>
+                                  </p:stCondLst>
+                                  <p:childTnLst>
+                                    <p:set>
+                                      <p:cBhvr>
+                                        <p:cTn id="20" dur="1" fill="hold">
+                                          <p:stCondLst>
+                                            <p:cond delay="0"/>
+                                          </p:stCondLst>
+                                        </p:cTn>
+                                        <p:tgtEl>
+                                          <p:spTgt spid="52"/>
+                                        </p:tgtEl>
+                                        <p:attrNameLst>
+                                          <p:attrName>style.visibility</p:attrName>
+                                        </p:attrNameLst>
+                                      </p:cBhvr>
+                                      <p:to>
+                                        <p:strVal val="visible"/>
+                                      </p:to>
+                                    </p:set>
+                                    <p:animEffect transition="in" filter="fade">
+                                      <p:cBhvr>
+                                        <p:cTn id="21" dur="500"/>
+                                        <p:tgtEl>
+                                          <p:spTgt spid="52"/>
+                                        </p:tgtEl>
+                                      </p:cBhvr>
+                                    </p:animEffect>
+                                  </p:childTnLst>
+                                </p:cTn>
+                              </p:par>
+                              <p:par>
+                                <p:cTn id="22" presetID="10" presetClass="entr" presetSubtype="0" fill="hold" nodeType="withEffect">
+                                  <p:stCondLst>
+                                    <p:cond delay="0"/>
+                                  </p:stCondLst>
+                                  <p:childTnLst>
+                                    <p:set>
+                                      <p:cBhvr>
+                                        <p:cTn id="23" dur="1" fill="hold">
+                                          <p:stCondLst>
+                                            <p:cond delay="0"/>
+                                          </p:stCondLst>
+                                        </p:cTn>
+                                        <p:tgtEl>
+                                          <p:spTgt spid="53"/>
+                                        </p:tgtEl>
+                                        <p:attrNameLst>
+                                          <p:attrName>style.visibility</p:attrName>
+                                        </p:attrNameLst>
+                                      </p:cBhvr>
+                                      <p:to>
+                                        <p:strVal val="visible"/>
+                                      </p:to>
+                                    </p:set>
+                                    <p:animEffect transition="in" filter="fade">
+                                      <p:cBhvr>
+                                        <p:cTn id="24" dur="500"/>
+                                        <p:tgtEl>
                                           <p:spTgt spid="53"/>
                                         </p:tgtEl>
                                       </p:cBhvr>
@@ -6185,14 +6294,14 @@
                                 </p:cTn>
                               </p:par>
                               <p:par>
-                                <p:cTn id="14" presetID="10" presetClass="entr" presetSubtype="0" fill="hold" nodeType="withEffect">
+                                <p:cTn id="25" presetID="10" presetClass="entr" presetSubtype="0" fill="hold" nodeType="withEffect">
                                   <p:stCondLst>
                                     <p:cond delay="0"/>
                                   </p:stCondLst>
                                   <p:childTnLst>
                                     <p:set>
                                       <p:cBhvr>
-                                        <p:cTn id="15" dur="1" fill="hold">
+                                        <p:cTn id="26" dur="1" fill="hold">
                                           <p:stCondLst>
                                             <p:cond delay="0"/>
                                           </p:stCondLst>
@@ -6210,7 +6319,7 @@
                                     </p:set>
                                     <p:animEffect transition="in" filter="fade">
                                       <p:cBhvr>
-                                        <p:cTn id="16" dur="500"/>
+                                        <p:cTn id="27" dur="500"/>
                                         <p:tgtEl>
                                           <p:spTgt spid="56"/>
                                         </p:tgtEl>
@@ -6220,14 +6329,14 @@
                                 </p:cTn>
                               </p:par>
                               <p:par>
-                                <p:cTn id="17" presetID="10" presetClass="entr" presetSubtype="0" fill="hold" nodeType="withEffect">
+                                <p:cTn id="28" presetID="10" presetClass="entr" presetSubtype="0" fill="hold" nodeType="withEffect">
                                   <p:stCondLst>
                                     <p:cond delay="0"/>
                                   </p:stCondLst>
                                   <p:childTnLst>
                                     <p:set>
                                       <p:cBhvr>
-                                        <p:cTn id="18" dur="1" fill="hold">
+                                        <p:cTn id="29" dur="1" fill="hold">
                                           <p:stCondLst>
                                             <p:cond delay="0"/>
                                           </p:stCondLst>
@@ -6245,7 +6354,7 @@
                                     </p:set>
                                     <p:animEffect transition="in" filter="fade">
                                       <p:cBhvr>
-                                        <p:cTn id="19" dur="500"/>
+                                        <p:cTn id="30" dur="500"/>
                                         <p:tgtEl>
                                           <p:spTgt spid="57"/>
                                         </p:tgtEl>
@@ -6255,14 +6364,14 @@
                                 </p:cTn>
                               </p:par>
                               <p:par>
-                                <p:cTn id="20" presetID="10" presetClass="entr" presetSubtype="0" fill="hold" nodeType="withEffect">
+                                <p:cTn id="31" presetID="10" presetClass="entr" presetSubtype="0" fill="hold" nodeType="withEffect">
                                   <p:stCondLst>
                                     <p:cond delay="0"/>
                                   </p:stCondLst>
                                   <p:childTnLst>
                                     <p:set>
                                       <p:cBhvr>
-                                        <p:cTn id="21" dur="1" fill="hold">
+                                        <p:cTn id="32" dur="1" fill="hold">
                                           <p:stCondLst>
                                             <p:cond delay="0"/>
                                           </p:stCondLst>
@@ -6280,7 +6389,7 @@
                                     </p:set>
                                     <p:animEffect transition="in" filter="fade">
                                       <p:cBhvr>
-                                        <p:cTn id="22" dur="500"/>
+                                        <p:cTn id="33" dur="500"/>
                                         <p:tgtEl>
                                           <p:spTgt spid="94"/>
                                         </p:tgtEl>
@@ -6290,14 +6399,14 @@
                                 </p:cTn>
                               </p:par>
                               <p:par>
-                                <p:cTn id="23" presetID="10" presetClass="entr" presetSubtype="0" fill="hold" grpId="0" nodeType="withEffect">
+                                <p:cTn id="34" presetID="10" presetClass="entr" presetSubtype="0" fill="hold" grpId="0" nodeType="withEffect">
                                   <p:stCondLst>
                                     <p:cond delay="0"/>
                                   </p:stCondLst>
                                   <p:childTnLst>
                                     <p:set>
                                       <p:cBhvr>
-                                        <p:cTn id="24" dur="1" fill="hold">
+                                        <p:cTn id="35" dur="1" fill="hold">
                                           <p:stCondLst>
                                             <p:cond delay="0"/>
                                           </p:stCondLst>
@@ -6315,7 +6424,7 @@
                                     </p:set>
                                     <p:animEffect transition="in" filter="fade">
                                       <p:cBhvr>
-                                        <p:cTn id="25" dur="500"/>
+                                        <p:cTn id="36" dur="500"/>
                                         <p:tgtEl>
                                           <p:spTgt spid="102"/>
                                         </p:tgtEl>
@@ -6325,14 +6434,14 @@
                                 </p:cTn>
                               </p:par>
                               <p:par>
-                                <p:cTn id="26" presetID="10" presetClass="entr" presetSubtype="0" fill="hold" grpId="0" nodeType="withEffect">
+                                <p:cTn id="37" presetID="10" presetClass="entr" presetSubtype="0" fill="hold" grpId="0" nodeType="withEffect">
                                   <p:stCondLst>
                                     <p:cond delay="0"/>
                                   </p:stCondLst>
                                   <p:childTnLst>
                                     <p:set>
                                       <p:cBhvr>
-                                        <p:cTn id="27" dur="1" fill="hold">
+                                        <p:cTn id="38" dur="1" fill="hold">
                                           <p:stCondLst>
                                             <p:cond delay="0"/>
                                           </p:stCondLst>
@@ -6350,7 +6459,7 @@
                                     </p:set>
                                     <p:animEffect transition="in" filter="fade">
                                       <p:cBhvr>
-                                        <p:cTn id="28" dur="500"/>
+                                        <p:cTn id="39" dur="500"/>
                                         <p:tgtEl>
                                           <p:spTgt spid="103"/>
                                         </p:tgtEl>
@@ -6360,14 +6469,14 @@
                                 </p:cTn>
                               </p:par>
                               <p:par>
-                                <p:cTn id="29" presetID="10" presetClass="entr" presetSubtype="0" fill="hold" grpId="0" nodeType="withEffect">
+                                <p:cTn id="40" presetID="10" presetClass="entr" presetSubtype="0" fill="hold" grpId="0" nodeType="withEffect">
                                   <p:stCondLst>
                                     <p:cond delay="0"/>
                                   </p:stCondLst>
                                   <p:childTnLst>
                                     <p:set>
                                       <p:cBhvr>
-                                        <p:cTn id="30" dur="1" fill="hold">
+                                        <p:cTn id="41" dur="1" fill="hold">
                                           <p:stCondLst>
                                             <p:cond delay="0"/>
                                           </p:stCondLst>
@@ -6385,7 +6494,7 @@
                                     </p:set>
                                     <p:animEffect transition="in" filter="fade">
                                       <p:cBhvr>
-                                        <p:cTn id="31" dur="500"/>
+                                        <p:cTn id="42" dur="500"/>
                                         <p:tgtEl>
                                           <p:spTgt spid="104"/>
                                         </p:tgtEl>
@@ -6395,14 +6504,14 @@
                                 </p:cTn>
                               </p:par>
                               <p:par>
-                                <p:cTn id="32" presetID="10" presetClass="entr" presetSubtype="0" fill="hold" nodeType="withEffect">
+                                <p:cTn id="43" presetID="10" presetClass="entr" presetSubtype="0" fill="hold" nodeType="withEffect">
                                   <p:stCondLst>
                                     <p:cond delay="0"/>
                                   </p:stCondLst>
                                   <p:childTnLst>
                                     <p:set>
                                       <p:cBhvr>
-                                        <p:cTn id="33" dur="1" fill="hold">
+                                        <p:cTn id="44" dur="1" fill="hold">
                                           <p:stCondLst>
                                             <p:cond delay="0"/>
                                           </p:stCondLst>
@@ -6420,7 +6529,7 @@
                                     </p:set>
                                     <p:animEffect transition="in" filter="fade">
                                       <p:cBhvr>
-                                        <p:cTn id="34" dur="500"/>
+                                        <p:cTn id="45" dur="500"/>
                                         <p:tgtEl>
                                           <p:spTgt spid="106"/>
                                         </p:tgtEl>
@@ -6430,14 +6539,14 @@
                                 </p:cTn>
                               </p:par>
                               <p:par>
-                                <p:cTn id="35" presetID="10" presetClass="entr" presetSubtype="0" fill="hold" nodeType="withEffect">
+                                <p:cTn id="46" presetID="10" presetClass="entr" presetSubtype="0" fill="hold" nodeType="withEffect">
                                   <p:stCondLst>
                                     <p:cond delay="0"/>
                                   </p:stCondLst>
                                   <p:childTnLst>
                                     <p:set>
                                       <p:cBhvr>
-                                        <p:cTn id="36" dur="1" fill="hold">
+                                        <p:cTn id="47" dur="1" fill="hold">
                                           <p:stCondLst>
                                             <p:cond delay="0"/>
                                           </p:stCondLst>
@@ -6455,7 +6564,7 @@
                                     </p:set>
                                     <p:animEffect transition="in" filter="fade">
                                       <p:cBhvr>
-                                        <p:cTn id="37" dur="500"/>
+                                        <p:cTn id="48" dur="500"/>
                                         <p:tgtEl>
                                           <p:spTgt spid="107"/>
                                         </p:tgtEl>
@@ -6465,14 +6574,14 @@
                                 </p:cTn>
                               </p:par>
                               <p:par>
-                                <p:cTn id="38" presetID="10" presetClass="entr" presetSubtype="0" fill="hold" nodeType="withEffect">
+                                <p:cTn id="49" presetID="10" presetClass="entr" presetSubtype="0" fill="hold" nodeType="withEffect">
                                   <p:stCondLst>
                                     <p:cond delay="0"/>
                                   </p:stCondLst>
                                   <p:childTnLst>
                                     <p:set>
                                       <p:cBhvr>
-                                        <p:cTn id="39" dur="1" fill="hold">
+                                        <p:cTn id="50" dur="1" fill="hold">
                                           <p:stCondLst>
                                             <p:cond delay="0"/>
                                           </p:stCondLst>
@@ -6490,7 +6599,7 @@
                                     </p:set>
                                     <p:animEffect transition="in" filter="fade">
                                       <p:cBhvr>
-                                        <p:cTn id="40" dur="500"/>
+                                        <p:cTn id="51" dur="500"/>
                                         <p:tgtEl>
                                           <p:spTgt spid="110"/>
                                         </p:tgtEl>
@@ -6500,14 +6609,14 @@
                                 </p:cTn>
                               </p:par>
                               <p:par>
-                                <p:cTn id="41" presetID="10" presetClass="entr" presetSubtype="0" fill="hold" nodeType="withEffect">
+                                <p:cTn id="52" presetID="10" presetClass="entr" presetSubtype="0" fill="hold" nodeType="withEffect">
                                   <p:stCondLst>
                                     <p:cond delay="0"/>
                                   </p:stCondLst>
                                   <p:childTnLst>
                                     <p:set>
                                       <p:cBhvr>
-                                        <p:cTn id="42" dur="1" fill="hold">
+                                        <p:cTn id="53" dur="1" fill="hold">
                                           <p:stCondLst>
                                             <p:cond delay="0"/>
                                           </p:stCondLst>
@@ -6525,7 +6634,7 @@
                                     </p:set>
                                     <p:animEffect transition="in" filter="fade">
                                       <p:cBhvr>
-                                        <p:cTn id="43" dur="500"/>
+                                        <p:cTn id="54" dur="500"/>
                                         <p:tgtEl>
                                           <p:spTgt spid="111"/>
                                         </p:tgtEl>
@@ -6535,14 +6644,14 @@
                                 </p:cTn>
                               </p:par>
                               <p:par>
-                                <p:cTn id="44" presetID="10" presetClass="entr" presetSubtype="0" fill="hold" nodeType="withEffect">
+                                <p:cTn id="55" presetID="10" presetClass="entr" presetSubtype="0" fill="hold" nodeType="withEffect">
                                   <p:stCondLst>
                                     <p:cond delay="0"/>
                                   </p:stCondLst>
                                   <p:childTnLst>
                                     <p:set>
                                       <p:cBhvr>
-                                        <p:cTn id="45" dur="1" fill="hold">
+                                        <p:cTn id="56" dur="1" fill="hold">
                                           <p:stCondLst>
                                             <p:cond delay="0"/>
                                           </p:stCondLst>
@@ -6560,7 +6669,7 @@
                                     </p:set>
                                     <p:animEffect transition="in" filter="fade">
                                       <p:cBhvr>
-                                        <p:cTn id="46" dur="500"/>
+                                        <p:cTn id="57" dur="500"/>
                                         <p:tgtEl>
                                           <p:spTgt spid="112"/>
                                         </p:tgtEl>
@@ -6570,14 +6679,14 @@
                                 </p:cTn>
                               </p:par>
                               <p:par>
-                                <p:cTn id="47" presetID="10" presetClass="entr" presetSubtype="0" fill="hold" nodeType="withEffect">
+                                <p:cTn id="58" presetID="10" presetClass="entr" presetSubtype="0" fill="hold" nodeType="withEffect">
                                   <p:stCondLst>
                                     <p:cond delay="0"/>
                                   </p:stCondLst>
                                   <p:childTnLst>
                                     <p:set>
                                       <p:cBhvr>
-                                        <p:cTn id="48" dur="1" fill="hold">
+                                        <p:cTn id="59" dur="1" fill="hold">
                                           <p:stCondLst>
                                             <p:cond delay="0"/>
                                           </p:stCondLst>
@@ -6595,7 +6704,7 @@
                                     </p:set>
                                     <p:animEffect transition="in" filter="fade">
                                       <p:cBhvr>
-                                        <p:cTn id="49" dur="500"/>
+                                        <p:cTn id="60" dur="500"/>
                                         <p:tgtEl>
                                           <p:spTgt spid="115"/>
                                         </p:tgtEl>
@@ -6611,26 +6720,26 @@
                     </p:cTn>
                   </p:par>
                   <p:par>
-                    <p:cTn id="50" fill="hold">
+                    <p:cTn id="61" fill="hold">
                       <p:stCondLst>
                         <p:cond delay="indefinite"/>
                       </p:stCondLst>
                       <p:childTnLst>
                         <p:par>
-                          <p:cTn id="51" fill="hold">
+                          <p:cTn id="62" fill="hold">
                             <p:stCondLst>
                               <p:cond delay="0"/>
                             </p:stCondLst>
                             <p:childTnLst>
                               <p:par>
-                                <p:cTn id="52" presetID="10" presetClass="entr" presetSubtype="0" fill="hold" nodeType="clickEffect">
+                                <p:cTn id="63" presetID="10" presetClass="entr" presetSubtype="0" fill="hold" nodeType="clickEffect">
                                   <p:stCondLst>
                                     <p:cond delay="0"/>
                                   </p:stCondLst>
                                   <p:childTnLst>
                                     <p:set>
                                       <p:cBhvr>
-                                        <p:cTn id="53" dur="1" fill="hold">
+                                        <p:cTn id="64" dur="1" fill="hold">
                                           <p:stCondLst>
                                             <p:cond delay="0"/>
                                           </p:stCondLst>
@@ -6652,7 +6761,7 @@
                                     </p:set>
                                     <p:animEffect transition="in" filter="fade">
                                       <p:cBhvr>
-                                        <p:cTn id="54" dur="500"/>
+                                        <p:cTn id="65" dur="500"/>
                                         <p:tgtEl>
                                           <p:spTgt spid="5">
                                             <p:txEl>
@@ -6666,14 +6775,14 @@
                                 </p:cTn>
                               </p:par>
                               <p:par>
-                                <p:cTn id="55" presetID="10" presetClass="entr" presetSubtype="0" fill="hold" nodeType="withEffect">
+                                <p:cTn id="66" presetID="10" presetClass="entr" presetSubtype="0" fill="hold" nodeType="withEffect">
                                   <p:stCondLst>
                                     <p:cond delay="0"/>
                                   </p:stCondLst>
                                   <p:childTnLst>
                                     <p:set>
                                       <p:cBhvr>
-                                        <p:cTn id="56" dur="1" fill="hold">
+                                        <p:cTn id="67" dur="1" fill="hold">
                                           <p:stCondLst>
                                             <p:cond delay="0"/>
                                           </p:stCondLst>
@@ -6695,7 +6804,7 @@
                                     </p:set>
                                     <p:animEffect transition="in" filter="fade">
                                       <p:cBhvr>
-                                        <p:cTn id="57" dur="500"/>
+                                        <p:cTn id="68" dur="500"/>
                                         <p:tgtEl>
                                           <p:spTgt spid="5">
                                             <p:txEl>
@@ -6715,26 +6824,26 @@
                     </p:cTn>
                   </p:par>
                   <p:par>
-                    <p:cTn id="58" fill="hold">
+                    <p:cTn id="69" fill="hold">
                       <p:stCondLst>
                         <p:cond delay="indefinite"/>
                       </p:stCondLst>
                       <p:childTnLst>
                         <p:par>
-                          <p:cTn id="59" fill="hold">
+                          <p:cTn id="70" fill="hold">
                             <p:stCondLst>
                               <p:cond delay="0"/>
                             </p:stCondLst>
                             <p:childTnLst>
                               <p:par>
-                                <p:cTn id="60" presetID="10" presetClass="entr" presetSubtype="0" fill="hold" grpId="0" nodeType="clickEffect">
+                                <p:cTn id="71" presetID="10" presetClass="entr" presetSubtype="0" fill="hold" grpId="0" nodeType="clickEffect">
                                   <p:stCondLst>
                                     <p:cond delay="0"/>
                                   </p:stCondLst>
                                   <p:childTnLst>
                                     <p:set>
                                       <p:cBhvr>
-                                        <p:cTn id="61" dur="1" fill="hold">
+                                        <p:cTn id="72" dur="1" fill="hold">
                                           <p:stCondLst>
                                             <p:cond delay="0"/>
                                           </p:stCondLst>
@@ -6754,7 +6863,7 @@
                                     </p:set>
                                     <p:animEffect transition="in" filter="fade">
                                       <p:cBhvr>
-                                        <p:cTn id="62" dur="500"/>
+                                        <p:cTn id="73" dur="500"/>
                                         <p:tgtEl>
                                           <p:spTgt spid="7">
                                             <p:bg/>
@@ -6766,14 +6875,14 @@
                                 </p:cTn>
                               </p:par>
                               <p:par>
-                                <p:cTn id="63" presetID="10" presetClass="entr" presetSubtype="0" fill="hold" grpId="0" nodeType="withEffect">
+                                <p:cTn id="74" presetID="10" presetClass="entr" presetSubtype="0" fill="hold" grpId="0" nodeType="withEffect">
                                   <p:stCondLst>
                                     <p:cond delay="0"/>
                                   </p:stCondLst>
                                   <p:childTnLst>
                                     <p:set>
                                       <p:cBhvr>
-                                        <p:cTn id="64" dur="1" fill="hold">
+                                        <p:cTn id="75" dur="1" fill="hold">
                                           <p:stCondLst>
                                             <p:cond delay="0"/>
                                           </p:stCondLst>
@@ -6795,7 +6904,7 @@
                                     </p:set>
                                     <p:animEffect transition="in" filter="fade">
                                       <p:cBhvr>
-                                        <p:cTn id="65" dur="500"/>
+                                        <p:cTn id="76" dur="500"/>
                                         <p:tgtEl>
                                           <p:spTgt spid="7">
                                             <p:txEl>
@@ -6872,7 +6981,7 @@
         </p:nvSpPr>
         <p:spPr bwMode="auto">
           <a:xfrm rot="5400000">
-            <a:off x="5651631" y="2963012"/>
+            <a:off x="5651631" y="2951467"/>
             <a:ext cx="1044618" cy="762976"/>
           </a:xfrm>
           <a:prstGeom prst="trapezoid">
@@ -7032,14 +7141,7 @@
                 <a:latin typeface="Calibri"/>
                 <a:cs typeface="Calibri"/>
               </a:rPr>
-              <a:t> </a:t>
-            </a:r>
-            <a:r>
-              <a:rPr lang="en-US" sz="2200" dirty="0" smtClean="0">
-                <a:latin typeface="Calibri"/>
-                <a:cs typeface="Calibri"/>
-              </a:rPr>
-              <a:t>Defining secure sketches</a:t>
+              <a:t> Defining secure sketches</a:t>
             </a:r>
             <a:br>
               <a:rPr lang="en-US" sz="2200" dirty="0" smtClean="0">
@@ -7078,24 +7180,15 @@
           <a:p>
             <a:r>
               <a:rPr lang="en-US" sz="2800" dirty="0" smtClean="0"/>
-              <a:t>Using a new construction: </a:t>
-            </a:r>
-            <a:r>
-              <a:rPr lang="en-US" sz="2800" dirty="0" smtClean="0"/>
-              <a:t>YES</a:t>
+              <a:t>Using a new construction: YES</a:t>
             </a:r>
           </a:p>
           <a:p>
             <a:pPr lvl="1"/>
             <a:r>
               <a:rPr lang="en-US" sz="2200" dirty="0" smtClean="0"/>
-              <a:t>Know we </a:t>
-            </a:r>
-            <a:r>
-              <a:rPr lang="en-US" sz="2200" dirty="0" smtClean="0"/>
-              <a:t>can’t change the sketch</a:t>
-            </a:r>
-            <a:endParaRPr lang="en-US" sz="2200" dirty="0" smtClean="0"/>
+              <a:t>Know we can’t change the sketch</a:t>
+            </a:r>
           </a:p>
           <a:p>
             <a:pPr lvl="1"/>
@@ -7122,11 +7215,7 @@
             <a:pPr lvl="1"/>
             <a:r>
               <a:rPr lang="en-US" sz="2200" dirty="0" smtClean="0"/>
-              <a:t>We </a:t>
-            </a:r>
-            <a:r>
-              <a:rPr lang="en-US" sz="2200" dirty="0" smtClean="0"/>
-              <a:t>make the whole process computational</a:t>
+              <a:t>We make the whole process computational</a:t>
             </a:r>
           </a:p>
           <a:p>
@@ -7784,14 +7873,12 @@
       <p:cxnSp>
         <p:nvCxnSpPr>
           <p:cNvPr id="20" name="Elbow Connector 19"/>
-          <p:cNvCxnSpPr>
-            <a:endCxn id="22" idx="2"/>
-          </p:cNvCxnSpPr>
+          <p:cNvCxnSpPr/>
           <p:nvPr/>
         </p:nvCxnSpPr>
         <p:spPr>
           <a:xfrm rot="10800000" flipH="1" flipV="1">
-            <a:off x="5156087" y="3757374"/>
+            <a:off x="5167632" y="3757374"/>
             <a:ext cx="622203" cy="519762"/>
           </a:xfrm>
           <a:prstGeom prst="bentConnector3">
@@ -9164,20 +9251,11 @@
               <a:rPr lang="en-US" sz="2200" dirty="0" smtClean="0"/>
               <a:t>Our encryption algorithm is the “code-offset” secure sketch instantiated with random linear code (security from LWE)</a:t>
             </a:r>
-            <a:endParaRPr lang="en-US" sz="2200" dirty="0" smtClean="0"/>
           </a:p>
           <a:p>
             <a:r>
               <a:rPr lang="en-US" sz="2200" dirty="0" smtClean="0"/>
-              <a:t>First fuzzy </a:t>
-            </a:r>
-            <a:r>
-              <a:rPr lang="en-US" sz="2200" dirty="0" smtClean="0"/>
-              <a:t>extractor where </a:t>
-            </a:r>
-            <a:r>
-              <a:rPr lang="en-US" sz="2200" dirty="0" smtClean="0"/>
-              <a:t/>
+              <a:t>First fuzzy extractor where </a:t>
             </a:r>
             <a:br>
               <a:rPr lang="en-US" sz="2200" dirty="0" smtClean="0"/>
@@ -10576,13 +10654,100 @@
         </p:nvSpPr>
         <p:spPr>
           <a:xfrm>
-            <a:off x="254000" y="999692"/>
+            <a:off x="87746" y="0"/>
+            <a:ext cx="3722255" cy="1143000"/>
+          </a:xfrm>
+        </p:spPr>
+        <p:txBody>
+          <a:bodyPr/>
+          <a:lstStyle/>
+          <a:p>
+            <a:pPr algn="l"/>
+            <a:r>
+              <a:rPr lang="en-US" dirty="0" smtClean="0"/>
+              <a:t>Open Problems</a:t>
+            </a:r>
+            <a:endParaRPr lang="en-US" dirty="0"/>
+          </a:p>
+        </p:txBody>
+      </p:sp>
+      <p:sp>
+        <p:nvSpPr>
+          <p:cNvPr id="3" name="Content Placeholder 2"/>
+          <p:cNvSpPr>
+            <a:spLocks noGrp="1"/>
+          </p:cNvSpPr>
+          <p:nvPr>
+            <p:ph idx="1"/>
+          </p:nvPr>
+        </p:nvSpPr>
+        <p:spPr>
+          <a:xfrm>
+            <a:off x="457199" y="1143000"/>
+            <a:ext cx="8455891" cy="4525963"/>
+          </a:xfrm>
+        </p:spPr>
+        <p:txBody>
+          <a:bodyPr/>
+          <a:lstStyle/>
+          <a:p>
+            <a:r>
+              <a:rPr lang="en-US" dirty="0" smtClean="0"/>
+              <a:t>Security for arbitrary high entropy distributions</a:t>
+            </a:r>
+          </a:p>
+          <a:p>
+            <a:r>
+              <a:rPr lang="en-US" smtClean="0"/>
+              <a:t>Efficient reproduction for </a:t>
+            </a:r>
+            <a:r>
+              <a:rPr lang="en-US" dirty="0" smtClean="0"/>
+              <a:t>constant error rate</a:t>
+            </a:r>
+          </a:p>
+          <a:p>
+            <a:endParaRPr lang="en-US" dirty="0"/>
+          </a:p>
+        </p:txBody>
+      </p:sp>
+      <p:sp>
+        <p:nvSpPr>
+          <p:cNvPr id="4" name="Title 1"/>
+          <p:cNvSpPr txBox="1">
+            <a:spLocks/>
+          </p:cNvSpPr>
+          <p:nvPr/>
+        </p:nvSpPr>
+        <p:spPr>
+          <a:xfrm>
+            <a:off x="457199" y="2881602"/>
             <a:ext cx="8229600" cy="1143000"/>
           </a:xfrm>
+          <a:prstGeom prst="rect">
+            <a:avLst/>
+          </a:prstGeom>
         </p:spPr>
         <p:txBody>
-          <a:bodyPr/>
-          <a:lstStyle/>
+          <a:bodyPr vert="horz" lIns="91440" tIns="45720" rIns="91440" bIns="45720" rtlCol="0" anchor="ctr">
+            <a:normAutofit/>
+          </a:bodyPr>
+          <a:lstStyle>
+            <a:lvl1pPr algn="ctr" defTabSz="457200" rtl="0" eaLnBrk="1" latinLnBrk="0" hangingPunct="1">
+              <a:spcBef>
+                <a:spcPct val="0"/>
+              </a:spcBef>
+              <a:buNone/>
+              <a:defRPr sz="4400" kern="1200">
+                <a:solidFill>
+                  <a:schemeClr val="tx1"/>
+                </a:solidFill>
+                <a:latin typeface="+mj-lt"/>
+                <a:ea typeface="+mj-ea"/>
+                <a:cs typeface="+mj-cs"/>
+              </a:defRPr>
+            </a:lvl1pPr>
+          </a:lstStyle>
           <a:p>
             <a:r>
               <a:rPr lang="en-US" dirty="0" smtClean="0"/>
@@ -10594,14 +10759,14 @@
       </p:sp>
       <p:sp>
         <p:nvSpPr>
-          <p:cNvPr id="3" name="TextBox 2"/>
+          <p:cNvPr id="5" name="TextBox 4"/>
           <p:cNvSpPr txBox="1"/>
           <p:nvPr/>
         </p:nvSpPr>
         <p:spPr>
           <a:xfrm>
-            <a:off x="1642233" y="3602181"/>
-            <a:ext cx="5453135" cy="2062103"/>
+            <a:off x="1907780" y="4179455"/>
+            <a:ext cx="5453135" cy="2554545"/>
           </a:xfrm>
           <a:prstGeom prst="rect">
             <a:avLst/>
@@ -10617,6 +10782,21 @@
             <a:pPr algn="ctr"/>
             <a:r>
               <a:rPr lang="en-US" sz="3200" dirty="0" smtClean="0"/>
+              <a:t>To appear at </a:t>
+            </a:r>
+            <a:r>
+              <a:rPr lang="en-US" sz="3200" dirty="0" err="1" smtClean="0"/>
+              <a:t>Asiacrypt</a:t>
+            </a:r>
+            <a:r>
+              <a:rPr lang="en-US" sz="3200" dirty="0" smtClean="0"/>
+              <a:t> ‘13</a:t>
+            </a:r>
+            <a:br>
+              <a:rPr lang="en-US" sz="3200" dirty="0" smtClean="0"/>
+            </a:br>
+            <a:r>
+              <a:rPr lang="en-US" sz="3200" dirty="0" smtClean="0"/>
               <a:t>Available:</a:t>
             </a:r>
             <a:endParaRPr lang="en-US" sz="3200" dirty="0" smtClean="0">
@@ -10657,7 +10837,7 @@
     </p:spTree>
     <p:extLst>
       <p:ext uri="{BB962C8B-B14F-4D97-AF65-F5344CB8AC3E}">
-        <p14:creationId xmlns:p14="http://schemas.microsoft.com/office/powerpoint/2010/main" val="2639756856"/>
+        <p14:creationId xmlns:p14="http://schemas.microsoft.com/office/powerpoint/2010/main" val="1149044383"/>
       </p:ext>
     </p:extLst>
   </p:cSld>

--- a/ComputationalFuzzyExtractors-CryptoRump.pptx
+++ b/ComputationalFuzzyExtractors-CryptoRump.pptx
@@ -5,14 +5,18 @@
     <p:sldMasterId id="2147483648" r:id="rId1"/>
   </p:sldMasterIdLst>
   <p:notesMasterIdLst>
-    <p:notesMasterId r:id="rId7"/>
+    <p:notesMasterId r:id="rId11"/>
   </p:notesMasterIdLst>
   <p:sldIdLst>
     <p:sldId id="257" r:id="rId2"/>
-    <p:sldId id="366" r:id="rId3"/>
-    <p:sldId id="315" r:id="rId4"/>
-    <p:sldId id="365" r:id="rId5"/>
-    <p:sldId id="367" r:id="rId6"/>
+    <p:sldId id="368" r:id="rId3"/>
+    <p:sldId id="366" r:id="rId4"/>
+    <p:sldId id="315" r:id="rId5"/>
+    <p:sldId id="371" r:id="rId6"/>
+    <p:sldId id="370" r:id="rId7"/>
+    <p:sldId id="369" r:id="rId8"/>
+    <p:sldId id="365" r:id="rId9"/>
+    <p:sldId id="367" r:id="rId10"/>
   </p:sldIdLst>
   <p:sldSz cx="9144000" cy="6858000" type="screen4x3"/>
   <p:notesSz cx="6858000" cy="9144000"/>
@@ -196,7 +200,7 @@
           <a:p>
             <a:fld id="{941E4532-0A1D-7741-B7F8-C491C4C533AD}" type="datetimeFigureOut">
               <a:rPr lang="en-US" smtClean="0"/>
-              <a:t>8/16/13</a:t>
+              <a:t>8/19/13</a:t>
             </a:fld>
             <a:endParaRPr lang="en-US"/>
           </a:p>
@@ -1112,7 +1116,7 @@
           <a:p>
             <a:fld id="{78F37516-47F0-4541-821C-B489248754D7}" type="slidenum">
               <a:rPr lang="en-US" smtClean="0"/>
-              <a:t>2</a:t>
+              <a:t>3</a:t>
             </a:fld>
             <a:endParaRPr lang="en-US"/>
           </a:p>
@@ -1262,7 +1266,7 @@
           <a:p>
             <a:fld id="{78F37516-47F0-4541-821C-B489248754D7}" type="slidenum">
               <a:rPr lang="en-US" smtClean="0"/>
-              <a:t>3</a:t>
+              <a:t>4</a:t>
             </a:fld>
             <a:endParaRPr lang="en-US"/>
           </a:p>
@@ -1327,14 +1331,13 @@
           <a:p>
             <a:r>
               <a:rPr lang="en-US" dirty="0" smtClean="0"/>
-              <a:t>&lt;click&gt;</a:t>
-            </a:r>
-          </a:p>
-          <a:p>
-            <a:r>
-              <a:rPr lang="en-US" dirty="0" smtClean="0"/>
-              <a:t>We’ll combine the sketch and extractor into one object.</a:t>
-            </a:r>
+              <a:t>In this work, we ask whether these problems can be overcome in the computational setting.</a:t>
+            </a:r>
+            <a:r>
+              <a:rPr lang="en-US" baseline="0" dirty="0" smtClean="0"/>
+              <a:t>  We provide an answer for both secure sketches and fuzzy extractors.</a:t>
+            </a:r>
+            <a:endParaRPr lang="en-US" dirty="0" smtClean="0"/>
           </a:p>
           <a:p>
             <a:r>
@@ -1345,11 +1348,11 @@
           <a:p>
             <a:r>
               <a:rPr lang="en-US" dirty="0" smtClean="0"/>
-              <a:t>Our construction is based on the code-offset</a:t>
+              <a:t>For secure sketches the answer is no.  We provide</a:t>
             </a:r>
             <a:r>
               <a:rPr lang="en-US" baseline="0" dirty="0" smtClean="0"/>
-              <a:t> sketch instantiated with a random linear code.</a:t>
+              <a:t> two results.</a:t>
             </a:r>
           </a:p>
           <a:p>
@@ -1361,7 +1364,7 @@
           <a:p>
             <a:r>
               <a:rPr lang="en-US" baseline="0" dirty="0" smtClean="0"/>
-              <a:t>Thus, we have a random matrix A times x plus an error vector.  We’ll encode our source as the LWE error vector.</a:t>
+              <a:t>We first show that a sketch that retains k bits of HILL entropy implies a sketch that retains k-2 bits of min-entropy.  Thus, you might as well use an information-theoretic sketch.  </a:t>
             </a:r>
           </a:p>
           <a:p>
@@ -1373,13 +1376,13 @@
           <a:p>
             <a:r>
               <a:rPr lang="en-US" baseline="0" dirty="0" smtClean="0"/>
-              <a:t>&lt;click&gt;</a:t>
+              <a:t>In case this definition is too strong, we also show the unpredictability for high entropy sources must decrease.  In particular, the unpredictability of the uniform distribution must decrease by log of the ball of radius d_{max}.  This was the same bound we had in the information-theoretic case.</a:t>
             </a:r>
           </a:p>
           <a:p>
             <a:r>
               <a:rPr lang="en-US" baseline="0" dirty="0" smtClean="0"/>
-              <a:t>Our public values are the code matrix A and the result Ax+w_0 = b.</a:t>
+              <a:t>On the positive-side we show that can be overcome by analyzing fuzzy extractors directly.</a:t>
             </a:r>
           </a:p>
           <a:p>
@@ -1387,50 +1390,12 @@
               <a:rPr lang="en-US" baseline="0" dirty="0" smtClean="0"/>
               <a:t>&lt;click&gt;</a:t>
             </a:r>
-            <a:br>
+          </a:p>
+          <a:p>
+            <a:r>
               <a:rPr lang="en-US" baseline="0" dirty="0" smtClean="0"/>
-            </a:br>
-            <a:r>
-              <a:rPr lang="en-US" baseline="0" dirty="0" smtClean="0"/>
-              <a:t>We’ll use a result of </a:t>
-            </a:r>
-            <a:r>
-              <a:rPr lang="en-US" baseline="0" dirty="0" err="1" smtClean="0"/>
-              <a:t>Akavia</a:t>
-            </a:r>
-            <a:r>
-              <a:rPr lang="en-US" baseline="0" dirty="0" smtClean="0"/>
-              <a:t>, </a:t>
-            </a:r>
-            <a:r>
-              <a:rPr lang="en-US" baseline="0" dirty="0" err="1" smtClean="0"/>
-              <a:t>Goldwasser</a:t>
-            </a:r>
-            <a:r>
-              <a:rPr lang="en-US" baseline="0" dirty="0" smtClean="0"/>
-              <a:t>, and </a:t>
-            </a:r>
-            <a:r>
-              <a:rPr lang="en-US" baseline="0" dirty="0" err="1" smtClean="0"/>
-              <a:t>Vaikuntanathan</a:t>
-            </a:r>
-            <a:r>
-              <a:rPr lang="en-US" baseline="0" dirty="0" smtClean="0"/>
-              <a:t> that says once LWE is secure adding more variables to x makes these variables hardcore.  So, we’ll double the size of our matrix and use half of x as our key.</a:t>
-            </a:r>
-          </a:p>
-          <a:p>
-            <a:r>
-              <a:rPr lang="en-US" baseline="0" dirty="0" smtClean="0"/>
-              <a:t>&lt;click&gt;</a:t>
-            </a:r>
-          </a:p>
-          <a:p>
-            <a:r>
-              <a:rPr lang="en-US" baseline="0" dirty="0" smtClean="0"/>
-              <a:t>Using this construction we are able to build a fuzzy extractor has key length independent of the desired error tolerance and in fact the derived key is as long as the input source w_0.</a:t>
-            </a:r>
-            <a:endParaRPr lang="en-US" dirty="0"/>
+              <a:t>We know we can’t modify just the secure sketch.  We have constructions of computational extractors we could use in place of a randomness extractor.  However, we would need the remaining entropy after the secure sketch to be high enough for cryptography.  We’ll avoid these problems by making the entire process computational.</a:t>
+            </a:r>
           </a:p>
         </p:txBody>
       </p:sp>
@@ -1451,7 +1416,496 @@
           <a:p>
             <a:fld id="{78F37516-47F0-4541-821C-B489248754D7}" type="slidenum">
               <a:rPr lang="en-US" smtClean="0"/>
-              <a:t>4</a:t>
+              <a:t>5</a:t>
+            </a:fld>
+            <a:endParaRPr lang="en-US"/>
+          </a:p>
+        </p:txBody>
+      </p:sp>
+    </p:spTree>
+    <p:extLst>
+      <p:ext uri="{BB962C8B-B14F-4D97-AF65-F5344CB8AC3E}">
+        <p14:creationId xmlns:p14="http://schemas.microsoft.com/office/powerpoint/2010/main" val="3915379164"/>
+      </p:ext>
+    </p:extLst>
+  </p:cSld>
+  <p:clrMapOvr>
+    <a:masterClrMapping/>
+  </p:clrMapOvr>
+</p:notes>
+</file>
+
+<file path=ppt/notesSlides/notesSlide5.xml><?xml version="1.0" encoding="utf-8"?>
+<p:notes xmlns:a="http://schemas.openxmlformats.org/drawingml/2006/main" xmlns:r="http://schemas.openxmlformats.org/officeDocument/2006/relationships" xmlns:p="http://schemas.openxmlformats.org/presentationml/2006/main">
+  <p:cSld>
+    <p:spTree>
+      <p:nvGrpSpPr>
+        <p:cNvPr id="1" name=""/>
+        <p:cNvGrpSpPr/>
+        <p:nvPr/>
+      </p:nvGrpSpPr>
+      <p:grpSpPr>
+        <a:xfrm>
+          <a:off x="0" y="0"/>
+          <a:ext cx="0" cy="0"/>
+          <a:chOff x="0" y="0"/>
+          <a:chExt cx="0" cy="0"/>
+        </a:xfrm>
+      </p:grpSpPr>
+      <p:sp>
+        <p:nvSpPr>
+          <p:cNvPr id="2" name="Slide Image Placeholder 1"/>
+          <p:cNvSpPr>
+            <a:spLocks noGrp="1" noRot="1" noChangeAspect="1"/>
+          </p:cNvSpPr>
+          <p:nvPr>
+            <p:ph type="sldImg"/>
+          </p:nvPr>
+        </p:nvSpPr>
+        <p:spPr/>
+      </p:sp>
+      <p:sp>
+        <p:nvSpPr>
+          <p:cNvPr id="3" name="Notes Placeholder 2"/>
+          <p:cNvSpPr>
+            <a:spLocks noGrp="1"/>
+          </p:cNvSpPr>
+          <p:nvPr>
+            <p:ph type="body" idx="1"/>
+          </p:nvPr>
+        </p:nvSpPr>
+        <p:spPr/>
+        <p:txBody>
+          <a:bodyPr/>
+          <a:lstStyle/>
+          <a:p>
+            <a:r>
+              <a:rPr lang="en-US" dirty="0" smtClean="0"/>
+              <a:t>In this work, we ask whether these problems can be overcome in the computational setting.</a:t>
+            </a:r>
+            <a:r>
+              <a:rPr lang="en-US" baseline="0" dirty="0" smtClean="0"/>
+              <a:t>  We provide an answer for both secure sketches and fuzzy extractors.</a:t>
+            </a:r>
+            <a:endParaRPr lang="en-US" dirty="0" smtClean="0"/>
+          </a:p>
+          <a:p>
+            <a:r>
+              <a:rPr lang="en-US" dirty="0" smtClean="0"/>
+              <a:t>&lt;click&gt;</a:t>
+            </a:r>
+          </a:p>
+          <a:p>
+            <a:r>
+              <a:rPr lang="en-US" dirty="0" smtClean="0"/>
+              <a:t>For secure sketches the answer is no.  We provide</a:t>
+            </a:r>
+            <a:r>
+              <a:rPr lang="en-US" baseline="0" dirty="0" smtClean="0"/>
+              <a:t> two results.</a:t>
+            </a:r>
+          </a:p>
+          <a:p>
+            <a:r>
+              <a:rPr lang="en-US" baseline="0" dirty="0" smtClean="0"/>
+              <a:t>&lt;click&gt;</a:t>
+            </a:r>
+          </a:p>
+          <a:p>
+            <a:r>
+              <a:rPr lang="en-US" baseline="0" dirty="0" smtClean="0"/>
+              <a:t>We first show that a sketch that retains k bits of HILL entropy implies a sketch that retains k-2 bits of min-entropy.  Thus, you might as well use an information-theoretic sketch.  </a:t>
+            </a:r>
+          </a:p>
+          <a:p>
+            <a:r>
+              <a:rPr lang="en-US" baseline="0" dirty="0" smtClean="0"/>
+              <a:t>&lt;click&gt;</a:t>
+            </a:r>
+          </a:p>
+          <a:p>
+            <a:r>
+              <a:rPr lang="en-US" baseline="0" dirty="0" smtClean="0"/>
+              <a:t>In case this definition is too strong, we also show the unpredictability for high entropy sources must decrease.  In particular, the unpredictability of the uniform distribution must decrease by log of the ball of radius d_{max}.  This was the same bound we had in the information-theoretic case.</a:t>
+            </a:r>
+          </a:p>
+          <a:p>
+            <a:r>
+              <a:rPr lang="en-US" baseline="0" dirty="0" smtClean="0"/>
+              <a:t>On the positive-side we show that can be overcome by analyzing fuzzy extractors directly.</a:t>
+            </a:r>
+          </a:p>
+          <a:p>
+            <a:r>
+              <a:rPr lang="en-US" baseline="0" dirty="0" smtClean="0"/>
+              <a:t>&lt;click&gt;</a:t>
+            </a:r>
+          </a:p>
+          <a:p>
+            <a:r>
+              <a:rPr lang="en-US" baseline="0" dirty="0" smtClean="0"/>
+              <a:t>We know we can’t modify just the secure sketch.  We have constructions of computational extractors we could use in place of a randomness extractor.  However, we would need the remaining entropy after the secure sketch to be high enough for cryptography.  We’ll avoid these problems by making the entire process computational.</a:t>
+            </a:r>
+          </a:p>
+        </p:txBody>
+      </p:sp>
+      <p:sp>
+        <p:nvSpPr>
+          <p:cNvPr id="4" name="Slide Number Placeholder 3"/>
+          <p:cNvSpPr>
+            <a:spLocks noGrp="1"/>
+          </p:cNvSpPr>
+          <p:nvPr>
+            <p:ph type="sldNum" sz="quarter" idx="10"/>
+          </p:nvPr>
+        </p:nvSpPr>
+        <p:spPr/>
+        <p:txBody>
+          <a:bodyPr/>
+          <a:lstStyle/>
+          <a:p>
+            <a:fld id="{78F37516-47F0-4541-821C-B489248754D7}" type="slidenum">
+              <a:rPr lang="en-US" smtClean="0"/>
+              <a:t>6</a:t>
+            </a:fld>
+            <a:endParaRPr lang="en-US"/>
+          </a:p>
+        </p:txBody>
+      </p:sp>
+    </p:spTree>
+    <p:extLst>
+      <p:ext uri="{BB962C8B-B14F-4D97-AF65-F5344CB8AC3E}">
+        <p14:creationId xmlns:p14="http://schemas.microsoft.com/office/powerpoint/2010/main" val="3915379164"/>
+      </p:ext>
+    </p:extLst>
+  </p:cSld>
+  <p:clrMapOvr>
+    <a:masterClrMapping/>
+  </p:clrMapOvr>
+</p:notes>
+</file>
+
+<file path=ppt/notesSlides/notesSlide6.xml><?xml version="1.0" encoding="utf-8"?>
+<p:notes xmlns:a="http://schemas.openxmlformats.org/drawingml/2006/main" xmlns:r="http://schemas.openxmlformats.org/officeDocument/2006/relationships" xmlns:p="http://schemas.openxmlformats.org/presentationml/2006/main">
+  <p:cSld>
+    <p:spTree>
+      <p:nvGrpSpPr>
+        <p:cNvPr id="1" name=""/>
+        <p:cNvGrpSpPr/>
+        <p:nvPr/>
+      </p:nvGrpSpPr>
+      <p:grpSpPr>
+        <a:xfrm>
+          <a:off x="0" y="0"/>
+          <a:ext cx="0" cy="0"/>
+          <a:chOff x="0" y="0"/>
+          <a:chExt cx="0" cy="0"/>
+        </a:xfrm>
+      </p:grpSpPr>
+      <p:sp>
+        <p:nvSpPr>
+          <p:cNvPr id="2" name="Slide Image Placeholder 1"/>
+          <p:cNvSpPr>
+            <a:spLocks noGrp="1" noRot="1" noChangeAspect="1"/>
+          </p:cNvSpPr>
+          <p:nvPr>
+            <p:ph type="sldImg"/>
+          </p:nvPr>
+        </p:nvSpPr>
+        <p:spPr/>
+      </p:sp>
+      <p:sp>
+        <p:nvSpPr>
+          <p:cNvPr id="3" name="Notes Placeholder 2"/>
+          <p:cNvSpPr>
+            <a:spLocks noGrp="1"/>
+          </p:cNvSpPr>
+          <p:nvPr>
+            <p:ph type="body" idx="1"/>
+          </p:nvPr>
+        </p:nvSpPr>
+        <p:spPr/>
+        <p:txBody>
+          <a:bodyPr/>
+          <a:lstStyle/>
+          <a:p>
+            <a:r>
+              <a:rPr lang="en-US" dirty="0" smtClean="0"/>
+              <a:t>In this work, we ask whether these problems can be overcome in the computational setting.</a:t>
+            </a:r>
+            <a:r>
+              <a:rPr lang="en-US" baseline="0" dirty="0" smtClean="0"/>
+              <a:t>  We provide an answer for both secure sketches and fuzzy extractors.</a:t>
+            </a:r>
+            <a:endParaRPr lang="en-US" dirty="0" smtClean="0"/>
+          </a:p>
+          <a:p>
+            <a:r>
+              <a:rPr lang="en-US" dirty="0" smtClean="0"/>
+              <a:t>&lt;click&gt;</a:t>
+            </a:r>
+          </a:p>
+          <a:p>
+            <a:r>
+              <a:rPr lang="en-US" dirty="0" smtClean="0"/>
+              <a:t>For secure sketches the answer is no.  We provide</a:t>
+            </a:r>
+            <a:r>
+              <a:rPr lang="en-US" baseline="0" dirty="0" smtClean="0"/>
+              <a:t> two results.</a:t>
+            </a:r>
+          </a:p>
+          <a:p>
+            <a:r>
+              <a:rPr lang="en-US" baseline="0" dirty="0" smtClean="0"/>
+              <a:t>&lt;click&gt;</a:t>
+            </a:r>
+          </a:p>
+          <a:p>
+            <a:r>
+              <a:rPr lang="en-US" baseline="0" dirty="0" smtClean="0"/>
+              <a:t>We first show that a sketch that retains k bits of HILL entropy implies a sketch that retains k-2 bits of min-entropy.  Thus, you might as well use an information-theoretic sketch.  </a:t>
+            </a:r>
+          </a:p>
+          <a:p>
+            <a:r>
+              <a:rPr lang="en-US" baseline="0" dirty="0" smtClean="0"/>
+              <a:t>&lt;click&gt;</a:t>
+            </a:r>
+          </a:p>
+          <a:p>
+            <a:r>
+              <a:rPr lang="en-US" baseline="0" dirty="0" smtClean="0"/>
+              <a:t>In case this definition is too strong, we also show the unpredictability for high entropy sources must decrease.  In particular, the unpredictability of the uniform distribution must decrease by log of the ball of radius d_{max}.  This was the same bound we had in the information-theoretic case.</a:t>
+            </a:r>
+          </a:p>
+          <a:p>
+            <a:r>
+              <a:rPr lang="en-US" baseline="0" dirty="0" smtClean="0"/>
+              <a:t>On the positive-side we show that can be overcome by analyzing fuzzy extractors directly.</a:t>
+            </a:r>
+          </a:p>
+          <a:p>
+            <a:r>
+              <a:rPr lang="en-US" baseline="0" dirty="0" smtClean="0"/>
+              <a:t>&lt;click&gt;</a:t>
+            </a:r>
+          </a:p>
+          <a:p>
+            <a:r>
+              <a:rPr lang="en-US" baseline="0" dirty="0" smtClean="0"/>
+              <a:t>We know we can’t modify just the secure sketch.  We have constructions of computational extractors we could use in place of a randomness extractor.  However, we would need the remaining entropy after the secure sketch to be high enough for cryptography.  We’ll avoid these problems by making the entire process computational.</a:t>
+            </a:r>
+          </a:p>
+        </p:txBody>
+      </p:sp>
+      <p:sp>
+        <p:nvSpPr>
+          <p:cNvPr id="4" name="Slide Number Placeholder 3"/>
+          <p:cNvSpPr>
+            <a:spLocks noGrp="1"/>
+          </p:cNvSpPr>
+          <p:nvPr>
+            <p:ph type="sldNum" sz="quarter" idx="10"/>
+          </p:nvPr>
+        </p:nvSpPr>
+        <p:spPr/>
+        <p:txBody>
+          <a:bodyPr/>
+          <a:lstStyle/>
+          <a:p>
+            <a:fld id="{78F37516-47F0-4541-821C-B489248754D7}" type="slidenum">
+              <a:rPr lang="en-US" smtClean="0"/>
+              <a:t>7</a:t>
+            </a:fld>
+            <a:endParaRPr lang="en-US"/>
+          </a:p>
+        </p:txBody>
+      </p:sp>
+    </p:spTree>
+    <p:extLst>
+      <p:ext uri="{BB962C8B-B14F-4D97-AF65-F5344CB8AC3E}">
+        <p14:creationId xmlns:p14="http://schemas.microsoft.com/office/powerpoint/2010/main" val="3915379164"/>
+      </p:ext>
+    </p:extLst>
+  </p:cSld>
+  <p:clrMapOvr>
+    <a:masterClrMapping/>
+  </p:clrMapOvr>
+</p:notes>
+</file>
+
+<file path=ppt/notesSlides/notesSlide7.xml><?xml version="1.0" encoding="utf-8"?>
+<p:notes xmlns:a="http://schemas.openxmlformats.org/drawingml/2006/main" xmlns:r="http://schemas.openxmlformats.org/officeDocument/2006/relationships" xmlns:p="http://schemas.openxmlformats.org/presentationml/2006/main">
+  <p:cSld>
+    <p:spTree>
+      <p:nvGrpSpPr>
+        <p:cNvPr id="1" name=""/>
+        <p:cNvGrpSpPr/>
+        <p:nvPr/>
+      </p:nvGrpSpPr>
+      <p:grpSpPr>
+        <a:xfrm>
+          <a:off x="0" y="0"/>
+          <a:ext cx="0" cy="0"/>
+          <a:chOff x="0" y="0"/>
+          <a:chExt cx="0" cy="0"/>
+        </a:xfrm>
+      </p:grpSpPr>
+      <p:sp>
+        <p:nvSpPr>
+          <p:cNvPr id="2" name="Slide Image Placeholder 1"/>
+          <p:cNvSpPr>
+            <a:spLocks noGrp="1" noRot="1" noChangeAspect="1"/>
+          </p:cNvSpPr>
+          <p:nvPr>
+            <p:ph type="sldImg"/>
+          </p:nvPr>
+        </p:nvSpPr>
+        <p:spPr/>
+      </p:sp>
+      <p:sp>
+        <p:nvSpPr>
+          <p:cNvPr id="3" name="Notes Placeholder 2"/>
+          <p:cNvSpPr>
+            <a:spLocks noGrp="1"/>
+          </p:cNvSpPr>
+          <p:nvPr>
+            <p:ph type="body" idx="1"/>
+          </p:nvPr>
+        </p:nvSpPr>
+        <p:spPr/>
+        <p:txBody>
+          <a:bodyPr/>
+          <a:lstStyle/>
+          <a:p>
+            <a:r>
+              <a:rPr lang="en-US" dirty="0" smtClean="0"/>
+              <a:t>&lt;click&gt;</a:t>
+            </a:r>
+          </a:p>
+          <a:p>
+            <a:r>
+              <a:rPr lang="en-US" dirty="0" smtClean="0"/>
+              <a:t>We’ll combine the sketch and extractor into one object.</a:t>
+            </a:r>
+          </a:p>
+          <a:p>
+            <a:r>
+              <a:rPr lang="en-US" dirty="0" smtClean="0"/>
+              <a:t>&lt;click&gt;</a:t>
+            </a:r>
+          </a:p>
+          <a:p>
+            <a:r>
+              <a:rPr lang="en-US" dirty="0" smtClean="0"/>
+              <a:t>Our construction is based on the code-offset</a:t>
+            </a:r>
+            <a:r>
+              <a:rPr lang="en-US" baseline="0" dirty="0" smtClean="0"/>
+              <a:t> sketch instantiated with a random linear code.</a:t>
+            </a:r>
+          </a:p>
+          <a:p>
+            <a:r>
+              <a:rPr lang="en-US" baseline="0" dirty="0" smtClean="0"/>
+              <a:t>&lt;click&gt;</a:t>
+            </a:r>
+          </a:p>
+          <a:p>
+            <a:r>
+              <a:rPr lang="en-US" baseline="0" dirty="0" smtClean="0"/>
+              <a:t>Thus, we have a random matrix A times x plus an error vector.  We’ll encode our source as the LWE error vector.</a:t>
+            </a:r>
+          </a:p>
+          <a:p>
+            <a:r>
+              <a:rPr lang="en-US" baseline="0" dirty="0" smtClean="0"/>
+              <a:t>&lt;click&gt;</a:t>
+            </a:r>
+          </a:p>
+          <a:p>
+            <a:r>
+              <a:rPr lang="en-US" baseline="0" dirty="0" smtClean="0"/>
+              <a:t>&lt;click&gt;</a:t>
+            </a:r>
+          </a:p>
+          <a:p>
+            <a:r>
+              <a:rPr lang="en-US" baseline="0" dirty="0" smtClean="0"/>
+              <a:t>Our public values are the code matrix A and the result Ax+w_0 = b.</a:t>
+            </a:r>
+          </a:p>
+          <a:p>
+            <a:r>
+              <a:rPr lang="en-US" baseline="0" dirty="0" smtClean="0"/>
+              <a:t>&lt;click&gt;</a:t>
+            </a:r>
+            <a:br>
+              <a:rPr lang="en-US" baseline="0" dirty="0" smtClean="0"/>
+            </a:br>
+            <a:r>
+              <a:rPr lang="en-US" baseline="0" dirty="0" smtClean="0"/>
+              <a:t>We’ll use a result of </a:t>
+            </a:r>
+            <a:r>
+              <a:rPr lang="en-US" baseline="0" dirty="0" err="1" smtClean="0"/>
+              <a:t>Akavia</a:t>
+            </a:r>
+            <a:r>
+              <a:rPr lang="en-US" baseline="0" dirty="0" smtClean="0"/>
+              <a:t>, </a:t>
+            </a:r>
+            <a:r>
+              <a:rPr lang="en-US" baseline="0" dirty="0" err="1" smtClean="0"/>
+              <a:t>Goldwasser</a:t>
+            </a:r>
+            <a:r>
+              <a:rPr lang="en-US" baseline="0" dirty="0" smtClean="0"/>
+              <a:t>, and </a:t>
+            </a:r>
+            <a:r>
+              <a:rPr lang="en-US" baseline="0" dirty="0" err="1" smtClean="0"/>
+              <a:t>Vaikuntanathan</a:t>
+            </a:r>
+            <a:r>
+              <a:rPr lang="en-US" baseline="0" dirty="0" smtClean="0"/>
+              <a:t> that says once LWE is secure adding more variables to x makes these variables hardcore.  So, we’ll double the size of our matrix and use half of x as our key.</a:t>
+            </a:r>
+          </a:p>
+          <a:p>
+            <a:r>
+              <a:rPr lang="en-US" baseline="0" dirty="0" smtClean="0"/>
+              <a:t>&lt;click&gt;</a:t>
+            </a:r>
+          </a:p>
+          <a:p>
+            <a:r>
+              <a:rPr lang="en-US" baseline="0" dirty="0" smtClean="0"/>
+              <a:t>Using this construction we are able to build a fuzzy extractor has key length independent of the desired error tolerance and in fact the derived key is as long as the input source w_0.</a:t>
+            </a:r>
+            <a:endParaRPr lang="en-US" dirty="0"/>
+          </a:p>
+        </p:txBody>
+      </p:sp>
+      <p:sp>
+        <p:nvSpPr>
+          <p:cNvPr id="4" name="Slide Number Placeholder 3"/>
+          <p:cNvSpPr>
+            <a:spLocks noGrp="1"/>
+          </p:cNvSpPr>
+          <p:nvPr>
+            <p:ph type="sldNum" sz="quarter" idx="10"/>
+          </p:nvPr>
+        </p:nvSpPr>
+        <p:spPr/>
+        <p:txBody>
+          <a:bodyPr/>
+          <a:lstStyle/>
+          <a:p>
+            <a:fld id="{78F37516-47F0-4541-821C-B489248754D7}" type="slidenum">
+              <a:rPr lang="en-US" smtClean="0"/>
+              <a:t>8</a:t>
             </a:fld>
             <a:endParaRPr lang="en-US"/>
           </a:p>
@@ -1651,7 +2105,7 @@
           <a:p>
             <a:fld id="{76183B97-7D03-374D-AECD-E740583BEFF3}" type="datetimeFigureOut">
               <a:rPr lang="en-US" smtClean="0"/>
-              <a:t>8/16/13</a:t>
+              <a:t>8/19/13</a:t>
             </a:fld>
             <a:endParaRPr lang="en-US"/>
           </a:p>
@@ -1821,7 +2275,7 @@
           <a:p>
             <a:fld id="{76183B97-7D03-374D-AECD-E740583BEFF3}" type="datetimeFigureOut">
               <a:rPr lang="en-US" smtClean="0"/>
-              <a:t>8/16/13</a:t>
+              <a:t>8/19/13</a:t>
             </a:fld>
             <a:endParaRPr lang="en-US"/>
           </a:p>
@@ -2001,7 +2455,7 @@
           <a:p>
             <a:fld id="{76183B97-7D03-374D-AECD-E740583BEFF3}" type="datetimeFigureOut">
               <a:rPr lang="en-US" smtClean="0"/>
-              <a:t>8/16/13</a:t>
+              <a:t>8/19/13</a:t>
             </a:fld>
             <a:endParaRPr lang="en-US"/>
           </a:p>
@@ -2171,7 +2625,7 @@
           <a:p>
             <a:fld id="{76183B97-7D03-374D-AECD-E740583BEFF3}" type="datetimeFigureOut">
               <a:rPr lang="en-US" smtClean="0"/>
-              <a:t>8/16/13</a:t>
+              <a:t>8/19/13</a:t>
             </a:fld>
             <a:endParaRPr lang="en-US"/>
           </a:p>
@@ -2417,7 +2871,7 @@
           <a:p>
             <a:fld id="{76183B97-7D03-374D-AECD-E740583BEFF3}" type="datetimeFigureOut">
               <a:rPr lang="en-US" smtClean="0"/>
-              <a:t>8/16/13</a:t>
+              <a:t>8/19/13</a:t>
             </a:fld>
             <a:endParaRPr lang="en-US"/>
           </a:p>
@@ -2705,7 +3159,7 @@
           <a:p>
             <a:fld id="{76183B97-7D03-374D-AECD-E740583BEFF3}" type="datetimeFigureOut">
               <a:rPr lang="en-US" smtClean="0"/>
-              <a:t>8/16/13</a:t>
+              <a:t>8/19/13</a:t>
             </a:fld>
             <a:endParaRPr lang="en-US"/>
           </a:p>
@@ -3127,7 +3581,7 @@
           <a:p>
             <a:fld id="{76183B97-7D03-374D-AECD-E740583BEFF3}" type="datetimeFigureOut">
               <a:rPr lang="en-US" smtClean="0"/>
-              <a:t>8/16/13</a:t>
+              <a:t>8/19/13</a:t>
             </a:fld>
             <a:endParaRPr lang="en-US"/>
           </a:p>
@@ -3245,7 +3699,7 @@
           <a:p>
             <a:fld id="{76183B97-7D03-374D-AECD-E740583BEFF3}" type="datetimeFigureOut">
               <a:rPr lang="en-US" smtClean="0"/>
-              <a:t>8/16/13</a:t>
+              <a:t>8/19/13</a:t>
             </a:fld>
             <a:endParaRPr lang="en-US"/>
           </a:p>
@@ -3340,7 +3794,7 @@
           <a:p>
             <a:fld id="{76183B97-7D03-374D-AECD-E740583BEFF3}" type="datetimeFigureOut">
               <a:rPr lang="en-US" smtClean="0"/>
-              <a:t>8/16/13</a:t>
+              <a:t>8/19/13</a:t>
             </a:fld>
             <a:endParaRPr lang="en-US"/>
           </a:p>
@@ -3617,7 +4071,7 @@
           <a:p>
             <a:fld id="{76183B97-7D03-374D-AECD-E740583BEFF3}" type="datetimeFigureOut">
               <a:rPr lang="en-US" smtClean="0"/>
-              <a:t>8/16/13</a:t>
+              <a:t>8/19/13</a:t>
             </a:fld>
             <a:endParaRPr lang="en-US"/>
           </a:p>
@@ -3870,7 +4324,7 @@
           <a:p>
             <a:fld id="{76183B97-7D03-374D-AECD-E740583BEFF3}" type="datetimeFigureOut">
               <a:rPr lang="en-US" smtClean="0"/>
-              <a:t>8/16/13</a:t>
+              <a:t>8/19/13</a:t>
             </a:fld>
             <a:endParaRPr lang="en-US"/>
           </a:p>
@@ -4083,7 +4537,7 @@
           <a:p>
             <a:fld id="{76183B97-7D03-374D-AECD-E740583BEFF3}" type="datetimeFigureOut">
               <a:rPr lang="en-US" smtClean="0"/>
-              <a:t>8/16/13</a:t>
+              <a:t>8/19/13</a:t>
             </a:fld>
             <a:endParaRPr lang="en-US"/>
           </a:p>
@@ -4500,24 +4954,43 @@
           <a:ln/>
         </p:spPr>
         <p:txBody>
-          <a:bodyPr/>
+          <a:bodyPr>
+            <a:normAutofit fontScale="92500" lnSpcReduction="10000"/>
+          </a:bodyPr>
           <a:lstStyle/>
           <a:p>
             <a:r>
-              <a:rPr lang="en-US" altLang="en-US" sz="2400" i="1" dirty="0" smtClean="0">
+              <a:rPr lang="en-US" altLang="en-US" sz="2400" dirty="0" smtClean="0">
                 <a:solidFill>
                   <a:schemeClr val="tx1"/>
                 </a:solidFill>
               </a:rPr>
-              <a:t>Benjamin Fuller</a:t>
+              <a:t>Benjamin </a:t>
             </a:r>
             <a:r>
               <a:rPr lang="en-US" altLang="en-US" sz="2400" dirty="0" smtClean="0">
                 <a:solidFill>
-                  <a:srgbClr val="000000"/>
+                  <a:schemeClr val="tx1"/>
                 </a:solidFill>
               </a:rPr>
-              <a:t>, </a:t>
+              <a:t>Fuller</a:t>
+            </a:r>
+          </a:p>
+          <a:p>
+            <a:endParaRPr lang="en-US" altLang="en-US" sz="2400" i="1" dirty="0">
+              <a:solidFill>
+                <a:schemeClr val="tx1"/>
+              </a:solidFill>
+            </a:endParaRPr>
+          </a:p>
+          <a:p>
+            <a:r>
+              <a:rPr lang="en-US" altLang="en-US" sz="2400" dirty="0" smtClean="0">
+                <a:solidFill>
+                  <a:schemeClr val="tx1"/>
+                </a:solidFill>
+              </a:rPr>
+              <a:t>Joint work with </a:t>
             </a:r>
             <a:r>
               <a:rPr lang="en-US" altLang="en-US" sz="2400" dirty="0" err="1" smtClean="0">
@@ -4549,7 +5022,15 @@
                   <a:srgbClr val="000000"/>
                 </a:solidFill>
               </a:rPr>
-              <a:t>, and Leonid </a:t>
+              <a:t> </a:t>
+            </a:r>
+            <a:r>
+              <a:rPr lang="en-US" altLang="en-US" sz="2400" dirty="0" smtClean="0">
+                <a:solidFill>
+                  <a:srgbClr val="000000"/>
+                </a:solidFill>
+              </a:rPr>
+              <a:t>and Leonid </a:t>
             </a:r>
             <a:r>
               <a:rPr lang="en-US" altLang="en-US" sz="2400" dirty="0" err="1" smtClean="0">
@@ -4582,35 +5063,6 @@
                 <a:schemeClr val="tx1"/>
               </a:solidFill>
             </a:endParaRPr>
-          </a:p>
-        </p:txBody>
-      </p:sp>
-      <p:sp>
-        <p:nvSpPr>
-          <p:cNvPr id="4" name="TextBox 3"/>
-          <p:cNvSpPr txBox="1"/>
-          <p:nvPr/>
-        </p:nvSpPr>
-        <p:spPr>
-          <a:xfrm>
-            <a:off x="931334" y="5935133"/>
-            <a:ext cx="8068733" cy="830997"/>
-          </a:xfrm>
-          <a:prstGeom prst="rect">
-            <a:avLst/>
-          </a:prstGeom>
-          <a:noFill/>
-        </p:spPr>
-        <p:txBody>
-          <a:bodyPr wrap="square" rtlCol="0">
-            <a:spAutoFit/>
-          </a:bodyPr>
-          <a:lstStyle/>
-          <a:p>
-            <a:r>
-              <a:rPr lang="en-US" sz="1600" dirty="0"/>
-              <a:t>The work of Benjamin Fuller is sponsored by the United States Air Force under Air Force Contract FA8721-05-C-0002. Opinions, interpretations, conclusions and recommendations are those of the authors and are not necessarily endorsed by the United States Government.</a:t>
-            </a:r>
           </a:p>
         </p:txBody>
       </p:sp>
@@ -4664,6 +5116,1010 @@
         </p:nvSpPr>
         <p:spPr>
           <a:xfrm>
+            <a:off x="457200" y="-255611"/>
+            <a:ext cx="8229600" cy="1143000"/>
+          </a:xfrm>
+        </p:spPr>
+        <p:txBody>
+          <a:bodyPr>
+            <a:normAutofit/>
+          </a:bodyPr>
+          <a:lstStyle/>
+          <a:p>
+            <a:r>
+              <a:rPr lang="en-US" dirty="0" smtClean="0"/>
+              <a:t>How Should People Authenticate?</a:t>
+            </a:r>
+            <a:endParaRPr lang="en-US" dirty="0"/>
+          </a:p>
+        </p:txBody>
+      </p:sp>
+      <p:sp>
+        <p:nvSpPr>
+          <p:cNvPr id="5" name="TextBox 4"/>
+          <p:cNvSpPr txBox="1"/>
+          <p:nvPr/>
+        </p:nvSpPr>
+        <p:spPr>
+          <a:xfrm>
+            <a:off x="254001" y="771939"/>
+            <a:ext cx="3752271" cy="2062103"/>
+          </a:xfrm>
+          <a:prstGeom prst="rect">
+            <a:avLst/>
+          </a:prstGeom>
+          <a:noFill/>
+          <a:ln>
+            <a:solidFill>
+              <a:schemeClr val="tx1"/>
+            </a:solidFill>
+          </a:ln>
+        </p:spPr>
+        <p:txBody>
+          <a:bodyPr wrap="square" rtlCol="0">
+            <a:spAutoFit/>
+          </a:bodyPr>
+          <a:lstStyle/>
+          <a:p>
+            <a:r>
+              <a:rPr lang="en-US" sz="3200" dirty="0" smtClean="0"/>
+              <a:t>Passwords?</a:t>
+            </a:r>
+          </a:p>
+          <a:p>
+            <a:endParaRPr lang="en-US" sz="2400" dirty="0"/>
+          </a:p>
+          <a:p>
+            <a:r>
+              <a:rPr lang="en-US" sz="2400" dirty="0" smtClean="0"/>
+              <a:t>Lots of evidence that passwords don’t have enough entropy for crypto</a:t>
+            </a:r>
+            <a:endParaRPr lang="en-US" sz="2400" dirty="0"/>
+          </a:p>
+        </p:txBody>
+      </p:sp>
+      <p:graphicFrame>
+        <p:nvGraphicFramePr>
+          <p:cNvPr id="8" name="Table 7"/>
+          <p:cNvGraphicFramePr>
+            <a:graphicFrameLocks noGrp="1"/>
+          </p:cNvGraphicFramePr>
+          <p:nvPr>
+            <p:extLst>
+              <p:ext uri="{D42A27DB-BD31-4B8C-83A1-F6EECF244321}">
+                <p14:modId xmlns:p14="http://schemas.microsoft.com/office/powerpoint/2010/main" val="516580765"/>
+              </p:ext>
+            </p:extLst>
+          </p:nvPr>
+        </p:nvGraphicFramePr>
+        <p:xfrm>
+          <a:off x="254002" y="3193331"/>
+          <a:ext cx="3902363" cy="3257082"/>
+        </p:xfrm>
+        <a:graphic>
+          <a:graphicData uri="http://schemas.openxmlformats.org/drawingml/2006/table">
+            <a:tbl>
+              <a:tblPr firstRow="1" bandRow="1">
+                <a:tableStyleId>{3C2FFA5D-87B4-456A-9821-1D502468CF0F}</a:tableStyleId>
+              </a:tblPr>
+              <a:tblGrid>
+                <a:gridCol w="912089"/>
+                <a:gridCol w="1039092"/>
+                <a:gridCol w="975591"/>
+                <a:gridCol w="975591"/>
+              </a:tblGrid>
+              <a:tr h="300938">
+                <a:tc>
+                  <a:txBody>
+                    <a:bodyPr/>
+                    <a:lstStyle/>
+                    <a:p>
+                      <a:r>
+                        <a:rPr lang="en-US" sz="1200" dirty="0" smtClean="0"/>
+                        <a:t>iPhone</a:t>
+                      </a:r>
+                      <a:r>
+                        <a:rPr lang="en-US" sz="1200" baseline="0" dirty="0" smtClean="0"/>
+                        <a:t> PIN</a:t>
+                      </a:r>
+                      <a:endParaRPr lang="en-US" sz="1200" dirty="0"/>
+                    </a:p>
+                  </a:txBody>
+                  <a:tcPr/>
+                </a:tc>
+                <a:tc>
+                  <a:txBody>
+                    <a:bodyPr/>
+                    <a:lstStyle/>
+                    <a:p>
+                      <a:r>
+                        <a:rPr lang="en-US" sz="1200" dirty="0" smtClean="0"/>
+                        <a:t>Frequency</a:t>
+                      </a:r>
+                      <a:endParaRPr lang="en-US" sz="1200" dirty="0"/>
+                    </a:p>
+                  </a:txBody>
+                  <a:tcPr/>
+                </a:tc>
+                <a:tc>
+                  <a:txBody>
+                    <a:bodyPr/>
+                    <a:lstStyle/>
+                    <a:p>
+                      <a:r>
+                        <a:rPr lang="en-US" sz="1200" dirty="0" smtClean="0"/>
+                        <a:t>iPhone PIN</a:t>
+                      </a:r>
+                      <a:endParaRPr lang="en-US" sz="1200" dirty="0"/>
+                    </a:p>
+                  </a:txBody>
+                  <a:tcPr/>
+                </a:tc>
+                <a:tc>
+                  <a:txBody>
+                    <a:bodyPr/>
+                    <a:lstStyle/>
+                    <a:p>
+                      <a:r>
+                        <a:rPr lang="en-US" sz="1200" dirty="0" smtClean="0"/>
+                        <a:t>Frequency</a:t>
+                      </a:r>
+                      <a:endParaRPr lang="en-US" sz="1200" dirty="0"/>
+                    </a:p>
+                  </a:txBody>
+                  <a:tcPr/>
+                </a:tc>
+              </a:tr>
+              <a:tr h="257182">
+                <a:tc>
+                  <a:txBody>
+                    <a:bodyPr/>
+                    <a:lstStyle/>
+                    <a:p>
+                      <a:r>
+                        <a:rPr lang="en-US" sz="1200" dirty="0" smtClean="0"/>
+                        <a:t>1234</a:t>
+                      </a:r>
+                      <a:endParaRPr lang="en-US" sz="1200" dirty="0"/>
+                    </a:p>
+                  </a:txBody>
+                  <a:tcPr/>
+                </a:tc>
+                <a:tc>
+                  <a:txBody>
+                    <a:bodyPr/>
+                    <a:lstStyle/>
+                    <a:p>
+                      <a:r>
+                        <a:rPr lang="en-US" sz="1200" dirty="0" smtClean="0"/>
+                        <a:t>10.713%</a:t>
+                      </a:r>
+                      <a:endParaRPr lang="en-US" sz="1200" dirty="0"/>
+                    </a:p>
+                  </a:txBody>
+                  <a:tcPr/>
+                </a:tc>
+                <a:tc>
+                  <a:txBody>
+                    <a:bodyPr/>
+                    <a:lstStyle/>
+                    <a:p>
+                      <a:r>
+                        <a:rPr lang="en-US" sz="1200" dirty="0" smtClean="0"/>
+                        <a:t>9999</a:t>
+                      </a:r>
+                      <a:endParaRPr lang="en-US" sz="1200" dirty="0"/>
+                    </a:p>
+                  </a:txBody>
+                  <a:tcPr/>
+                </a:tc>
+                <a:tc>
+                  <a:txBody>
+                    <a:bodyPr/>
+                    <a:lstStyle/>
+                    <a:p>
+                      <a:r>
+                        <a:rPr lang="en-US" sz="1200" dirty="0" smtClean="0"/>
+                        <a:t>0.451%</a:t>
+                      </a:r>
+                      <a:endParaRPr lang="en-US" sz="1200" dirty="0"/>
+                    </a:p>
+                  </a:txBody>
+                  <a:tcPr/>
+                </a:tc>
+              </a:tr>
+              <a:tr h="257182">
+                <a:tc>
+                  <a:txBody>
+                    <a:bodyPr/>
+                    <a:lstStyle/>
+                    <a:p>
+                      <a:r>
+                        <a:rPr lang="en-US" sz="1200" dirty="0" smtClean="0"/>
+                        <a:t>1111</a:t>
+                      </a:r>
+                      <a:endParaRPr lang="en-US" sz="1200" dirty="0"/>
+                    </a:p>
+                  </a:txBody>
+                  <a:tcPr/>
+                </a:tc>
+                <a:tc>
+                  <a:txBody>
+                    <a:bodyPr/>
+                    <a:lstStyle/>
+                    <a:p>
+                      <a:r>
+                        <a:rPr lang="en-US" sz="1200" dirty="0" smtClean="0"/>
+                        <a:t>6.016%</a:t>
+                      </a:r>
+                      <a:endParaRPr lang="en-US" sz="1200" dirty="0"/>
+                    </a:p>
+                  </a:txBody>
+                  <a:tcPr/>
+                </a:tc>
+                <a:tc>
+                  <a:txBody>
+                    <a:bodyPr/>
+                    <a:lstStyle/>
+                    <a:p>
+                      <a:r>
+                        <a:rPr lang="en-US" sz="1200" dirty="0" smtClean="0"/>
+                        <a:t>3333</a:t>
+                      </a:r>
+                      <a:endParaRPr lang="en-US" sz="1200" dirty="0"/>
+                    </a:p>
+                  </a:txBody>
+                  <a:tcPr/>
+                </a:tc>
+                <a:tc>
+                  <a:txBody>
+                    <a:bodyPr/>
+                    <a:lstStyle/>
+                    <a:p>
+                      <a:r>
+                        <a:rPr lang="en-US" sz="1200" dirty="0" smtClean="0"/>
+                        <a:t>0.419%</a:t>
+                      </a:r>
+                      <a:endParaRPr lang="en-US" sz="1200" dirty="0"/>
+                    </a:p>
+                  </a:txBody>
+                  <a:tcPr/>
+                </a:tc>
+              </a:tr>
+              <a:tr h="300938">
+                <a:tc>
+                  <a:txBody>
+                    <a:bodyPr/>
+                    <a:lstStyle/>
+                    <a:p>
+                      <a:r>
+                        <a:rPr lang="en-US" sz="1200" dirty="0" smtClean="0"/>
+                        <a:t>0000</a:t>
+                      </a:r>
+                    </a:p>
+                  </a:txBody>
+                  <a:tcPr/>
+                </a:tc>
+                <a:tc>
+                  <a:txBody>
+                    <a:bodyPr/>
+                    <a:lstStyle/>
+                    <a:p>
+                      <a:r>
+                        <a:rPr lang="en-US" sz="1200" dirty="0" smtClean="0"/>
+                        <a:t>1.881%</a:t>
+                      </a:r>
+                      <a:endParaRPr lang="en-US" sz="1200" dirty="0"/>
+                    </a:p>
+                  </a:txBody>
+                  <a:tcPr/>
+                </a:tc>
+                <a:tc>
+                  <a:txBody>
+                    <a:bodyPr/>
+                    <a:lstStyle/>
+                    <a:p>
+                      <a:r>
+                        <a:rPr lang="en-US" sz="1200" dirty="0" smtClean="0"/>
+                        <a:t>5555</a:t>
+                      </a:r>
+                      <a:endParaRPr lang="en-US" sz="1200" dirty="0"/>
+                    </a:p>
+                  </a:txBody>
+                  <a:tcPr/>
+                </a:tc>
+                <a:tc>
+                  <a:txBody>
+                    <a:bodyPr/>
+                    <a:lstStyle/>
+                    <a:p>
+                      <a:r>
+                        <a:rPr lang="en-US" sz="1200" dirty="0" smtClean="0"/>
+                        <a:t>0.395%</a:t>
+                      </a:r>
+                      <a:endParaRPr lang="en-US" sz="1200" dirty="0"/>
+                    </a:p>
+                  </a:txBody>
+                  <a:tcPr/>
+                </a:tc>
+              </a:tr>
+              <a:tr h="300938">
+                <a:tc>
+                  <a:txBody>
+                    <a:bodyPr/>
+                    <a:lstStyle/>
+                    <a:p>
+                      <a:r>
+                        <a:rPr lang="en-US" sz="1200" dirty="0" smtClean="0"/>
+                        <a:t>1212</a:t>
+                      </a:r>
+                      <a:endParaRPr lang="en-US" sz="1200" dirty="0"/>
+                    </a:p>
+                  </a:txBody>
+                  <a:tcPr/>
+                </a:tc>
+                <a:tc>
+                  <a:txBody>
+                    <a:bodyPr/>
+                    <a:lstStyle/>
+                    <a:p>
+                      <a:r>
+                        <a:rPr lang="en-US" sz="1200" dirty="0" smtClean="0"/>
+                        <a:t>1.197%</a:t>
+                      </a:r>
+                      <a:endParaRPr lang="en-US" sz="1200" dirty="0"/>
+                    </a:p>
+                  </a:txBody>
+                  <a:tcPr/>
+                </a:tc>
+                <a:tc>
+                  <a:txBody>
+                    <a:bodyPr/>
+                    <a:lstStyle/>
+                    <a:p>
+                      <a:r>
+                        <a:rPr lang="en-US" sz="1200" dirty="0" smtClean="0"/>
+                        <a:t>6666</a:t>
+                      </a:r>
+                      <a:endParaRPr lang="en-US" sz="1200" dirty="0"/>
+                    </a:p>
+                  </a:txBody>
+                  <a:tcPr/>
+                </a:tc>
+                <a:tc>
+                  <a:txBody>
+                    <a:bodyPr/>
+                    <a:lstStyle/>
+                    <a:p>
+                      <a:r>
+                        <a:rPr lang="en-US" sz="1200" dirty="0" smtClean="0"/>
+                        <a:t>0.391%</a:t>
+                      </a:r>
+                      <a:endParaRPr lang="en-US" sz="1200" dirty="0"/>
+                    </a:p>
+                  </a:txBody>
+                  <a:tcPr/>
+                </a:tc>
+              </a:tr>
+              <a:tr h="300938">
+                <a:tc>
+                  <a:txBody>
+                    <a:bodyPr/>
+                    <a:lstStyle/>
+                    <a:p>
+                      <a:r>
+                        <a:rPr lang="en-US" sz="1200" dirty="0" smtClean="0"/>
+                        <a:t>7777</a:t>
+                      </a:r>
+                      <a:endParaRPr lang="en-US" sz="1200" dirty="0"/>
+                    </a:p>
+                  </a:txBody>
+                  <a:tcPr/>
+                </a:tc>
+                <a:tc>
+                  <a:txBody>
+                    <a:bodyPr/>
+                    <a:lstStyle/>
+                    <a:p>
+                      <a:r>
+                        <a:rPr lang="en-US" sz="1200" dirty="0" smtClean="0"/>
+                        <a:t>0.745%</a:t>
+                      </a:r>
+                      <a:endParaRPr lang="en-US" sz="1200" dirty="0"/>
+                    </a:p>
+                  </a:txBody>
+                  <a:tcPr/>
+                </a:tc>
+                <a:tc>
+                  <a:txBody>
+                    <a:bodyPr/>
+                    <a:lstStyle/>
+                    <a:p>
+                      <a:r>
+                        <a:rPr lang="en-US" sz="1200" dirty="0" smtClean="0"/>
+                        <a:t>1122</a:t>
+                      </a:r>
+                      <a:endParaRPr lang="en-US" sz="1200" dirty="0"/>
+                    </a:p>
+                  </a:txBody>
+                  <a:tcPr/>
+                </a:tc>
+                <a:tc>
+                  <a:txBody>
+                    <a:bodyPr/>
+                    <a:lstStyle/>
+                    <a:p>
+                      <a:r>
+                        <a:rPr lang="en-US" sz="1200" dirty="0" smtClean="0"/>
+                        <a:t>0.366%</a:t>
+                      </a:r>
+                      <a:endParaRPr lang="en-US" sz="1200" dirty="0"/>
+                    </a:p>
+                  </a:txBody>
+                  <a:tcPr/>
+                </a:tc>
+              </a:tr>
+              <a:tr h="300938">
+                <a:tc>
+                  <a:txBody>
+                    <a:bodyPr/>
+                    <a:lstStyle/>
+                    <a:p>
+                      <a:r>
+                        <a:rPr lang="en-US" sz="1200" dirty="0" smtClean="0"/>
+                        <a:t>1004</a:t>
+                      </a:r>
+                      <a:endParaRPr lang="en-US" sz="1200" dirty="0"/>
+                    </a:p>
+                  </a:txBody>
+                  <a:tcPr/>
+                </a:tc>
+                <a:tc>
+                  <a:txBody>
+                    <a:bodyPr/>
+                    <a:lstStyle/>
+                    <a:p>
+                      <a:r>
+                        <a:rPr lang="en-US" sz="1200" dirty="0" smtClean="0"/>
+                        <a:t>0.616%</a:t>
+                      </a:r>
+                      <a:endParaRPr lang="en-US" sz="1200" dirty="0"/>
+                    </a:p>
+                  </a:txBody>
+                  <a:tcPr/>
+                </a:tc>
+                <a:tc>
+                  <a:txBody>
+                    <a:bodyPr/>
+                    <a:lstStyle/>
+                    <a:p>
+                      <a:r>
+                        <a:rPr lang="en-US" sz="1200" dirty="0" smtClean="0"/>
+                        <a:t>1313</a:t>
+                      </a:r>
+                      <a:endParaRPr lang="en-US" sz="1200" dirty="0"/>
+                    </a:p>
+                  </a:txBody>
+                  <a:tcPr/>
+                </a:tc>
+                <a:tc>
+                  <a:txBody>
+                    <a:bodyPr/>
+                    <a:lstStyle/>
+                    <a:p>
+                      <a:r>
+                        <a:rPr lang="en-US" sz="1200" dirty="0" smtClean="0"/>
+                        <a:t>0.304%</a:t>
+                      </a:r>
+                      <a:endParaRPr lang="en-US" sz="1200" dirty="0"/>
+                    </a:p>
+                  </a:txBody>
+                  <a:tcPr/>
+                </a:tc>
+              </a:tr>
+              <a:tr h="300938">
+                <a:tc>
+                  <a:txBody>
+                    <a:bodyPr/>
+                    <a:lstStyle/>
+                    <a:p>
+                      <a:r>
+                        <a:rPr lang="en-US" sz="1200" dirty="0" smtClean="0"/>
+                        <a:t>2000</a:t>
+                      </a:r>
+                      <a:endParaRPr lang="en-US" sz="1200" dirty="0"/>
+                    </a:p>
+                  </a:txBody>
+                  <a:tcPr/>
+                </a:tc>
+                <a:tc>
+                  <a:txBody>
+                    <a:bodyPr/>
+                    <a:lstStyle/>
+                    <a:p>
+                      <a:r>
+                        <a:rPr lang="en-US" sz="1200" dirty="0" smtClean="0"/>
+                        <a:t>0.613%</a:t>
+                      </a:r>
+                      <a:endParaRPr lang="en-US" sz="1200" dirty="0"/>
+                    </a:p>
+                  </a:txBody>
+                  <a:tcPr/>
+                </a:tc>
+                <a:tc>
+                  <a:txBody>
+                    <a:bodyPr/>
+                    <a:lstStyle/>
+                    <a:p>
+                      <a:r>
+                        <a:rPr lang="en-US" sz="1200" dirty="0" smtClean="0"/>
+                        <a:t>8888</a:t>
+                      </a:r>
+                      <a:endParaRPr lang="en-US" sz="1200" dirty="0"/>
+                    </a:p>
+                  </a:txBody>
+                  <a:tcPr/>
+                </a:tc>
+                <a:tc>
+                  <a:txBody>
+                    <a:bodyPr/>
+                    <a:lstStyle/>
+                    <a:p>
+                      <a:r>
+                        <a:rPr lang="en-US" sz="1200" dirty="0" smtClean="0"/>
+                        <a:t>0.303%</a:t>
+                      </a:r>
+                      <a:endParaRPr lang="en-US" sz="1200" dirty="0"/>
+                    </a:p>
+                  </a:txBody>
+                  <a:tcPr/>
+                </a:tc>
+              </a:tr>
+              <a:tr h="300938">
+                <a:tc>
+                  <a:txBody>
+                    <a:bodyPr/>
+                    <a:lstStyle/>
+                    <a:p>
+                      <a:r>
+                        <a:rPr lang="en-US" sz="1200" dirty="0" smtClean="0"/>
+                        <a:t>4444</a:t>
+                      </a:r>
+                      <a:endParaRPr lang="en-US" sz="1200" dirty="0"/>
+                    </a:p>
+                  </a:txBody>
+                  <a:tcPr/>
+                </a:tc>
+                <a:tc>
+                  <a:txBody>
+                    <a:bodyPr/>
+                    <a:lstStyle/>
+                    <a:p>
+                      <a:r>
+                        <a:rPr lang="en-US" sz="1200" dirty="0" smtClean="0"/>
+                        <a:t>0.526%</a:t>
+                      </a:r>
+                      <a:endParaRPr lang="en-US" sz="1200" dirty="0"/>
+                    </a:p>
+                  </a:txBody>
+                  <a:tcPr/>
+                </a:tc>
+                <a:tc>
+                  <a:txBody>
+                    <a:bodyPr/>
+                    <a:lstStyle/>
+                    <a:p>
+                      <a:r>
+                        <a:rPr lang="en-US" sz="1200" dirty="0" smtClean="0"/>
+                        <a:t>4321</a:t>
+                      </a:r>
+                      <a:endParaRPr lang="en-US" sz="1200" dirty="0"/>
+                    </a:p>
+                  </a:txBody>
+                  <a:tcPr/>
+                </a:tc>
+                <a:tc>
+                  <a:txBody>
+                    <a:bodyPr/>
+                    <a:lstStyle/>
+                    <a:p>
+                      <a:r>
+                        <a:rPr lang="en-US" sz="1200" dirty="0" smtClean="0"/>
+                        <a:t>0.293%</a:t>
+                      </a:r>
+                      <a:endParaRPr lang="en-US" sz="1200" dirty="0"/>
+                    </a:p>
+                  </a:txBody>
+                  <a:tcPr/>
+                </a:tc>
+              </a:tr>
+              <a:tr h="300938">
+                <a:tc>
+                  <a:txBody>
+                    <a:bodyPr/>
+                    <a:lstStyle/>
+                    <a:p>
+                      <a:r>
+                        <a:rPr lang="en-US" sz="1200" dirty="0" smtClean="0"/>
+                        <a:t>2222</a:t>
+                      </a:r>
+                      <a:endParaRPr lang="en-US" sz="1200" dirty="0"/>
+                    </a:p>
+                  </a:txBody>
+                  <a:tcPr/>
+                </a:tc>
+                <a:tc>
+                  <a:txBody>
+                    <a:bodyPr/>
+                    <a:lstStyle/>
+                    <a:p>
+                      <a:r>
+                        <a:rPr lang="en-US" sz="1200" dirty="0" smtClean="0"/>
+                        <a:t>0.516%</a:t>
+                      </a:r>
+                      <a:endParaRPr lang="en-US" sz="1200" dirty="0"/>
+                    </a:p>
+                  </a:txBody>
+                  <a:tcPr/>
+                </a:tc>
+                <a:tc>
+                  <a:txBody>
+                    <a:bodyPr/>
+                    <a:lstStyle/>
+                    <a:p>
+                      <a:r>
+                        <a:rPr lang="en-US" sz="1200" dirty="0" smtClean="0"/>
+                        <a:t>2001</a:t>
+                      </a:r>
+                      <a:endParaRPr lang="en-US" sz="1200" dirty="0"/>
+                    </a:p>
+                  </a:txBody>
+                  <a:tcPr/>
+                </a:tc>
+                <a:tc>
+                  <a:txBody>
+                    <a:bodyPr/>
+                    <a:lstStyle/>
+                    <a:p>
+                      <a:r>
+                        <a:rPr lang="en-US" sz="1200" dirty="0" smtClean="0"/>
+                        <a:t>0.290%</a:t>
+                      </a:r>
+                      <a:endParaRPr lang="en-US" sz="1200" dirty="0"/>
+                    </a:p>
+                  </a:txBody>
+                  <a:tcPr/>
+                </a:tc>
+              </a:tr>
+              <a:tr h="300938">
+                <a:tc>
+                  <a:txBody>
+                    <a:bodyPr/>
+                    <a:lstStyle/>
+                    <a:p>
+                      <a:r>
+                        <a:rPr lang="en-US" sz="1200" dirty="0" smtClean="0"/>
+                        <a:t>6969</a:t>
+                      </a:r>
+                      <a:endParaRPr lang="en-US" sz="1200" dirty="0"/>
+                    </a:p>
+                  </a:txBody>
+                  <a:tcPr/>
+                </a:tc>
+                <a:tc>
+                  <a:txBody>
+                    <a:bodyPr/>
+                    <a:lstStyle/>
+                    <a:p>
+                      <a:r>
+                        <a:rPr lang="en-US" sz="1200" dirty="0" smtClean="0"/>
+                        <a:t>0.512%</a:t>
+                      </a:r>
+                      <a:endParaRPr lang="en-US" sz="1200" dirty="0"/>
+                    </a:p>
+                  </a:txBody>
+                  <a:tcPr/>
+                </a:tc>
+                <a:tc>
+                  <a:txBody>
+                    <a:bodyPr/>
+                    <a:lstStyle/>
+                    <a:p>
+                      <a:r>
+                        <a:rPr lang="en-US" sz="1200" dirty="0" smtClean="0"/>
+                        <a:t>1010</a:t>
+                      </a:r>
+                      <a:endParaRPr lang="en-US" sz="1200" dirty="0"/>
+                    </a:p>
+                  </a:txBody>
+                  <a:tcPr/>
+                </a:tc>
+                <a:tc>
+                  <a:txBody>
+                    <a:bodyPr/>
+                    <a:lstStyle/>
+                    <a:p>
+                      <a:r>
+                        <a:rPr lang="en-US" sz="1200" dirty="0" smtClean="0"/>
+                        <a:t>0.285%</a:t>
+                      </a:r>
+                      <a:endParaRPr lang="en-US" sz="1200" dirty="0"/>
+                    </a:p>
+                  </a:txBody>
+                  <a:tcPr/>
+                </a:tc>
+              </a:tr>
+            </a:tbl>
+          </a:graphicData>
+        </a:graphic>
+      </p:graphicFrame>
+      <p:pic>
+        <p:nvPicPr>
+          <p:cNvPr id="9" name="Picture 8" descr="250px-Humaniris.jpg"/>
+          <p:cNvPicPr>
+            <a:picLocks noChangeAspect="1"/>
+          </p:cNvPicPr>
+          <p:nvPr/>
+        </p:nvPicPr>
+        <p:blipFill>
+          <a:blip r:embed="rId2">
+            <a:extLst>
+              <a:ext uri="{28A0092B-C50C-407E-A947-70E740481C1C}">
+                <a14:useLocalDpi xmlns:a14="http://schemas.microsoft.com/office/drawing/2010/main" val="0"/>
+              </a:ext>
+            </a:extLst>
+          </a:blip>
+          <a:stretch>
+            <a:fillRect/>
+          </a:stretch>
+        </p:blipFill>
+        <p:spPr>
+          <a:xfrm>
+            <a:off x="4352635" y="4570708"/>
+            <a:ext cx="2309091" cy="1985818"/>
+          </a:xfrm>
+          <a:prstGeom prst="rect">
+            <a:avLst/>
+          </a:prstGeom>
+        </p:spPr>
+      </p:pic>
+      <p:sp>
+        <p:nvSpPr>
+          <p:cNvPr id="10" name="TextBox 9"/>
+          <p:cNvSpPr txBox="1"/>
+          <p:nvPr/>
+        </p:nvSpPr>
+        <p:spPr>
+          <a:xfrm>
+            <a:off x="254001" y="6450413"/>
+            <a:ext cx="1842534" cy="369332"/>
+          </a:xfrm>
+          <a:prstGeom prst="rect">
+            <a:avLst/>
+          </a:prstGeom>
+          <a:noFill/>
+        </p:spPr>
+        <p:txBody>
+          <a:bodyPr wrap="none" rtlCol="0">
+            <a:spAutoFit/>
+          </a:bodyPr>
+          <a:lstStyle/>
+          <a:p>
+            <a:r>
+              <a:rPr lang="en-US" dirty="0" smtClean="0"/>
+              <a:t>datagenetics.com</a:t>
+            </a:r>
+          </a:p>
+        </p:txBody>
+      </p:sp>
+      <p:sp>
+        <p:nvSpPr>
+          <p:cNvPr id="12" name="TextBox 11"/>
+          <p:cNvSpPr txBox="1"/>
+          <p:nvPr/>
+        </p:nvSpPr>
+        <p:spPr>
+          <a:xfrm>
+            <a:off x="4470401" y="771939"/>
+            <a:ext cx="4546599" cy="3170099"/>
+          </a:xfrm>
+          <a:prstGeom prst="rect">
+            <a:avLst/>
+          </a:prstGeom>
+          <a:noFill/>
+          <a:ln>
+            <a:solidFill>
+              <a:schemeClr val="tx1"/>
+            </a:solidFill>
+          </a:ln>
+        </p:spPr>
+        <p:txBody>
+          <a:bodyPr wrap="square" rtlCol="0">
+            <a:spAutoFit/>
+          </a:bodyPr>
+          <a:lstStyle/>
+          <a:p>
+            <a:r>
+              <a:rPr lang="en-US" sz="2800" dirty="0" smtClean="0"/>
+              <a:t>Biometrics/Physical </a:t>
+            </a:r>
+            <a:r>
+              <a:rPr lang="en-US" sz="2800" dirty="0" err="1" smtClean="0"/>
+              <a:t>Unclonable</a:t>
+            </a:r>
+            <a:r>
+              <a:rPr lang="en-US" sz="2800" dirty="0" smtClean="0"/>
+              <a:t> Functions?</a:t>
+            </a:r>
+            <a:r>
+              <a:rPr lang="en-US" sz="2400" dirty="0" smtClean="0"/>
+              <a:t> </a:t>
+            </a:r>
+          </a:p>
+          <a:p>
+            <a:endParaRPr lang="en-US" sz="2400" dirty="0"/>
+          </a:p>
+          <a:p>
+            <a:r>
+              <a:rPr lang="en-US" sz="2400" dirty="0" smtClean="0"/>
+              <a:t>High entropy, but suffer from noise</a:t>
+            </a:r>
+            <a:endParaRPr lang="en-US" sz="2400" dirty="0"/>
+          </a:p>
+          <a:p>
+            <a:endParaRPr lang="en-US" sz="2400" dirty="0" smtClean="0"/>
+          </a:p>
+          <a:p>
+            <a:r>
+              <a:rPr lang="en-US" sz="2400" dirty="0" smtClean="0"/>
+              <a:t>Current techniques for removing noise impose large entropy losses and prevent use in authentication</a:t>
+            </a:r>
+            <a:endParaRPr lang="en-US" sz="2400" dirty="0"/>
+          </a:p>
+        </p:txBody>
+      </p:sp>
+      <p:pic>
+        <p:nvPicPr>
+          <p:cNvPr id="13" name="Picture 12" descr="Screen Shot 2013-08-19 at 8.29.17 PM.png"/>
+          <p:cNvPicPr>
+            <a:picLocks noChangeAspect="1"/>
+          </p:cNvPicPr>
+          <p:nvPr/>
+        </p:nvPicPr>
+        <p:blipFill>
+          <a:blip r:embed="rId3">
+            <a:extLst>
+              <a:ext uri="{28A0092B-C50C-407E-A947-70E740481C1C}">
+                <a14:useLocalDpi xmlns:a14="http://schemas.microsoft.com/office/drawing/2010/main" val="0"/>
+              </a:ext>
+            </a:extLst>
+          </a:blip>
+          <a:stretch>
+            <a:fillRect/>
+          </a:stretch>
+        </p:blipFill>
+        <p:spPr>
+          <a:xfrm>
+            <a:off x="6800266" y="4509057"/>
+            <a:ext cx="2197107" cy="2012394"/>
+          </a:xfrm>
+          <a:prstGeom prst="rect">
+            <a:avLst/>
+          </a:prstGeom>
+        </p:spPr>
+      </p:pic>
+      <p:sp>
+        <p:nvSpPr>
+          <p:cNvPr id="14" name="TextBox 13"/>
+          <p:cNvSpPr txBox="1"/>
+          <p:nvPr/>
+        </p:nvSpPr>
+        <p:spPr>
+          <a:xfrm>
+            <a:off x="4318000" y="6519683"/>
+            <a:ext cx="1507657" cy="369332"/>
+          </a:xfrm>
+          <a:prstGeom prst="rect">
+            <a:avLst/>
+          </a:prstGeom>
+          <a:noFill/>
+        </p:spPr>
+        <p:txBody>
+          <a:bodyPr wrap="none" rtlCol="0">
+            <a:spAutoFit/>
+          </a:bodyPr>
+          <a:lstStyle/>
+          <a:p>
+            <a:r>
+              <a:rPr lang="en-US" dirty="0" err="1" smtClean="0"/>
+              <a:t>wikipedia.org</a:t>
+            </a:r>
+            <a:endParaRPr lang="en-US" dirty="0" smtClean="0"/>
+          </a:p>
+        </p:txBody>
+      </p:sp>
+      <p:sp>
+        <p:nvSpPr>
+          <p:cNvPr id="15" name="TextBox 14"/>
+          <p:cNvSpPr txBox="1"/>
+          <p:nvPr/>
+        </p:nvSpPr>
+        <p:spPr>
+          <a:xfrm>
+            <a:off x="6938818" y="6488668"/>
+            <a:ext cx="1704688" cy="369332"/>
+          </a:xfrm>
+          <a:prstGeom prst="rect">
+            <a:avLst/>
+          </a:prstGeom>
+          <a:noFill/>
+        </p:spPr>
+        <p:txBody>
+          <a:bodyPr wrap="none" rtlCol="0">
+            <a:spAutoFit/>
+          </a:bodyPr>
+          <a:lstStyle/>
+          <a:p>
+            <a:r>
+              <a:rPr lang="en-US" dirty="0" err="1" smtClean="0"/>
+              <a:t>Tuyls</a:t>
+            </a:r>
+            <a:r>
+              <a:rPr lang="en-US" dirty="0" smtClean="0"/>
+              <a:t> et al. 2006</a:t>
+            </a:r>
+          </a:p>
+        </p:txBody>
+      </p:sp>
+    </p:spTree>
+    <p:extLst>
+      <p:ext uri="{BB962C8B-B14F-4D97-AF65-F5344CB8AC3E}">
+        <p14:creationId xmlns:p14="http://schemas.microsoft.com/office/powerpoint/2010/main" val="3696507031"/>
+      </p:ext>
+    </p:extLst>
+  </p:cSld>
+  <p:clrMapOvr>
+    <a:masterClrMapping/>
+  </p:clrMapOvr>
+  <p:timing>
+    <p:tnLst>
+      <p:par>
+        <p:cTn xmlns:p14="http://schemas.microsoft.com/office/powerpoint/2010/main" id="1" dur="indefinite" restart="never" nodeType="tmRoot"/>
+      </p:par>
+    </p:tnLst>
+  </p:timing>
+</p:sld>
+</file>
+
+<file path=ppt/slides/slide3.xml><?xml version="1.0" encoding="utf-8"?>
+<p:sld xmlns:a="http://schemas.openxmlformats.org/drawingml/2006/main" xmlns:r="http://schemas.openxmlformats.org/officeDocument/2006/relationships" xmlns:p="http://schemas.openxmlformats.org/presentationml/2006/main">
+  <p:cSld>
+    <p:spTree>
+      <p:nvGrpSpPr>
+        <p:cNvPr id="1" name=""/>
+        <p:cNvGrpSpPr/>
+        <p:nvPr/>
+      </p:nvGrpSpPr>
+      <p:grpSpPr>
+        <a:xfrm>
+          <a:off x="0" y="0"/>
+          <a:ext cx="0" cy="0"/>
+          <a:chOff x="0" y="0"/>
+          <a:chExt cx="0" cy="0"/>
+        </a:xfrm>
+      </p:grpSpPr>
+      <p:sp>
+        <p:nvSpPr>
+          <p:cNvPr id="2" name="Title 1"/>
+          <p:cNvSpPr>
+            <a:spLocks noGrp="1"/>
+          </p:cNvSpPr>
+          <p:nvPr>
+            <p:ph type="title"/>
+          </p:nvPr>
+        </p:nvSpPr>
+        <p:spPr>
+          <a:xfrm>
             <a:off x="450088" y="-119062"/>
             <a:ext cx="8229600" cy="1143000"/>
           </a:xfrm>
@@ -4690,7 +6146,7 @@
         </p:nvSpPr>
         <p:spPr>
           <a:xfrm>
-            <a:off x="450088" y="926654"/>
+            <a:off x="173008" y="926654"/>
             <a:ext cx="4405736" cy="3345164"/>
           </a:xfrm>
           <a:prstGeom prst="rect">
@@ -4839,6 +6295,9 @@
             </a:lvl9pPr>
           </a:lstStyle>
           <a:p>
+            <a:pPr marL="0" indent="0">
+              <a:buNone/>
+            </a:pPr>
             <a:r>
               <a:rPr lang="en-US" sz="2400" dirty="0" smtClean="0"/>
               <a:t>Fuzzy Extractors derive reliable keys from noisy data</a:t>
@@ -4867,7 +6326,37 @@
               <a:rPr lang="en-US" sz="2000" dirty="0" smtClean="0">
                 <a:cs typeface="Calibri"/>
               </a:rPr>
-              <a:t>give same key if </a:t>
+              <a:t>give </a:t>
+            </a:r>
+            <a:r>
+              <a:rPr lang="en-US" sz="2000" dirty="0" smtClean="0">
+                <a:cs typeface="Calibri"/>
+              </a:rPr>
+              <a:t>same</a:t>
+            </a:r>
+            <a:br>
+              <a:rPr lang="en-US" sz="2000" dirty="0" smtClean="0">
+                <a:cs typeface="Calibri"/>
+              </a:rPr>
+            </a:br>
+            <a:r>
+              <a:rPr lang="en-US" sz="2000" i="1" dirty="0" smtClean="0">
+                <a:latin typeface="Times New Roman"/>
+                <a:cs typeface="Times New Roman"/>
+              </a:rPr>
+              <a:t>key</a:t>
+            </a:r>
+            <a:r>
+              <a:rPr lang="en-US" sz="2000" dirty="0" smtClean="0">
+                <a:cs typeface="Calibri"/>
+              </a:rPr>
+              <a:t> </a:t>
+            </a:r>
+            <a:r>
+              <a:rPr lang="en-US" sz="2000" dirty="0" smtClean="0">
+                <a:cs typeface="Calibri"/>
+              </a:rPr>
+              <a:t>if </a:t>
             </a:r>
             <a:r>
               <a:rPr lang="en-US" sz="2000" i="1" dirty="0" smtClean="0">
@@ -4938,7 +6427,21 @@
                 <a:latin typeface="Calibri"/>
                 <a:cs typeface="Calibri"/>
               </a:rPr>
-              <a:t>Derive a key using a </a:t>
+              <a:t>Derive </a:t>
+            </a:r>
+            <a:r>
+              <a:rPr lang="en-US" sz="2000" i="1" dirty="0" smtClean="0">
+                <a:latin typeface="Times New Roman"/>
+                <a:cs typeface="Times New Roman"/>
+              </a:rPr>
+              <a:t>key</a:t>
+            </a:r>
+            <a:r>
+              <a:rPr lang="en-US" sz="2000" dirty="0" smtClean="0">
+                <a:latin typeface="Calibri"/>
+                <a:cs typeface="Calibri"/>
+              </a:rPr>
+              <a:t> with</a:t>
             </a:r>
             <a:br>
               <a:rPr lang="en-US" sz="2000" dirty="0" smtClean="0">
@@ -4951,8 +6454,12 @@
                 <a:latin typeface="Calibri"/>
                 <a:cs typeface="Calibri"/>
               </a:rPr>
-              <a:t>randomness extractor</a:t>
-            </a:r>
+              <a:t>extractor</a:t>
+            </a:r>
+            <a:endParaRPr lang="en-US" sz="2000" i="1" dirty="0" smtClean="0">
+              <a:latin typeface="Calibri"/>
+              <a:cs typeface="Calibri"/>
+            </a:endParaRPr>
           </a:p>
           <a:p>
             <a:pPr lvl="1"/>
@@ -4974,8 +6481,17 @@
                 <a:latin typeface="Calibri"/>
                 <a:cs typeface="Calibri"/>
               </a:rPr>
-              <a:t>the source using a </a:t>
-            </a:r>
+              <a:t>with </a:t>
+            </a:r>
+            <a:br>
+              <a:rPr lang="en-US" sz="2000" dirty="0" smtClean="0">
+                <a:solidFill>
+                  <a:srgbClr val="000000"/>
+                </a:solidFill>
+                <a:latin typeface="Calibri"/>
+                <a:cs typeface="Calibri"/>
+              </a:rPr>
+            </a:br>
             <a:r>
               <a:rPr lang="en-US" sz="2000" i="1" dirty="0" smtClean="0">
                 <a:solidFill>
@@ -4986,19 +6502,21 @@
               </a:rPr>
               <a:t>Secure Sketch</a:t>
             </a:r>
+            <a:endParaRPr lang="en-US" sz="2000" dirty="0" smtClean="0">
+              <a:cs typeface="Calibri"/>
+            </a:endParaRPr>
+          </a:p>
+          <a:p>
+            <a:endParaRPr lang="en-US" sz="2000" dirty="0" smtClean="0">
+              <a:cs typeface="Calibri"/>
+            </a:endParaRPr>
           </a:p>
           <a:p>
             <a:r>
               <a:rPr lang="en-US" sz="2000" dirty="0" smtClean="0">
                 <a:cs typeface="Calibri"/>
               </a:rPr>
-              <a:t>Information Theoretic Security</a:t>
-            </a:r>
-            <a:r>
-              <a:rPr lang="en-US" sz="2000" dirty="0">
-                <a:cs typeface="Calibri"/>
-              </a:rPr>
-              <a:t>: </a:t>
+              <a:t>Security info-theoretic: </a:t>
             </a:r>
             <a:r>
               <a:rPr lang="en-US" sz="2000" dirty="0" smtClean="0">
@@ -5022,20 +6540,7 @@
               <a:rPr lang="en-US" sz="2000" dirty="0" smtClean="0">
                 <a:cs typeface="Calibri"/>
               </a:rPr>
-              <a:t> is uniform given </a:t>
-            </a:r>
-            <a:r>
-              <a:rPr lang="en-US" sz="2000" dirty="0">
-                <a:cs typeface="Calibri"/>
-              </a:rPr>
-              <a:t>helper info</a:t>
-            </a:r>
-            <a:r>
-              <a:rPr lang="en-US" sz="2000" dirty="0">
-                <a:latin typeface="Times New Roman"/>
-                <a:cs typeface="Times New Roman"/>
-              </a:rPr>
-              <a:t> </a:t>
+              <a:t> close to uniform conditioned on </a:t>
             </a:r>
             <a:r>
               <a:rPr lang="en-US" sz="2000" i="1" dirty="0" smtClean="0">
@@ -5061,8 +6566,63 @@
                 <a:latin typeface="Calibri"/>
                 <a:cs typeface="Calibri"/>
               </a:rPr>
-              <a:t>Entropy losses keep fuzzy extractors from being usable for many sources</a:t>
-            </a:r>
+              <a:t>Entropy losses </a:t>
+            </a:r>
+            <a:r>
+              <a:rPr lang="en-US" sz="2000" dirty="0" smtClean="0">
+                <a:solidFill>
+                  <a:srgbClr val="000000"/>
+                </a:solidFill>
+                <a:latin typeface="Calibri"/>
+                <a:cs typeface="Calibri"/>
+              </a:rPr>
+              <a:t>prevent adoption </a:t>
+            </a:r>
+            <a:br>
+              <a:rPr lang="en-US" sz="2000" dirty="0" smtClean="0">
+                <a:solidFill>
+                  <a:srgbClr val="000000"/>
+                </a:solidFill>
+                <a:latin typeface="Calibri"/>
+                <a:cs typeface="Calibri"/>
+              </a:rPr>
+            </a:br>
+            <a:r>
+              <a:rPr lang="en-US" sz="2000" dirty="0" smtClean="0">
+                <a:solidFill>
+                  <a:srgbClr val="000000"/>
+                </a:solidFill>
+                <a:latin typeface="Calibri"/>
+                <a:cs typeface="Calibri"/>
+              </a:rPr>
+              <a:t>	(for irises there is 0 entropy</a:t>
+            </a:r>
+            <a:br>
+              <a:rPr lang="en-US" sz="2000" dirty="0" smtClean="0">
+                <a:solidFill>
+                  <a:srgbClr val="000000"/>
+                </a:solidFill>
+                <a:latin typeface="Calibri"/>
+                <a:cs typeface="Calibri"/>
+              </a:rPr>
+            </a:br>
+            <a:r>
+              <a:rPr lang="en-US" sz="2000" dirty="0" smtClean="0">
+                <a:solidFill>
+                  <a:srgbClr val="000000"/>
+                </a:solidFill>
+                <a:latin typeface="Calibri"/>
+                <a:cs typeface="Calibri"/>
+              </a:rPr>
+              <a:t>	after using a secure sketch)</a:t>
+            </a:r>
+            <a:endParaRPr lang="en-US" sz="2000" dirty="0" smtClean="0">
+              <a:solidFill>
+                <a:srgbClr val="000000"/>
+              </a:solidFill>
+              <a:latin typeface="Calibri"/>
+              <a:cs typeface="Calibri"/>
+            </a:endParaRPr>
           </a:p>
           <a:p>
             <a:endParaRPr lang="en-US" sz="2400" dirty="0" smtClean="0">
@@ -6170,33 +7730,15 @@
                                   </p:childTnLst>
                                 </p:cTn>
                               </p:par>
-                            </p:childTnLst>
-                          </p:cTn>
-                        </p:par>
-                      </p:childTnLst>
-                    </p:cTn>
-                  </p:par>
-                  <p:par>
-                    <p:cTn id="14" fill="hold">
-                      <p:stCondLst>
-                        <p:cond delay="indefinite"/>
-                      </p:stCondLst>
-                      <p:childTnLst>
-                        <p:par>
-                          <p:cTn id="15" fill="hold">
-                            <p:stCondLst>
-                              <p:cond delay="0"/>
-                            </p:stCondLst>
-                            <p:childTnLst>
                               <p:par>
-                                <p:cTn id="16" presetID="10" presetClass="entr" presetSubtype="0" fill="hold" grpId="0" nodeType="clickEffect">
+                                <p:cTn id="14" presetID="10" presetClass="entr" presetSubtype="0" fill="hold" grpId="0" nodeType="withEffect">
                                   <p:stCondLst>
                                     <p:cond delay="0"/>
                                   </p:stCondLst>
                                   <p:childTnLst>
                                     <p:set>
                                       <p:cBhvr>
-                                        <p:cTn id="17" dur="1" fill="hold">
+                                        <p:cTn id="15" dur="1" fill="hold">
                                           <p:stCondLst>
                                             <p:cond delay="0"/>
                                           </p:stCondLst>
@@ -6214,7 +7756,7 @@
                                     </p:set>
                                     <p:animEffect transition="in" filter="fade">
                                       <p:cBhvr>
-                                        <p:cTn id="18" dur="500"/>
+                                        <p:cTn id="16" dur="500"/>
                                         <p:tgtEl>
                                           <p:spTgt spid="51"/>
                                         </p:tgtEl>
@@ -6224,14 +7766,14 @@
                                 </p:cTn>
                               </p:par>
                               <p:par>
-                                <p:cTn id="19" presetID="10" presetClass="entr" presetSubtype="0" fill="hold" grpId="0" nodeType="withEffect">
+                                <p:cTn id="17" presetID="10" presetClass="entr" presetSubtype="0" fill="hold" grpId="0" nodeType="withEffect">
                                   <p:stCondLst>
                                     <p:cond delay="0"/>
                                   </p:stCondLst>
                                   <p:childTnLst>
                                     <p:set>
                                       <p:cBhvr>
-                                        <p:cTn id="20" dur="1" fill="hold">
+                                        <p:cTn id="18" dur="1" fill="hold">
                                           <p:stCondLst>
                                             <p:cond delay="0"/>
                                           </p:stCondLst>
@@ -6249,7 +7791,7 @@
                                     </p:set>
                                     <p:animEffect transition="in" filter="fade">
                                       <p:cBhvr>
-                                        <p:cTn id="21" dur="500"/>
+                                        <p:cTn id="19" dur="500"/>
                                         <p:tgtEl>
                                           <p:spTgt spid="52"/>
                                         </p:tgtEl>
@@ -6259,14 +7801,14 @@
                                 </p:cTn>
                               </p:par>
                               <p:par>
-                                <p:cTn id="22" presetID="10" presetClass="entr" presetSubtype="0" fill="hold" nodeType="withEffect">
+                                <p:cTn id="20" presetID="10" presetClass="entr" presetSubtype="0" fill="hold" nodeType="withEffect">
                                   <p:stCondLst>
                                     <p:cond delay="0"/>
                                   </p:stCondLst>
                                   <p:childTnLst>
                                     <p:set>
                                       <p:cBhvr>
-                                        <p:cTn id="23" dur="1" fill="hold">
+                                        <p:cTn id="21" dur="1" fill="hold">
                                           <p:stCondLst>
                                             <p:cond delay="0"/>
                                           </p:stCondLst>
@@ -6284,7 +7826,7 @@
                                     </p:set>
                                     <p:animEffect transition="in" filter="fade">
                                       <p:cBhvr>
-                                        <p:cTn id="24" dur="500"/>
+                                        <p:cTn id="22" dur="500"/>
                                         <p:tgtEl>
                                           <p:spTgt spid="53"/>
                                         </p:tgtEl>
@@ -6294,14 +7836,14 @@
                                 </p:cTn>
                               </p:par>
                               <p:par>
-                                <p:cTn id="25" presetID="10" presetClass="entr" presetSubtype="0" fill="hold" nodeType="withEffect">
+                                <p:cTn id="23" presetID="10" presetClass="entr" presetSubtype="0" fill="hold" nodeType="withEffect">
                                   <p:stCondLst>
                                     <p:cond delay="0"/>
                                   </p:stCondLst>
                                   <p:childTnLst>
                                     <p:set>
                                       <p:cBhvr>
-                                        <p:cTn id="26" dur="1" fill="hold">
+                                        <p:cTn id="24" dur="1" fill="hold">
                                           <p:stCondLst>
                                             <p:cond delay="0"/>
                                           </p:stCondLst>
@@ -6319,7 +7861,7 @@
                                     </p:set>
                                     <p:animEffect transition="in" filter="fade">
                                       <p:cBhvr>
-                                        <p:cTn id="27" dur="500"/>
+                                        <p:cTn id="25" dur="500"/>
                                         <p:tgtEl>
                                           <p:spTgt spid="56"/>
                                         </p:tgtEl>
@@ -6329,14 +7871,14 @@
                                 </p:cTn>
                               </p:par>
                               <p:par>
-                                <p:cTn id="28" presetID="10" presetClass="entr" presetSubtype="0" fill="hold" nodeType="withEffect">
+                                <p:cTn id="26" presetID="10" presetClass="entr" presetSubtype="0" fill="hold" nodeType="withEffect">
                                   <p:stCondLst>
                                     <p:cond delay="0"/>
                                   </p:stCondLst>
                                   <p:childTnLst>
                                     <p:set>
                                       <p:cBhvr>
-                                        <p:cTn id="29" dur="1" fill="hold">
+                                        <p:cTn id="27" dur="1" fill="hold">
                                           <p:stCondLst>
                                             <p:cond delay="0"/>
                                           </p:stCondLst>
@@ -6354,7 +7896,7 @@
                                     </p:set>
                                     <p:animEffect transition="in" filter="fade">
                                       <p:cBhvr>
-                                        <p:cTn id="30" dur="500"/>
+                                        <p:cTn id="28" dur="500"/>
                                         <p:tgtEl>
                                           <p:spTgt spid="57"/>
                                         </p:tgtEl>
@@ -6364,14 +7906,14 @@
                                 </p:cTn>
                               </p:par>
                               <p:par>
-                                <p:cTn id="31" presetID="10" presetClass="entr" presetSubtype="0" fill="hold" nodeType="withEffect">
+                                <p:cTn id="29" presetID="10" presetClass="entr" presetSubtype="0" fill="hold" nodeType="withEffect">
                                   <p:stCondLst>
                                     <p:cond delay="0"/>
                                   </p:stCondLst>
                                   <p:childTnLst>
                                     <p:set>
                                       <p:cBhvr>
-                                        <p:cTn id="32" dur="1" fill="hold">
+                                        <p:cTn id="30" dur="1" fill="hold">
                                           <p:stCondLst>
                                             <p:cond delay="0"/>
                                           </p:stCondLst>
@@ -6389,7 +7931,7 @@
                                     </p:set>
                                     <p:animEffect transition="in" filter="fade">
                                       <p:cBhvr>
-                                        <p:cTn id="33" dur="500"/>
+                                        <p:cTn id="31" dur="500"/>
                                         <p:tgtEl>
                                           <p:spTgt spid="94"/>
                                         </p:tgtEl>
@@ -6399,14 +7941,14 @@
                                 </p:cTn>
                               </p:par>
                               <p:par>
-                                <p:cTn id="34" presetID="10" presetClass="entr" presetSubtype="0" fill="hold" grpId="0" nodeType="withEffect">
+                                <p:cTn id="32" presetID="10" presetClass="entr" presetSubtype="0" fill="hold" grpId="0" nodeType="withEffect">
                                   <p:stCondLst>
                                     <p:cond delay="0"/>
                                   </p:stCondLst>
                                   <p:childTnLst>
                                     <p:set>
                                       <p:cBhvr>
-                                        <p:cTn id="35" dur="1" fill="hold">
+                                        <p:cTn id="33" dur="1" fill="hold">
                                           <p:stCondLst>
                                             <p:cond delay="0"/>
                                           </p:stCondLst>
@@ -6424,7 +7966,7 @@
                                     </p:set>
                                     <p:animEffect transition="in" filter="fade">
                                       <p:cBhvr>
-                                        <p:cTn id="36" dur="500"/>
+                                        <p:cTn id="34" dur="500"/>
                                         <p:tgtEl>
                                           <p:spTgt spid="102"/>
                                         </p:tgtEl>
@@ -6434,14 +7976,14 @@
                                 </p:cTn>
                               </p:par>
                               <p:par>
-                                <p:cTn id="37" presetID="10" presetClass="entr" presetSubtype="0" fill="hold" grpId="0" nodeType="withEffect">
+                                <p:cTn id="35" presetID="10" presetClass="entr" presetSubtype="0" fill="hold" grpId="0" nodeType="withEffect">
                                   <p:stCondLst>
                                     <p:cond delay="0"/>
                                   </p:stCondLst>
                                   <p:childTnLst>
                                     <p:set>
                                       <p:cBhvr>
-                                        <p:cTn id="38" dur="1" fill="hold">
+                                        <p:cTn id="36" dur="1" fill="hold">
                                           <p:stCondLst>
                                             <p:cond delay="0"/>
                                           </p:stCondLst>
@@ -6459,7 +8001,7 @@
                                     </p:set>
                                     <p:animEffect transition="in" filter="fade">
                                       <p:cBhvr>
-                                        <p:cTn id="39" dur="500"/>
+                                        <p:cTn id="37" dur="500"/>
                                         <p:tgtEl>
                                           <p:spTgt spid="103"/>
                                         </p:tgtEl>
@@ -6469,14 +8011,14 @@
                                 </p:cTn>
                               </p:par>
                               <p:par>
-                                <p:cTn id="40" presetID="10" presetClass="entr" presetSubtype="0" fill="hold" grpId="0" nodeType="withEffect">
+                                <p:cTn id="38" presetID="10" presetClass="entr" presetSubtype="0" fill="hold" grpId="0" nodeType="withEffect">
                                   <p:stCondLst>
                                     <p:cond delay="0"/>
                                   </p:stCondLst>
                                   <p:childTnLst>
                                     <p:set>
                                       <p:cBhvr>
-                                        <p:cTn id="41" dur="1" fill="hold">
+                                        <p:cTn id="39" dur="1" fill="hold">
                                           <p:stCondLst>
                                             <p:cond delay="0"/>
                                           </p:stCondLst>
@@ -6494,7 +8036,7 @@
                                     </p:set>
                                     <p:animEffect transition="in" filter="fade">
                                       <p:cBhvr>
-                                        <p:cTn id="42" dur="500"/>
+                                        <p:cTn id="40" dur="500"/>
                                         <p:tgtEl>
                                           <p:spTgt spid="104"/>
                                         </p:tgtEl>
@@ -6504,14 +8046,14 @@
                                 </p:cTn>
                               </p:par>
                               <p:par>
-                                <p:cTn id="43" presetID="10" presetClass="entr" presetSubtype="0" fill="hold" nodeType="withEffect">
+                                <p:cTn id="41" presetID="10" presetClass="entr" presetSubtype="0" fill="hold" nodeType="withEffect">
                                   <p:stCondLst>
                                     <p:cond delay="0"/>
                                   </p:stCondLst>
                                   <p:childTnLst>
                                     <p:set>
                                       <p:cBhvr>
-                                        <p:cTn id="44" dur="1" fill="hold">
+                                        <p:cTn id="42" dur="1" fill="hold">
                                           <p:stCondLst>
                                             <p:cond delay="0"/>
                                           </p:stCondLst>
@@ -6529,7 +8071,7 @@
                                     </p:set>
                                     <p:animEffect transition="in" filter="fade">
                                       <p:cBhvr>
-                                        <p:cTn id="45" dur="500"/>
+                                        <p:cTn id="43" dur="500"/>
                                         <p:tgtEl>
                                           <p:spTgt spid="106"/>
                                         </p:tgtEl>
@@ -6539,14 +8081,14 @@
                                 </p:cTn>
                               </p:par>
                               <p:par>
-                                <p:cTn id="46" presetID="10" presetClass="entr" presetSubtype="0" fill="hold" nodeType="withEffect">
+                                <p:cTn id="44" presetID="10" presetClass="entr" presetSubtype="0" fill="hold" nodeType="withEffect">
                                   <p:stCondLst>
                                     <p:cond delay="0"/>
                                   </p:stCondLst>
                                   <p:childTnLst>
                                     <p:set>
                                       <p:cBhvr>
-                                        <p:cTn id="47" dur="1" fill="hold">
+                                        <p:cTn id="45" dur="1" fill="hold">
                                           <p:stCondLst>
                                             <p:cond delay="0"/>
                                           </p:stCondLst>
@@ -6564,7 +8106,7 @@
                                     </p:set>
                                     <p:animEffect transition="in" filter="fade">
                                       <p:cBhvr>
-                                        <p:cTn id="48" dur="500"/>
+                                        <p:cTn id="46" dur="500"/>
                                         <p:tgtEl>
                                           <p:spTgt spid="107"/>
                                         </p:tgtEl>
@@ -6574,14 +8116,14 @@
                                 </p:cTn>
                               </p:par>
                               <p:par>
-                                <p:cTn id="49" presetID="10" presetClass="entr" presetSubtype="0" fill="hold" nodeType="withEffect">
+                                <p:cTn id="47" presetID="10" presetClass="entr" presetSubtype="0" fill="hold" nodeType="withEffect">
                                   <p:stCondLst>
                                     <p:cond delay="0"/>
                                   </p:stCondLst>
                                   <p:childTnLst>
                                     <p:set>
                                       <p:cBhvr>
-                                        <p:cTn id="50" dur="1" fill="hold">
+                                        <p:cTn id="48" dur="1" fill="hold">
                                           <p:stCondLst>
                                             <p:cond delay="0"/>
                                           </p:stCondLst>
@@ -6599,7 +8141,7 @@
                                     </p:set>
                                     <p:animEffect transition="in" filter="fade">
                                       <p:cBhvr>
-                                        <p:cTn id="51" dur="500"/>
+                                        <p:cTn id="49" dur="500"/>
                                         <p:tgtEl>
                                           <p:spTgt spid="110"/>
                                         </p:tgtEl>
@@ -6609,14 +8151,14 @@
                                 </p:cTn>
                               </p:par>
                               <p:par>
-                                <p:cTn id="52" presetID="10" presetClass="entr" presetSubtype="0" fill="hold" nodeType="withEffect">
+                                <p:cTn id="50" presetID="10" presetClass="entr" presetSubtype="0" fill="hold" nodeType="withEffect">
                                   <p:stCondLst>
                                     <p:cond delay="0"/>
                                   </p:stCondLst>
                                   <p:childTnLst>
                                     <p:set>
                                       <p:cBhvr>
-                                        <p:cTn id="53" dur="1" fill="hold">
+                                        <p:cTn id="51" dur="1" fill="hold">
                                           <p:stCondLst>
                                             <p:cond delay="0"/>
                                           </p:stCondLst>
@@ -6634,7 +8176,7 @@
                                     </p:set>
                                     <p:animEffect transition="in" filter="fade">
                                       <p:cBhvr>
-                                        <p:cTn id="54" dur="500"/>
+                                        <p:cTn id="52" dur="500"/>
                                         <p:tgtEl>
                                           <p:spTgt spid="111"/>
                                         </p:tgtEl>
@@ -6644,14 +8186,14 @@
                                 </p:cTn>
                               </p:par>
                               <p:par>
-                                <p:cTn id="55" presetID="10" presetClass="entr" presetSubtype="0" fill="hold" nodeType="withEffect">
+                                <p:cTn id="53" presetID="10" presetClass="entr" presetSubtype="0" fill="hold" nodeType="withEffect">
                                   <p:stCondLst>
                                     <p:cond delay="0"/>
                                   </p:stCondLst>
                                   <p:childTnLst>
                                     <p:set>
                                       <p:cBhvr>
-                                        <p:cTn id="56" dur="1" fill="hold">
+                                        <p:cTn id="54" dur="1" fill="hold">
                                           <p:stCondLst>
                                             <p:cond delay="0"/>
                                           </p:stCondLst>
@@ -6669,7 +8211,7 @@
                                     </p:set>
                                     <p:animEffect transition="in" filter="fade">
                                       <p:cBhvr>
-                                        <p:cTn id="57" dur="500"/>
+                                        <p:cTn id="55" dur="500"/>
                                         <p:tgtEl>
                                           <p:spTgt spid="112"/>
                                         </p:tgtEl>
@@ -6679,14 +8221,14 @@
                                 </p:cTn>
                               </p:par>
                               <p:par>
-                                <p:cTn id="58" presetID="10" presetClass="entr" presetSubtype="0" fill="hold" nodeType="withEffect">
+                                <p:cTn id="56" presetID="10" presetClass="entr" presetSubtype="0" fill="hold" nodeType="withEffect">
                                   <p:stCondLst>
                                     <p:cond delay="0"/>
                                   </p:stCondLst>
                                   <p:childTnLst>
                                     <p:set>
                                       <p:cBhvr>
-                                        <p:cTn id="59" dur="1" fill="hold">
+                                        <p:cTn id="57" dur="1" fill="hold">
                                           <p:stCondLst>
                                             <p:cond delay="0"/>
                                           </p:stCondLst>
@@ -6704,7 +8246,7 @@
                                     </p:set>
                                     <p:animEffect transition="in" filter="fade">
                                       <p:cBhvr>
-                                        <p:cTn id="60" dur="500"/>
+                                        <p:cTn id="58" dur="500"/>
                                         <p:tgtEl>
                                           <p:spTgt spid="115"/>
                                         </p:tgtEl>
@@ -6720,69 +8262,26 @@
                     </p:cTn>
                   </p:par>
                   <p:par>
-                    <p:cTn id="61" fill="hold">
+                    <p:cTn id="59" fill="hold">
                       <p:stCondLst>
                         <p:cond delay="indefinite"/>
                       </p:stCondLst>
                       <p:childTnLst>
                         <p:par>
-                          <p:cTn id="62" fill="hold">
+                          <p:cTn id="60" fill="hold">
                             <p:stCondLst>
                               <p:cond delay="0"/>
                             </p:stCondLst>
                             <p:childTnLst>
                               <p:par>
-                                <p:cTn id="63" presetID="10" presetClass="entr" presetSubtype="0" fill="hold" nodeType="clickEffect">
+                                <p:cTn id="61" presetID="10" presetClass="entr" presetSubtype="0" fill="hold" nodeType="clickEffect">
                                   <p:stCondLst>
                                     <p:cond delay="0"/>
                                   </p:stCondLst>
                                   <p:childTnLst>
                                     <p:set>
                                       <p:cBhvr>
-                                        <p:cTn id="64" dur="1" fill="hold">
-                                          <p:stCondLst>
-                                            <p:cond delay="0"/>
-                                          </p:stCondLst>
-                                        </p:cTn>
-                                        <p:tgtEl>
-                                          <p:spTgt spid="5">
-                                            <p:txEl>
-                                              <p:pRg st="6" end="6"/>
-                                            </p:txEl>
-                                          </p:spTgt>
-                                        </p:tgtEl>
-                                        <p:attrNameLst>
-                                          <p:attrName>style.visibility</p:attrName>
-                                        </p:attrNameLst>
-                                      </p:cBhvr>
-                                      <p:to>
-                                        <p:strVal val="visible"/>
-                                      </p:to>
-                                    </p:set>
-                                    <p:animEffect transition="in" filter="fade">
-                                      <p:cBhvr>
-                                        <p:cTn id="65" dur="500"/>
-                                        <p:tgtEl>
-                                          <p:spTgt spid="5">
-                                            <p:txEl>
-                                              <p:pRg st="6" end="6"/>
-                                            </p:txEl>
-                                          </p:spTgt>
-                                        </p:tgtEl>
-                                      </p:cBhvr>
-                                    </p:animEffect>
-                                  </p:childTnLst>
-                                </p:cTn>
-                              </p:par>
-                              <p:par>
-                                <p:cTn id="66" presetID="10" presetClass="entr" presetSubtype="0" fill="hold" nodeType="withEffect">
-                                  <p:stCondLst>
-                                    <p:cond delay="0"/>
-                                  </p:stCondLst>
-                                  <p:childTnLst>
-                                    <p:set>
-                                      <p:cBhvr>
-                                        <p:cTn id="67" dur="1" fill="hold">
+                                        <p:cTn id="62" dur="1" fill="hold">
                                           <p:stCondLst>
                                             <p:cond delay="0"/>
                                           </p:stCondLst>
@@ -6804,11 +8303,54 @@
                                     </p:set>
                                     <p:animEffect transition="in" filter="fade">
                                       <p:cBhvr>
-                                        <p:cTn id="68" dur="500"/>
+                                        <p:cTn id="63" dur="500"/>
                                         <p:tgtEl>
                                           <p:spTgt spid="5">
                                             <p:txEl>
                                               <p:pRg st="7" end="7"/>
+                                            </p:txEl>
+                                          </p:spTgt>
+                                        </p:tgtEl>
+                                      </p:cBhvr>
+                                    </p:animEffect>
+                                  </p:childTnLst>
+                                </p:cTn>
+                              </p:par>
+                              <p:par>
+                                <p:cTn id="64" presetID="10" presetClass="entr" presetSubtype="0" fill="hold" nodeType="withEffect">
+                                  <p:stCondLst>
+                                    <p:cond delay="0"/>
+                                  </p:stCondLst>
+                                  <p:childTnLst>
+                                    <p:set>
+                                      <p:cBhvr>
+                                        <p:cTn id="65" dur="1" fill="hold">
+                                          <p:stCondLst>
+                                            <p:cond delay="0"/>
+                                          </p:stCondLst>
+                                        </p:cTn>
+                                        <p:tgtEl>
+                                          <p:spTgt spid="5">
+                                            <p:txEl>
+                                              <p:pRg st="8" end="8"/>
+                                            </p:txEl>
+                                          </p:spTgt>
+                                        </p:tgtEl>
+                                        <p:attrNameLst>
+                                          <p:attrName>style.visibility</p:attrName>
+                                        </p:attrNameLst>
+                                      </p:cBhvr>
+                                      <p:to>
+                                        <p:strVal val="visible"/>
+                                      </p:to>
+                                    </p:set>
+                                    <p:animEffect transition="in" filter="fade">
+                                      <p:cBhvr>
+                                        <p:cTn id="66" dur="500"/>
+                                        <p:tgtEl>
+                                          <p:spTgt spid="5">
+                                            <p:txEl>
+                                              <p:pRg st="8" end="8"/>
                                             </p:txEl>
                                           </p:spTgt>
                                         </p:tgtEl>
@@ -6824,26 +8366,26 @@
                     </p:cTn>
                   </p:par>
                   <p:par>
-                    <p:cTn id="69" fill="hold">
+                    <p:cTn id="67" fill="hold">
                       <p:stCondLst>
                         <p:cond delay="indefinite"/>
                       </p:stCondLst>
                       <p:childTnLst>
                         <p:par>
-                          <p:cTn id="70" fill="hold">
+                          <p:cTn id="68" fill="hold">
                             <p:stCondLst>
                               <p:cond delay="0"/>
                             </p:stCondLst>
                             <p:childTnLst>
                               <p:par>
-                                <p:cTn id="71" presetID="10" presetClass="entr" presetSubtype="0" fill="hold" grpId="0" nodeType="clickEffect">
+                                <p:cTn id="69" presetID="10" presetClass="entr" presetSubtype="0" fill="hold" grpId="0" nodeType="clickEffect">
                                   <p:stCondLst>
                                     <p:cond delay="0"/>
                                   </p:stCondLst>
                                   <p:childTnLst>
                                     <p:set>
                                       <p:cBhvr>
-                                        <p:cTn id="72" dur="1" fill="hold">
+                                        <p:cTn id="70" dur="1" fill="hold">
                                           <p:stCondLst>
                                             <p:cond delay="0"/>
                                           </p:stCondLst>
@@ -6863,7 +8405,7 @@
                                     </p:set>
                                     <p:animEffect transition="in" filter="fade">
                                       <p:cBhvr>
-                                        <p:cTn id="73" dur="500"/>
+                                        <p:cTn id="71" dur="500"/>
                                         <p:tgtEl>
                                           <p:spTgt spid="7">
                                             <p:bg/>
@@ -6875,14 +8417,14 @@
                                 </p:cTn>
                               </p:par>
                               <p:par>
-                                <p:cTn id="74" presetID="10" presetClass="entr" presetSubtype="0" fill="hold" grpId="0" nodeType="withEffect">
+                                <p:cTn id="72" presetID="10" presetClass="entr" presetSubtype="0" fill="hold" grpId="0" nodeType="withEffect">
                                   <p:stCondLst>
                                     <p:cond delay="0"/>
                                   </p:stCondLst>
                                   <p:childTnLst>
                                     <p:set>
                                       <p:cBhvr>
-                                        <p:cTn id="75" dur="1" fill="hold">
+                                        <p:cTn id="73" dur="1" fill="hold">
                                           <p:stCondLst>
                                             <p:cond delay="0"/>
                                           </p:stCondLst>
@@ -6904,7 +8446,7 @@
                                     </p:set>
                                     <p:animEffect transition="in" filter="fade">
                                       <p:cBhvr>
-                                        <p:cTn id="76" dur="500"/>
+                                        <p:cTn id="74" dur="500"/>
                                         <p:tgtEl>
                                           <p:spTgt spid="7">
                                             <p:txEl>
@@ -6956,7 +8498,7 @@
 </p:sld>
 </file>
 
-<file path=ppt/slides/slide3.xml><?xml version="1.0" encoding="utf-8"?>
+<file path=ppt/slides/slide4.xml><?xml version="1.0" encoding="utf-8"?>
 <p:sld xmlns:a="http://schemas.openxmlformats.org/drawingml/2006/main" xmlns:r="http://schemas.openxmlformats.org/officeDocument/2006/relationships" xmlns:p="http://schemas.openxmlformats.org/presentationml/2006/main">
   <p:cSld>
     <p:spTree>
@@ -6975,101 +8517,6 @@
       </p:grpSpPr>
       <p:sp>
         <p:nvSpPr>
-          <p:cNvPr id="27" name="Trapezoid 26"/>
-          <p:cNvSpPr/>
-          <p:nvPr/>
-        </p:nvSpPr>
-        <p:spPr bwMode="auto">
-          <a:xfrm rot="5400000">
-            <a:off x="5651631" y="2951467"/>
-            <a:ext cx="1044618" cy="762976"/>
-          </a:xfrm>
-          <a:prstGeom prst="trapezoid">
-            <a:avLst>
-              <a:gd name="adj" fmla="val 42500"/>
-            </a:avLst>
-          </a:prstGeom>
-          <a:solidFill>
-            <a:srgbClr val="FFF40A"/>
-          </a:solidFill>
-          <a:ln>
-            <a:noFill/>
-          </a:ln>
-          <a:extLst/>
-        </p:spPr>
-        <p:style>
-          <a:lnRef idx="1">
-            <a:schemeClr val="accent1"/>
-          </a:lnRef>
-          <a:fillRef idx="3">
-            <a:schemeClr val="accent1"/>
-          </a:fillRef>
-          <a:effectRef idx="2">
-            <a:schemeClr val="accent1"/>
-          </a:effectRef>
-          <a:fontRef idx="minor">
-            <a:schemeClr val="lt1"/>
-          </a:fontRef>
-        </p:style>
-        <p:txBody>
-          <a:bodyPr rtlCol="0" anchor="ctr"/>
-          <a:lstStyle/>
-          <a:p>
-            <a:pPr algn="ctr"/>
-            <a:endParaRPr lang="en-US">
-              <a:solidFill>
-                <a:schemeClr val="lt1"/>
-              </a:solidFill>
-            </a:endParaRPr>
-          </a:p>
-        </p:txBody>
-      </p:sp>
-      <p:sp>
-        <p:nvSpPr>
-          <p:cNvPr id="25" name="Rectangle 24"/>
-          <p:cNvSpPr/>
-          <p:nvPr/>
-        </p:nvSpPr>
-        <p:spPr>
-          <a:xfrm>
-            <a:off x="5778304" y="3909776"/>
-            <a:ext cx="779846" cy="734722"/>
-          </a:xfrm>
-          <a:prstGeom prst="rect">
-            <a:avLst/>
-          </a:prstGeom>
-          <a:solidFill>
-            <a:srgbClr val="FFF40A"/>
-          </a:solidFill>
-          <a:ln>
-            <a:noFill/>
-          </a:ln>
-        </p:spPr>
-        <p:style>
-          <a:lnRef idx="1">
-            <a:schemeClr val="accent1"/>
-          </a:lnRef>
-          <a:fillRef idx="3">
-            <a:schemeClr val="accent1"/>
-          </a:fillRef>
-          <a:effectRef idx="2">
-            <a:schemeClr val="accent1"/>
-          </a:effectRef>
-          <a:fontRef idx="minor">
-            <a:schemeClr val="lt1"/>
-          </a:fontRef>
-        </p:style>
-        <p:txBody>
-          <a:bodyPr rtlCol="0" anchor="ctr"/>
-          <a:lstStyle/>
-          <a:p>
-            <a:pPr algn="ctr"/>
-            <a:endParaRPr lang="en-US"/>
-          </a:p>
-        </p:txBody>
-      </p:sp>
-      <p:sp>
-        <p:nvSpPr>
           <p:cNvPr id="2" name="Title 1"/>
           <p:cNvSpPr>
             <a:spLocks noGrp="1"/>
@@ -7186,35 +8633,59 @@
           <a:p>
             <a:pPr lvl="1"/>
             <a:r>
-              <a:rPr lang="en-US" sz="2200" dirty="0" smtClean="0"/>
+              <a:rPr lang="en-US" sz="2200" dirty="0" smtClean="0">
+                <a:solidFill>
+                  <a:schemeClr val="bg1"/>
+                </a:solidFill>
+              </a:rPr>
               <a:t>Know we can’t change the sketch</a:t>
             </a:r>
           </a:p>
           <a:p>
             <a:pPr lvl="1"/>
             <a:r>
-              <a:rPr lang="en-US" sz="2200" dirty="0" smtClean="0"/>
+              <a:rPr lang="en-US" sz="2200" dirty="0" smtClean="0">
+                <a:solidFill>
+                  <a:schemeClr val="bg1"/>
+                </a:solidFill>
+              </a:rPr>
               <a:t>Could </a:t>
             </a:r>
             <a:r>
-              <a:rPr lang="en-US" sz="2200" dirty="0"/>
+              <a:rPr lang="en-US" sz="2200" dirty="0">
+                <a:solidFill>
+                  <a:schemeClr val="bg1"/>
+                </a:solidFill>
+              </a:rPr>
               <a:t>use computational extractor </a:t>
             </a:r>
-            <a:endParaRPr lang="en-US" sz="2200" dirty="0" smtClean="0"/>
+            <a:endParaRPr lang="en-US" sz="2200" dirty="0" smtClean="0">
+              <a:solidFill>
+                <a:schemeClr val="bg1"/>
+              </a:solidFill>
+            </a:endParaRPr>
           </a:p>
           <a:p>
             <a:pPr marL="914400" lvl="2" indent="0">
               <a:buNone/>
             </a:pPr>
             <a:r>
-              <a:rPr lang="en-US" sz="2200" dirty="0" smtClean="0"/>
+              <a:rPr lang="en-US" sz="2200" dirty="0" smtClean="0">
+                <a:solidFill>
+                  <a:schemeClr val="bg1"/>
+                </a:solidFill>
+              </a:rPr>
               <a:t>(Must have enough entropy remaining after the sketch)</a:t>
             </a:r>
           </a:p>
           <a:p>
             <a:pPr lvl="1"/>
             <a:r>
-              <a:rPr lang="en-US" sz="2200" dirty="0" smtClean="0"/>
+              <a:rPr lang="en-US" sz="2200" dirty="0" smtClean="0">
+                <a:solidFill>
+                  <a:schemeClr val="bg1"/>
+                </a:solidFill>
+              </a:rPr>
               <a:t>We make the whole process computational</a:t>
             </a:r>
           </a:p>
@@ -8083,848 +9554,2848 @@
   <p:timing>
     <p:tnLst>
       <p:par>
-        <p:cTn xmlns:p14="http://schemas.microsoft.com/office/powerpoint/2010/main" id="1" dur="indefinite" restart="never" nodeType="tmRoot">
-          <p:childTnLst>
-            <p:seq concurrent="1" nextAc="seek">
-              <p:cTn id="2" dur="indefinite" nodeType="mainSeq">
-                <p:childTnLst>
-                  <p:par>
-                    <p:cTn id="3" fill="hold">
-                      <p:stCondLst>
-                        <p:cond delay="indefinite"/>
-                      </p:stCondLst>
-                      <p:childTnLst>
-                        <p:par>
-                          <p:cTn id="4" fill="hold">
-                            <p:stCondLst>
-                              <p:cond delay="0"/>
-                            </p:stCondLst>
-                            <p:childTnLst>
-                              <p:par>
-                                <p:cTn id="5" presetID="10" presetClass="entr" presetSubtype="0" fill="hold" grpId="0" nodeType="clickEffect">
-                                  <p:stCondLst>
-                                    <p:cond delay="0"/>
-                                  </p:stCondLst>
-                                  <p:childTnLst>
-                                    <p:set>
-                                      <p:cBhvr>
-                                        <p:cTn id="6" dur="1" fill="hold">
-                                          <p:stCondLst>
-                                            <p:cond delay="0"/>
-                                          </p:stCondLst>
-                                        </p:cTn>
-                                        <p:tgtEl>
-                                          <p:spTgt spid="3">
-                                            <p:txEl>
-                                              <p:pRg st="0" end="0"/>
-                                            </p:txEl>
-                                          </p:spTgt>
-                                        </p:tgtEl>
-                                        <p:attrNameLst>
-                                          <p:attrName>style.visibility</p:attrName>
-                                        </p:attrNameLst>
-                                      </p:cBhvr>
-                                      <p:to>
-                                        <p:strVal val="visible"/>
-                                      </p:to>
-                                    </p:set>
-                                    <p:animEffect transition="in" filter="fade">
-                                      <p:cBhvr>
-                                        <p:cTn id="7" dur="500"/>
-                                        <p:tgtEl>
-                                          <p:spTgt spid="3">
-                                            <p:txEl>
-                                              <p:pRg st="0" end="0"/>
-                                            </p:txEl>
-                                          </p:spTgt>
-                                        </p:tgtEl>
-                                      </p:cBhvr>
-                                    </p:animEffect>
-                                  </p:childTnLst>
-                                </p:cTn>
-                              </p:par>
-                            </p:childTnLst>
-                          </p:cTn>
-                        </p:par>
-                      </p:childTnLst>
-                    </p:cTn>
-                  </p:par>
-                  <p:par>
-                    <p:cTn id="8" fill="hold">
-                      <p:stCondLst>
-                        <p:cond delay="indefinite"/>
-                      </p:stCondLst>
-                      <p:childTnLst>
-                        <p:par>
-                          <p:cTn id="9" fill="hold">
-                            <p:stCondLst>
-                              <p:cond delay="0"/>
-                            </p:stCondLst>
-                            <p:childTnLst>
-                              <p:par>
-                                <p:cTn id="10" presetID="10" presetClass="entr" presetSubtype="0" fill="hold" grpId="0" nodeType="clickEffect">
-                                  <p:stCondLst>
-                                    <p:cond delay="0"/>
-                                  </p:stCondLst>
-                                  <p:childTnLst>
-                                    <p:set>
-                                      <p:cBhvr>
-                                        <p:cTn id="11" dur="1" fill="hold">
-                                          <p:stCondLst>
-                                            <p:cond delay="0"/>
-                                          </p:stCondLst>
-                                        </p:cTn>
-                                        <p:tgtEl>
-                                          <p:spTgt spid="25"/>
-                                        </p:tgtEl>
-                                        <p:attrNameLst>
-                                          <p:attrName>style.visibility</p:attrName>
-                                        </p:attrNameLst>
-                                      </p:cBhvr>
-                                      <p:to>
-                                        <p:strVal val="visible"/>
-                                      </p:to>
-                                    </p:set>
-                                    <p:animEffect transition="in" filter="fade">
-                                      <p:cBhvr>
-                                        <p:cTn id="12" dur="500"/>
-                                        <p:tgtEl>
-                                          <p:spTgt spid="25"/>
-                                        </p:tgtEl>
-                                      </p:cBhvr>
-                                    </p:animEffect>
-                                  </p:childTnLst>
-                                </p:cTn>
-                              </p:par>
-                            </p:childTnLst>
-                          </p:cTn>
-                        </p:par>
-                      </p:childTnLst>
-                    </p:cTn>
-                  </p:par>
-                  <p:par>
-                    <p:cTn id="13" fill="hold">
-                      <p:stCondLst>
-                        <p:cond delay="indefinite"/>
-                      </p:stCondLst>
-                      <p:childTnLst>
-                        <p:par>
-                          <p:cTn id="14" fill="hold">
-                            <p:stCondLst>
-                              <p:cond delay="0"/>
-                            </p:stCondLst>
-                            <p:childTnLst>
-                              <p:par>
-                                <p:cTn id="15" presetID="10" presetClass="entr" presetSubtype="0" fill="hold" grpId="0" nodeType="clickEffect">
-                                  <p:stCondLst>
-                                    <p:cond delay="0"/>
-                                  </p:stCondLst>
-                                  <p:childTnLst>
-                                    <p:set>
-                                      <p:cBhvr>
-                                        <p:cTn id="16" dur="1" fill="hold">
-                                          <p:stCondLst>
-                                            <p:cond delay="0"/>
-                                          </p:stCondLst>
-                                        </p:cTn>
-                                        <p:tgtEl>
-                                          <p:spTgt spid="3">
-                                            <p:txEl>
-                                              <p:pRg st="1" end="1"/>
-                                            </p:txEl>
-                                          </p:spTgt>
-                                        </p:tgtEl>
-                                        <p:attrNameLst>
-                                          <p:attrName>style.visibility</p:attrName>
-                                        </p:attrNameLst>
-                                      </p:cBhvr>
-                                      <p:to>
-                                        <p:strVal val="visible"/>
-                                      </p:to>
-                                    </p:set>
-                                    <p:animEffect transition="in" filter="fade">
-                                      <p:cBhvr>
-                                        <p:cTn id="17" dur="500"/>
-                                        <p:tgtEl>
-                                          <p:spTgt spid="3">
-                                            <p:txEl>
-                                              <p:pRg st="1" end="1"/>
-                                            </p:txEl>
-                                          </p:spTgt>
-                                        </p:tgtEl>
-                                      </p:cBhvr>
-                                    </p:animEffect>
-                                  </p:childTnLst>
-                                </p:cTn>
-                              </p:par>
-                            </p:childTnLst>
-                          </p:cTn>
-                        </p:par>
-                      </p:childTnLst>
-                    </p:cTn>
-                  </p:par>
-                  <p:par>
-                    <p:cTn id="18" fill="hold">
-                      <p:stCondLst>
-                        <p:cond delay="indefinite"/>
-                      </p:stCondLst>
-                      <p:childTnLst>
-                        <p:par>
-                          <p:cTn id="19" fill="hold">
-                            <p:stCondLst>
-                              <p:cond delay="0"/>
-                            </p:stCondLst>
-                            <p:childTnLst>
-                              <p:par>
-                                <p:cTn id="20" presetID="10" presetClass="entr" presetSubtype="0" fill="hold" grpId="0" nodeType="clickEffect">
-                                  <p:stCondLst>
-                                    <p:cond delay="0"/>
-                                  </p:stCondLst>
-                                  <p:childTnLst>
-                                    <p:set>
-                                      <p:cBhvr>
-                                        <p:cTn id="21" dur="1" fill="hold">
-                                          <p:stCondLst>
-                                            <p:cond delay="0"/>
-                                          </p:stCondLst>
-                                        </p:cTn>
-                                        <p:tgtEl>
-                                          <p:spTgt spid="3">
-                                            <p:txEl>
-                                              <p:pRg st="4" end="4"/>
-                                            </p:txEl>
-                                          </p:spTgt>
-                                        </p:tgtEl>
-                                        <p:attrNameLst>
-                                          <p:attrName>style.visibility</p:attrName>
-                                        </p:attrNameLst>
-                                      </p:cBhvr>
-                                      <p:to>
-                                        <p:strVal val="visible"/>
-                                      </p:to>
-                                    </p:set>
-                                    <p:animEffect transition="in" filter="fade">
-                                      <p:cBhvr>
-                                        <p:cTn id="22" dur="500"/>
-                                        <p:tgtEl>
-                                          <p:spTgt spid="3">
-                                            <p:txEl>
-                                              <p:pRg st="4" end="4"/>
-                                            </p:txEl>
-                                          </p:spTgt>
-                                        </p:tgtEl>
-                                      </p:cBhvr>
-                                    </p:animEffect>
-                                  </p:childTnLst>
-                                </p:cTn>
-                              </p:par>
-                            </p:childTnLst>
-                          </p:cTn>
-                        </p:par>
-                      </p:childTnLst>
-                    </p:cTn>
-                  </p:par>
-                  <p:par>
-                    <p:cTn id="23" fill="hold">
-                      <p:stCondLst>
-                        <p:cond delay="indefinite"/>
-                      </p:stCondLst>
-                      <p:childTnLst>
-                        <p:par>
-                          <p:cTn id="24" fill="hold">
-                            <p:stCondLst>
-                              <p:cond delay="0"/>
-                            </p:stCondLst>
-                            <p:childTnLst>
-                              <p:par>
-                                <p:cTn id="25" presetID="10" presetClass="entr" presetSubtype="0" fill="hold" grpId="0" nodeType="clickEffect">
-                                  <p:stCondLst>
-                                    <p:cond delay="0"/>
-                                  </p:stCondLst>
-                                  <p:childTnLst>
-                                    <p:set>
-                                      <p:cBhvr>
-                                        <p:cTn id="26" dur="1" fill="hold">
-                                          <p:stCondLst>
-                                            <p:cond delay="0"/>
-                                          </p:stCondLst>
-                                        </p:cTn>
-                                        <p:tgtEl>
-                                          <p:spTgt spid="3">
-                                            <p:txEl>
-                                              <p:pRg st="5" end="5"/>
-                                            </p:txEl>
-                                          </p:spTgt>
-                                        </p:tgtEl>
-                                        <p:attrNameLst>
-                                          <p:attrName>style.visibility</p:attrName>
-                                        </p:attrNameLst>
-                                      </p:cBhvr>
-                                      <p:to>
-                                        <p:strVal val="visible"/>
-                                      </p:to>
-                                    </p:set>
-                                    <p:animEffect transition="in" filter="fade">
-                                      <p:cBhvr>
-                                        <p:cTn id="27" dur="500"/>
-                                        <p:tgtEl>
-                                          <p:spTgt spid="3">
-                                            <p:txEl>
-                                              <p:pRg st="5" end="5"/>
-                                            </p:txEl>
-                                          </p:spTgt>
-                                        </p:tgtEl>
-                                      </p:cBhvr>
-                                    </p:animEffect>
-                                  </p:childTnLst>
-                                </p:cTn>
-                              </p:par>
-                            </p:childTnLst>
-                          </p:cTn>
-                        </p:par>
-                      </p:childTnLst>
-                    </p:cTn>
-                  </p:par>
-                  <p:par>
-                    <p:cTn id="28" fill="hold">
-                      <p:stCondLst>
-                        <p:cond delay="indefinite"/>
-                      </p:stCondLst>
-                      <p:childTnLst>
-                        <p:par>
-                          <p:cTn id="29" fill="hold">
-                            <p:stCondLst>
-                              <p:cond delay="0"/>
-                            </p:stCondLst>
-                            <p:childTnLst>
-                              <p:par>
-                                <p:cTn id="30" presetID="10" presetClass="exit" presetSubtype="0" fill="hold" grpId="1" nodeType="clickEffect">
-                                  <p:stCondLst>
-                                    <p:cond delay="0"/>
-                                  </p:stCondLst>
-                                  <p:childTnLst>
-                                    <p:animEffect transition="out" filter="fade">
-                                      <p:cBhvr>
-                                        <p:cTn id="31" dur="500"/>
-                                        <p:tgtEl>
-                                          <p:spTgt spid="25"/>
-                                        </p:tgtEl>
-                                      </p:cBhvr>
-                                    </p:animEffect>
-                                    <p:set>
-                                      <p:cBhvr>
-                                        <p:cTn id="32" dur="1" fill="hold">
-                                          <p:stCondLst>
-                                            <p:cond delay="499"/>
-                                          </p:stCondLst>
-                                        </p:cTn>
-                                        <p:tgtEl>
-                                          <p:spTgt spid="25"/>
-                                        </p:tgtEl>
-                                        <p:attrNameLst>
-                                          <p:attrName>style.visibility</p:attrName>
-                                        </p:attrNameLst>
-                                      </p:cBhvr>
-                                      <p:to>
-                                        <p:strVal val="hidden"/>
-                                      </p:to>
-                                    </p:set>
-                                  </p:childTnLst>
-                                </p:cTn>
-                              </p:par>
-                            </p:childTnLst>
-                          </p:cTn>
-                        </p:par>
-                      </p:childTnLst>
-                    </p:cTn>
-                  </p:par>
-                  <p:par>
-                    <p:cTn id="33" fill="hold">
-                      <p:stCondLst>
-                        <p:cond delay="indefinite"/>
-                      </p:stCondLst>
-                      <p:childTnLst>
-                        <p:par>
-                          <p:cTn id="34" fill="hold">
-                            <p:stCondLst>
-                              <p:cond delay="0"/>
-                            </p:stCondLst>
-                            <p:childTnLst>
-                              <p:par>
-                                <p:cTn id="35" presetID="10" presetClass="entr" presetSubtype="0" fill="hold" grpId="0" nodeType="clickEffect">
-                                  <p:stCondLst>
-                                    <p:cond delay="0"/>
-                                  </p:stCondLst>
-                                  <p:childTnLst>
-                                    <p:set>
-                                      <p:cBhvr>
-                                        <p:cTn id="36" dur="1" fill="hold">
-                                          <p:stCondLst>
-                                            <p:cond delay="0"/>
-                                          </p:stCondLst>
-                                        </p:cTn>
-                                        <p:tgtEl>
-                                          <p:spTgt spid="3">
-                                            <p:txEl>
-                                              <p:pRg st="6" end="6"/>
-                                            </p:txEl>
-                                          </p:spTgt>
-                                        </p:tgtEl>
-                                        <p:attrNameLst>
-                                          <p:attrName>style.visibility</p:attrName>
-                                        </p:attrNameLst>
-                                      </p:cBhvr>
-                                      <p:to>
-                                        <p:strVal val="visible"/>
-                                      </p:to>
-                                    </p:set>
-                                    <p:animEffect transition="in" filter="fade">
-                                      <p:cBhvr>
-                                        <p:cTn id="37" dur="500"/>
-                                        <p:tgtEl>
-                                          <p:spTgt spid="3">
-                                            <p:txEl>
-                                              <p:pRg st="6" end="6"/>
-                                            </p:txEl>
-                                          </p:spTgt>
-                                        </p:tgtEl>
-                                      </p:cBhvr>
-                                    </p:animEffect>
-                                  </p:childTnLst>
-                                </p:cTn>
-                              </p:par>
-                              <p:par>
-                                <p:cTn id="38" presetID="10" presetClass="entr" presetSubtype="0" fill="hold" grpId="0" nodeType="withEffect">
-                                  <p:stCondLst>
-                                    <p:cond delay="0"/>
-                                  </p:stCondLst>
-                                  <p:childTnLst>
-                                    <p:set>
-                                      <p:cBhvr>
-                                        <p:cTn id="39" dur="1" fill="hold">
-                                          <p:stCondLst>
-                                            <p:cond delay="0"/>
-                                          </p:stCondLst>
-                                        </p:cTn>
-                                        <p:tgtEl>
-                                          <p:spTgt spid="3">
-                                            <p:txEl>
-                                              <p:pRg st="7" end="7"/>
-                                            </p:txEl>
-                                          </p:spTgt>
-                                        </p:tgtEl>
-                                        <p:attrNameLst>
-                                          <p:attrName>style.visibility</p:attrName>
-                                        </p:attrNameLst>
-                                      </p:cBhvr>
-                                      <p:to>
-                                        <p:strVal val="visible"/>
-                                      </p:to>
-                                    </p:set>
-                                    <p:animEffect transition="in" filter="fade">
-                                      <p:cBhvr>
-                                        <p:cTn id="40" dur="500"/>
-                                        <p:tgtEl>
-                                          <p:spTgt spid="3">
-                                            <p:txEl>
-                                              <p:pRg st="7" end="7"/>
-                                            </p:txEl>
-                                          </p:spTgt>
-                                        </p:tgtEl>
-                                      </p:cBhvr>
-                                    </p:animEffect>
-                                  </p:childTnLst>
-                                </p:cTn>
-                              </p:par>
-                              <p:par>
-                                <p:cTn id="41" presetID="10" presetClass="entr" presetSubtype="0" fill="hold" grpId="1" nodeType="withEffect">
-                                  <p:stCondLst>
-                                    <p:cond delay="0"/>
-                                  </p:stCondLst>
-                                  <p:childTnLst>
-                                    <p:set>
-                                      <p:cBhvr>
-                                        <p:cTn id="42" dur="1" fill="hold">
-                                          <p:stCondLst>
-                                            <p:cond delay="0"/>
-                                          </p:stCondLst>
-                                        </p:cTn>
-                                        <p:tgtEl>
-                                          <p:spTgt spid="27"/>
-                                        </p:tgtEl>
-                                        <p:attrNameLst>
-                                          <p:attrName>style.visibility</p:attrName>
-                                        </p:attrNameLst>
-                                      </p:cBhvr>
-                                      <p:to>
-                                        <p:strVal val="visible"/>
-                                      </p:to>
-                                    </p:set>
-                                    <p:animEffect transition="in" filter="fade">
-                                      <p:cBhvr>
-                                        <p:cTn id="43" dur="500"/>
-                                        <p:tgtEl>
-                                          <p:spTgt spid="27"/>
-                                        </p:tgtEl>
-                                      </p:cBhvr>
-                                    </p:animEffect>
-                                  </p:childTnLst>
-                                </p:cTn>
-                              </p:par>
-                            </p:childTnLst>
-                          </p:cTn>
-                        </p:par>
-                      </p:childTnLst>
-                    </p:cTn>
-                  </p:par>
-                  <p:par>
-                    <p:cTn id="44" fill="hold">
-                      <p:stCondLst>
-                        <p:cond delay="indefinite"/>
-                      </p:stCondLst>
-                      <p:childTnLst>
-                        <p:par>
-                          <p:cTn id="45" fill="hold">
-                            <p:stCondLst>
-                              <p:cond delay="0"/>
-                            </p:stCondLst>
-                            <p:childTnLst>
-                              <p:par>
-                                <p:cTn id="46" presetID="10" presetClass="entr" presetSubtype="0" fill="hold" grpId="0" nodeType="clickEffect">
-                                  <p:stCondLst>
-                                    <p:cond delay="0"/>
-                                  </p:stCondLst>
-                                  <p:childTnLst>
-                                    <p:set>
-                                      <p:cBhvr>
-                                        <p:cTn id="47" dur="1" fill="hold">
-                                          <p:stCondLst>
-                                            <p:cond delay="0"/>
-                                          </p:stCondLst>
-                                        </p:cTn>
-                                        <p:tgtEl>
-                                          <p:spTgt spid="3">
-                                            <p:txEl>
-                                              <p:pRg st="8" end="8"/>
-                                            </p:txEl>
-                                          </p:spTgt>
-                                        </p:tgtEl>
-                                        <p:attrNameLst>
-                                          <p:attrName>style.visibility</p:attrName>
-                                        </p:attrNameLst>
-                                      </p:cBhvr>
-                                      <p:to>
-                                        <p:strVal val="visible"/>
-                                      </p:to>
-                                    </p:set>
-                                    <p:animEffect transition="in" filter="fade">
-                                      <p:cBhvr>
-                                        <p:cTn id="48" dur="500"/>
-                                        <p:tgtEl>
-                                          <p:spTgt spid="3">
-                                            <p:txEl>
-                                              <p:pRg st="8" end="8"/>
-                                            </p:txEl>
-                                          </p:spTgt>
-                                        </p:tgtEl>
-                                      </p:cBhvr>
-                                    </p:animEffect>
-                                  </p:childTnLst>
-                                </p:cTn>
-                              </p:par>
-                            </p:childTnLst>
-                          </p:cTn>
-                        </p:par>
-                        <p:par>
-                          <p:cTn id="49" fill="hold">
-                            <p:stCondLst>
-                              <p:cond delay="500"/>
-                            </p:stCondLst>
-                            <p:childTnLst>
-                              <p:par>
-                                <p:cTn id="50" presetID="10" presetClass="exit" presetSubtype="0" fill="hold" nodeType="afterEffect">
-                                  <p:stCondLst>
-                                    <p:cond delay="0"/>
-                                  </p:stCondLst>
-                                  <p:childTnLst>
-                                    <p:animEffect transition="out" filter="fade">
-                                      <p:cBhvr>
-                                        <p:cTn id="51" dur="500"/>
-                                        <p:tgtEl>
-                                          <p:spTgt spid="19"/>
-                                        </p:tgtEl>
-                                      </p:cBhvr>
-                                    </p:animEffect>
-                                    <p:set>
-                                      <p:cBhvr>
-                                        <p:cTn id="52" dur="1" fill="hold">
-                                          <p:stCondLst>
-                                            <p:cond delay="499"/>
-                                          </p:stCondLst>
-                                        </p:cTn>
-                                        <p:tgtEl>
-                                          <p:spTgt spid="19"/>
-                                        </p:tgtEl>
-                                        <p:attrNameLst>
-                                          <p:attrName>style.visibility</p:attrName>
-                                        </p:attrNameLst>
-                                      </p:cBhvr>
-                                      <p:to>
-                                        <p:strVal val="hidden"/>
-                                      </p:to>
-                                    </p:set>
-                                  </p:childTnLst>
-                                </p:cTn>
-                              </p:par>
-                              <p:par>
-                                <p:cTn id="53" presetID="10" presetClass="exit" presetSubtype="0" fill="hold" nodeType="withEffect">
-                                  <p:stCondLst>
-                                    <p:cond delay="0"/>
-                                  </p:stCondLst>
-                                  <p:childTnLst>
-                                    <p:animEffect transition="out" filter="fade">
-                                      <p:cBhvr>
-                                        <p:cTn id="54" dur="500"/>
-                                        <p:tgtEl>
-                                          <p:spTgt spid="24"/>
-                                        </p:tgtEl>
-                                      </p:cBhvr>
-                                    </p:animEffect>
-                                    <p:set>
-                                      <p:cBhvr>
-                                        <p:cTn id="55" dur="1" fill="hold">
-                                          <p:stCondLst>
-                                            <p:cond delay="499"/>
-                                          </p:stCondLst>
-                                        </p:cTn>
-                                        <p:tgtEl>
-                                          <p:spTgt spid="24"/>
-                                        </p:tgtEl>
-                                        <p:attrNameLst>
-                                          <p:attrName>style.visibility</p:attrName>
-                                        </p:attrNameLst>
-                                      </p:cBhvr>
-                                      <p:to>
-                                        <p:strVal val="hidden"/>
-                                      </p:to>
-                                    </p:set>
-                                  </p:childTnLst>
-                                </p:cTn>
-                              </p:par>
-                              <p:par>
-                                <p:cTn id="56" presetID="10" presetClass="exit" presetSubtype="0" fill="hold" nodeType="withEffect">
-                                  <p:stCondLst>
-                                    <p:cond delay="0"/>
-                                  </p:stCondLst>
-                                  <p:childTnLst>
-                                    <p:animEffect transition="out" filter="fade">
-                                      <p:cBhvr>
-                                        <p:cTn id="57" dur="500"/>
-                                        <p:tgtEl>
-                                          <p:spTgt spid="15"/>
-                                        </p:tgtEl>
-                                      </p:cBhvr>
-                                    </p:animEffect>
-                                    <p:set>
-                                      <p:cBhvr>
-                                        <p:cTn id="58" dur="1" fill="hold">
-                                          <p:stCondLst>
-                                            <p:cond delay="499"/>
-                                          </p:stCondLst>
-                                        </p:cTn>
-                                        <p:tgtEl>
-                                          <p:spTgt spid="15"/>
-                                        </p:tgtEl>
-                                        <p:attrNameLst>
-                                          <p:attrName>style.visibility</p:attrName>
-                                        </p:attrNameLst>
-                                      </p:cBhvr>
-                                      <p:to>
-                                        <p:strVal val="hidden"/>
-                                      </p:to>
-                                    </p:set>
-                                  </p:childTnLst>
-                                </p:cTn>
-                              </p:par>
-                              <p:par>
-                                <p:cTn id="59" presetID="10" presetClass="exit" presetSubtype="0" fill="hold" nodeType="withEffect">
-                                  <p:stCondLst>
-                                    <p:cond delay="0"/>
-                                  </p:stCondLst>
-                                  <p:childTnLst>
-                                    <p:animEffect transition="out" filter="fade">
-                                      <p:cBhvr>
-                                        <p:cTn id="60" dur="500"/>
-                                        <p:tgtEl>
-                                          <p:spTgt spid="20"/>
-                                        </p:tgtEl>
-                                      </p:cBhvr>
-                                    </p:animEffect>
-                                    <p:set>
-                                      <p:cBhvr>
-                                        <p:cTn id="61" dur="1" fill="hold">
-                                          <p:stCondLst>
-                                            <p:cond delay="499"/>
-                                          </p:stCondLst>
-                                        </p:cTn>
-                                        <p:tgtEl>
-                                          <p:spTgt spid="20"/>
-                                        </p:tgtEl>
-                                        <p:attrNameLst>
-                                          <p:attrName>style.visibility</p:attrName>
-                                        </p:attrNameLst>
-                                      </p:cBhvr>
-                                      <p:to>
-                                        <p:strVal val="hidden"/>
-                                      </p:to>
-                                    </p:set>
-                                  </p:childTnLst>
-                                </p:cTn>
-                              </p:par>
-                              <p:par>
-                                <p:cTn id="62" presetID="10" presetClass="exit" presetSubtype="0" fill="hold" nodeType="withEffect">
-                                  <p:stCondLst>
-                                    <p:cond delay="0"/>
-                                  </p:stCondLst>
-                                  <p:childTnLst>
-                                    <p:animEffect transition="out" filter="fade">
-                                      <p:cBhvr>
-                                        <p:cTn id="63" dur="500"/>
-                                        <p:tgtEl>
-                                          <p:spTgt spid="16"/>
-                                        </p:tgtEl>
-                                      </p:cBhvr>
-                                    </p:animEffect>
-                                    <p:set>
-                                      <p:cBhvr>
-                                        <p:cTn id="64" dur="1" fill="hold">
-                                          <p:stCondLst>
-                                            <p:cond delay="499"/>
-                                          </p:stCondLst>
-                                        </p:cTn>
-                                        <p:tgtEl>
-                                          <p:spTgt spid="16"/>
-                                        </p:tgtEl>
-                                        <p:attrNameLst>
-                                          <p:attrName>style.visibility</p:attrName>
-                                        </p:attrNameLst>
-                                      </p:cBhvr>
-                                      <p:to>
-                                        <p:strVal val="hidden"/>
-                                      </p:to>
-                                    </p:set>
-                                  </p:childTnLst>
-                                </p:cTn>
-                              </p:par>
-                              <p:par>
-                                <p:cTn id="65" presetID="10" presetClass="exit" presetSubtype="0" fill="hold" nodeType="withEffect">
-                                  <p:stCondLst>
-                                    <p:cond delay="0"/>
-                                  </p:stCondLst>
-                                  <p:childTnLst>
-                                    <p:animEffect transition="out" filter="fade">
-                                      <p:cBhvr>
-                                        <p:cTn id="66" dur="500"/>
-                                        <p:tgtEl>
-                                          <p:spTgt spid="21"/>
-                                        </p:tgtEl>
-                                      </p:cBhvr>
-                                    </p:animEffect>
-                                    <p:set>
-                                      <p:cBhvr>
-                                        <p:cTn id="67" dur="1" fill="hold">
-                                          <p:stCondLst>
-                                            <p:cond delay="499"/>
-                                          </p:stCondLst>
-                                        </p:cTn>
-                                        <p:tgtEl>
-                                          <p:spTgt spid="21"/>
-                                        </p:tgtEl>
-                                        <p:attrNameLst>
-                                          <p:attrName>style.visibility</p:attrName>
-                                        </p:attrNameLst>
-                                      </p:cBhvr>
-                                      <p:to>
-                                        <p:strVal val="hidden"/>
-                                      </p:to>
-                                    </p:set>
-                                  </p:childTnLst>
-                                </p:cTn>
-                              </p:par>
-                              <p:par>
-                                <p:cTn id="68" presetID="10" presetClass="exit" presetSubtype="0" fill="hold" grpId="2" nodeType="withEffect">
-                                  <p:stCondLst>
-                                    <p:cond delay="0"/>
-                                  </p:stCondLst>
-                                  <p:childTnLst>
-                                    <p:animEffect transition="out" filter="fade">
-                                      <p:cBhvr>
-                                        <p:cTn id="69" dur="500"/>
-                                        <p:tgtEl>
-                                          <p:spTgt spid="27"/>
-                                        </p:tgtEl>
-                                      </p:cBhvr>
-                                    </p:animEffect>
-                                    <p:set>
-                                      <p:cBhvr>
-                                        <p:cTn id="70" dur="1" fill="hold">
-                                          <p:stCondLst>
-                                            <p:cond delay="499"/>
-                                          </p:stCondLst>
-                                        </p:cTn>
-                                        <p:tgtEl>
-                                          <p:spTgt spid="27"/>
-                                        </p:tgtEl>
-                                        <p:attrNameLst>
-                                          <p:attrName>style.visibility</p:attrName>
-                                        </p:attrNameLst>
-                                      </p:cBhvr>
-                                      <p:to>
-                                        <p:strVal val="hidden"/>
-                                      </p:to>
-                                    </p:set>
-                                  </p:childTnLst>
-                                </p:cTn>
-                              </p:par>
-                            </p:childTnLst>
-                          </p:cTn>
-                        </p:par>
-                      </p:childTnLst>
-                    </p:cTn>
-                  </p:par>
-                </p:childTnLst>
-              </p:cTn>
-              <p:prevCondLst>
-                <p:cond evt="onPrev" delay="0">
-                  <p:tgtEl>
-                    <p:sldTgt/>
-                  </p:tgtEl>
-                </p:cond>
-              </p:prevCondLst>
-              <p:nextCondLst>
-                <p:cond evt="onNext" delay="0">
-                  <p:tgtEl>
-                    <p:sldTgt/>
-                  </p:tgtEl>
-                </p:cond>
-              </p:nextCondLst>
-            </p:seq>
-          </p:childTnLst>
-        </p:cTn>
+        <p:cTn xmlns:p14="http://schemas.microsoft.com/office/powerpoint/2010/main" id="1" dur="indefinite" restart="never" nodeType="tmRoot"/>
       </p:par>
     </p:tnLst>
-    <p:bldLst>
-      <p:bldP spid="27" grpId="1" uiExpand="1" animBg="1"/>
-      <p:bldP spid="27" grpId="2" animBg="1"/>
-      <p:bldP spid="25" grpId="0" uiExpand="1" animBg="1"/>
-      <p:bldP spid="25" grpId="1" uiExpand="1" animBg="1"/>
-      <p:bldP spid="3" grpId="0" build="p"/>
-    </p:bldLst>
   </p:timing>
 </p:sld>
 </file>
 
-<file path=ppt/slides/slide4.xml><?xml version="1.0" encoding="utf-8"?>
+<file path=ppt/slides/slide5.xml><?xml version="1.0" encoding="utf-8"?>
+<p:sld xmlns:a="http://schemas.openxmlformats.org/drawingml/2006/main" xmlns:r="http://schemas.openxmlformats.org/officeDocument/2006/relationships" xmlns:p="http://schemas.openxmlformats.org/presentationml/2006/main">
+  <p:cSld>
+    <p:spTree>
+      <p:nvGrpSpPr>
+        <p:cNvPr id="1" name=""/>
+        <p:cNvGrpSpPr/>
+        <p:nvPr/>
+      </p:nvGrpSpPr>
+      <p:grpSpPr>
+        <a:xfrm>
+          <a:off x="0" y="0"/>
+          <a:ext cx="0" cy="0"/>
+          <a:chOff x="0" y="0"/>
+          <a:chExt cx="0" cy="0"/>
+        </a:xfrm>
+      </p:grpSpPr>
+      <p:sp>
+        <p:nvSpPr>
+          <p:cNvPr id="25" name="Rectangle 24"/>
+          <p:cNvSpPr/>
+          <p:nvPr/>
+        </p:nvSpPr>
+        <p:spPr>
+          <a:xfrm>
+            <a:off x="5778304" y="3909776"/>
+            <a:ext cx="779846" cy="734722"/>
+          </a:xfrm>
+          <a:prstGeom prst="rect">
+            <a:avLst/>
+          </a:prstGeom>
+          <a:solidFill>
+            <a:srgbClr val="FFF40A"/>
+          </a:solidFill>
+          <a:ln>
+            <a:noFill/>
+          </a:ln>
+        </p:spPr>
+        <p:style>
+          <a:lnRef idx="1">
+            <a:schemeClr val="accent1"/>
+          </a:lnRef>
+          <a:fillRef idx="3">
+            <a:schemeClr val="accent1"/>
+          </a:fillRef>
+          <a:effectRef idx="2">
+            <a:schemeClr val="accent1"/>
+          </a:effectRef>
+          <a:fontRef idx="minor">
+            <a:schemeClr val="lt1"/>
+          </a:fontRef>
+        </p:style>
+        <p:txBody>
+          <a:bodyPr rtlCol="0" anchor="ctr"/>
+          <a:lstStyle/>
+          <a:p>
+            <a:pPr algn="ctr"/>
+            <a:endParaRPr lang="en-US"/>
+          </a:p>
+        </p:txBody>
+      </p:sp>
+      <p:sp>
+        <p:nvSpPr>
+          <p:cNvPr id="2" name="Title 1"/>
+          <p:cNvSpPr>
+            <a:spLocks noGrp="1"/>
+          </p:cNvSpPr>
+          <p:nvPr>
+            <p:ph type="title"/>
+          </p:nvPr>
+        </p:nvSpPr>
+        <p:spPr>
+          <a:xfrm>
+            <a:off x="457200" y="-114300"/>
+            <a:ext cx="8229600" cy="1143000"/>
+          </a:xfrm>
+        </p:spPr>
+        <p:txBody>
+          <a:bodyPr>
+            <a:normAutofit/>
+          </a:bodyPr>
+          <a:lstStyle/>
+          <a:p>
+            <a:pPr algn="l"/>
+            <a:r>
+              <a:rPr lang="en-US" sz="3600" dirty="0" smtClean="0"/>
+              <a:t>Can we do better in computational setting?</a:t>
+            </a:r>
+            <a:endParaRPr lang="en-US" sz="3600" dirty="0"/>
+          </a:p>
+        </p:txBody>
+      </p:sp>
+      <p:sp>
+        <p:nvSpPr>
+          <p:cNvPr id="3" name="Content Placeholder 2"/>
+          <p:cNvSpPr>
+            <a:spLocks noGrp="1"/>
+          </p:cNvSpPr>
+          <p:nvPr>
+            <p:ph idx="1"/>
+          </p:nvPr>
+        </p:nvSpPr>
+        <p:spPr>
+          <a:xfrm>
+            <a:off x="42825" y="1236510"/>
+            <a:ext cx="4941706" cy="5253182"/>
+          </a:xfrm>
+        </p:spPr>
+        <p:txBody>
+          <a:bodyPr>
+            <a:noAutofit/>
+          </a:bodyPr>
+          <a:lstStyle/>
+          <a:p>
+            <a:r>
+              <a:rPr lang="en-US" sz="2800" dirty="0" smtClean="0"/>
+              <a:t>Using sketch-and-extract: NO</a:t>
+            </a:r>
+          </a:p>
+          <a:p>
+            <a:pPr lvl="1"/>
+            <a:r>
+              <a:rPr lang="en-US" sz="2200" u="sng" dirty="0" err="1" smtClean="0"/>
+              <a:t>Thm</a:t>
+            </a:r>
+            <a:r>
+              <a:rPr lang="en-US" sz="2200" u="sng" dirty="0" smtClean="0"/>
+              <a:t>:</a:t>
+            </a:r>
+            <a:r>
+              <a:rPr lang="en-US" sz="2200" dirty="0" smtClean="0">
+                <a:latin typeface="Calibri"/>
+                <a:cs typeface="Calibri"/>
+              </a:rPr>
+              <a:t> Defining secure sketches</a:t>
+            </a:r>
+            <a:br>
+              <a:rPr lang="en-US" sz="2200" dirty="0" smtClean="0">
+                <a:latin typeface="Calibri"/>
+                <a:cs typeface="Calibri"/>
+              </a:rPr>
+            </a:br>
+            <a:r>
+              <a:rPr lang="en-US" sz="2200" dirty="0" smtClean="0">
+                <a:latin typeface="Calibri"/>
+                <a:cs typeface="Calibri"/>
+              </a:rPr>
+              <a:t>using computational entropy </a:t>
+            </a:r>
+            <a:br>
+              <a:rPr lang="en-US" sz="2200" dirty="0" smtClean="0">
+                <a:latin typeface="Calibri"/>
+                <a:cs typeface="Calibri"/>
+              </a:rPr>
+            </a:br>
+            <a:r>
+              <a:rPr lang="en-US" sz="2200" dirty="0" smtClean="0">
+                <a:latin typeface="Calibri"/>
+                <a:cs typeface="Calibri"/>
+              </a:rPr>
+              <a:t>is unlikely to help</a:t>
+            </a:r>
+            <a:endParaRPr lang="en-US" sz="2200" dirty="0" smtClean="0"/>
+          </a:p>
+          <a:p>
+            <a:endParaRPr lang="en-US" sz="2800" dirty="0" smtClean="0"/>
+          </a:p>
+          <a:p>
+            <a:endParaRPr lang="en-US" sz="2800" dirty="0" smtClean="0"/>
+          </a:p>
+          <a:p>
+            <a:r>
+              <a:rPr lang="en-US" sz="2800" dirty="0" smtClean="0"/>
+              <a:t>Using a new construction: YES</a:t>
+            </a:r>
+          </a:p>
+          <a:p>
+            <a:pPr lvl="1"/>
+            <a:r>
+              <a:rPr lang="en-US" sz="2200" dirty="0" smtClean="0"/>
+              <a:t>Know we can’t change the sketch</a:t>
+            </a:r>
+          </a:p>
+          <a:p>
+            <a:pPr lvl="1"/>
+            <a:r>
+              <a:rPr lang="en-US" sz="2200" dirty="0" smtClean="0">
+                <a:solidFill>
+                  <a:srgbClr val="FFFFFF"/>
+                </a:solidFill>
+              </a:rPr>
+              <a:t>Could </a:t>
+            </a:r>
+            <a:r>
+              <a:rPr lang="en-US" sz="2200" dirty="0">
+                <a:solidFill>
+                  <a:srgbClr val="FFFFFF"/>
+                </a:solidFill>
+              </a:rPr>
+              <a:t>use computational extractor </a:t>
+            </a:r>
+            <a:endParaRPr lang="en-US" sz="2200" dirty="0" smtClean="0">
+              <a:solidFill>
+                <a:srgbClr val="FFFFFF"/>
+              </a:solidFill>
+            </a:endParaRPr>
+          </a:p>
+          <a:p>
+            <a:pPr marL="914400" lvl="2" indent="0">
+              <a:buNone/>
+            </a:pPr>
+            <a:r>
+              <a:rPr lang="en-US" sz="2200" dirty="0" smtClean="0">
+                <a:solidFill>
+                  <a:srgbClr val="FFFFFF"/>
+                </a:solidFill>
+              </a:rPr>
+              <a:t>(Must have enough entropy remaining after the sketch)</a:t>
+            </a:r>
+          </a:p>
+          <a:p>
+            <a:pPr lvl="1"/>
+            <a:r>
+              <a:rPr lang="en-US" sz="2200" dirty="0" smtClean="0">
+                <a:solidFill>
+                  <a:srgbClr val="FFFFFF"/>
+                </a:solidFill>
+              </a:rPr>
+              <a:t>We make the whole process computational</a:t>
+            </a:r>
+          </a:p>
+          <a:p>
+            <a:pPr lvl="1"/>
+            <a:endParaRPr lang="en-US" sz="2000" dirty="0"/>
+          </a:p>
+        </p:txBody>
+      </p:sp>
+      <p:sp>
+        <p:nvSpPr>
+          <p:cNvPr id="4" name="Rectangle 3"/>
+          <p:cNvSpPr/>
+          <p:nvPr/>
+        </p:nvSpPr>
+        <p:spPr>
+          <a:xfrm>
+            <a:off x="7915834" y="2489342"/>
+            <a:ext cx="640194" cy="479703"/>
+          </a:xfrm>
+          <a:prstGeom prst="rect">
+            <a:avLst/>
+          </a:prstGeom>
+          <a:solidFill>
+            <a:srgbClr val="0011B2"/>
+          </a:solidFill>
+          <a:ln>
+            <a:solidFill>
+              <a:srgbClr val="0011B2"/>
+            </a:solidFill>
+          </a:ln>
+        </p:spPr>
+        <p:style>
+          <a:lnRef idx="1">
+            <a:schemeClr val="accent1"/>
+          </a:lnRef>
+          <a:fillRef idx="3">
+            <a:schemeClr val="accent1"/>
+          </a:fillRef>
+          <a:effectRef idx="2">
+            <a:schemeClr val="accent1"/>
+          </a:effectRef>
+          <a:fontRef idx="minor">
+            <a:schemeClr val="lt1"/>
+          </a:fontRef>
+        </p:style>
+        <p:txBody>
+          <a:bodyPr rtlCol="0" anchor="ctr"/>
+          <a:lstStyle/>
+          <a:p>
+            <a:pPr algn="ctr"/>
+            <a:endParaRPr lang="en-US"/>
+          </a:p>
+        </p:txBody>
+      </p:sp>
+      <p:sp>
+        <p:nvSpPr>
+          <p:cNvPr id="5" name="Rectangle 4"/>
+          <p:cNvSpPr/>
+          <p:nvPr/>
+        </p:nvSpPr>
+        <p:spPr>
+          <a:xfrm>
+            <a:off x="4515956" y="3289382"/>
+            <a:ext cx="352425" cy="358642"/>
+          </a:xfrm>
+          <a:prstGeom prst="rect">
+            <a:avLst/>
+          </a:prstGeom>
+          <a:solidFill>
+            <a:srgbClr val="82A0FF"/>
+          </a:solidFill>
+          <a:ln>
+            <a:solidFill>
+              <a:srgbClr val="0000FF"/>
+            </a:solidFill>
+          </a:ln>
+        </p:spPr>
+        <p:style>
+          <a:lnRef idx="1">
+            <a:schemeClr val="accent1"/>
+          </a:lnRef>
+          <a:fillRef idx="3">
+            <a:schemeClr val="accent1"/>
+          </a:fillRef>
+          <a:effectRef idx="2">
+            <a:schemeClr val="accent1"/>
+          </a:effectRef>
+          <a:fontRef idx="minor">
+            <a:schemeClr val="lt1"/>
+          </a:fontRef>
+        </p:style>
+        <p:txBody>
+          <a:bodyPr rtlCol="0" anchor="ctr"/>
+          <a:lstStyle/>
+          <a:p>
+            <a:pPr algn="ctr"/>
+            <a:endParaRPr lang="en-US">
+              <a:solidFill>
+                <a:srgbClr val="000000"/>
+              </a:solidFill>
+            </a:endParaRPr>
+          </a:p>
+        </p:txBody>
+      </p:sp>
+      <p:grpSp>
+        <p:nvGrpSpPr>
+          <p:cNvPr id="6" name="Group 5"/>
+          <p:cNvGrpSpPr/>
+          <p:nvPr/>
+        </p:nvGrpSpPr>
+        <p:grpSpPr>
+          <a:xfrm>
+            <a:off x="5126228" y="2383616"/>
+            <a:ext cx="2111840" cy="2342700"/>
+            <a:chOff x="6838074" y="2246479"/>
+            <a:chExt cx="981495" cy="1803616"/>
+          </a:xfrm>
+        </p:grpSpPr>
+        <p:sp>
+          <p:nvSpPr>
+            <p:cNvPr id="7" name="Trapezoid 6"/>
+            <p:cNvSpPr/>
+            <p:nvPr/>
+          </p:nvSpPr>
+          <p:spPr bwMode="auto">
+            <a:xfrm rot="5400000">
+              <a:off x="6589784" y="2820309"/>
+              <a:ext cx="1491952" cy="967619"/>
+            </a:xfrm>
+            <a:prstGeom prst="trapezoid">
+              <a:avLst>
+                <a:gd name="adj" fmla="val 0"/>
+              </a:avLst>
+            </a:prstGeom>
+            <a:noFill/>
+            <a:ln w="9525" cap="flat" cmpd="sng" algn="ctr">
+              <a:solidFill>
+                <a:schemeClr val="tx1"/>
+              </a:solidFill>
+              <a:prstDash val="solid"/>
+              <a:round/>
+              <a:headEnd type="none" w="med" len="med"/>
+              <a:tailEnd type="triangle" w="lg" len="lg"/>
+            </a:ln>
+            <a:effectLst/>
+            <a:extLst/>
+          </p:spPr>
+          <p:txBody>
+            <a:bodyPr vert="horz" wrap="square" lIns="91440" tIns="45720" rIns="91440" bIns="45720" numCol="1" rtlCol="0" anchor="t" anchorCtr="0" compatLnSpc="1">
+              <a:prstTxWarp prst="textNoShape">
+                <a:avLst/>
+              </a:prstTxWarp>
+              <a:spAutoFit/>
+            </a:bodyPr>
+            <a:lstStyle/>
+            <a:p>
+              <a:pPr marL="0" marR="0" indent="0" algn="l" defTabSz="914400" rtl="0" eaLnBrk="1" fontAlgn="base" latinLnBrk="0" hangingPunct="1">
+                <a:lnSpc>
+                  <a:spcPct val="100000"/>
+                </a:lnSpc>
+                <a:spcBef>
+                  <a:spcPct val="50000"/>
+                </a:spcBef>
+                <a:spcAft>
+                  <a:spcPct val="0"/>
+                </a:spcAft>
+                <a:buClrTx/>
+                <a:buSzTx/>
+                <a:buFontTx/>
+                <a:buNone/>
+                <a:tabLst/>
+              </a:pPr>
+              <a:endParaRPr kumimoji="0" lang="en-US" sz="3200" b="0" i="0" u="none" strike="noStrike" cap="none" normalizeH="0" baseline="0">
+                <a:ln>
+                  <a:noFill/>
+                </a:ln>
+                <a:solidFill>
+                  <a:schemeClr val="tx1"/>
+                </a:solidFill>
+                <a:effectLst/>
+                <a:latin typeface="Arial Narrow" charset="0"/>
+                <a:ea typeface="ＭＳ Ｐゴシック" charset="0"/>
+              </a:endParaRPr>
+            </a:p>
+          </p:txBody>
+        </p:sp>
+        <p:sp>
+          <p:nvSpPr>
+            <p:cNvPr id="8" name="TextBox 7"/>
+            <p:cNvSpPr txBox="1"/>
+            <p:nvPr/>
+          </p:nvSpPr>
+          <p:spPr>
+            <a:xfrm>
+              <a:off x="6838074" y="2246479"/>
+              <a:ext cx="371070" cy="355430"/>
+            </a:xfrm>
+            <a:prstGeom prst="rect">
+              <a:avLst/>
+            </a:prstGeom>
+            <a:noFill/>
+          </p:spPr>
+          <p:txBody>
+            <a:bodyPr wrap="none" rtlCol="0">
+              <a:spAutoFit/>
+            </a:bodyPr>
+            <a:lstStyle/>
+            <a:p>
+              <a:r>
+                <a:rPr lang="en-US" sz="2400" i="1" dirty="0" smtClean="0">
+                  <a:latin typeface="Times New Roman"/>
+                  <a:cs typeface="Times New Roman"/>
+                </a:rPr>
+                <a:t>Gen</a:t>
+              </a:r>
+              <a:endParaRPr lang="en-US" sz="2400" i="1" dirty="0">
+                <a:latin typeface="Times New Roman"/>
+                <a:cs typeface="Times New Roman"/>
+              </a:endParaRPr>
+            </a:p>
+          </p:txBody>
+        </p:sp>
+      </p:grpSp>
+      <p:cxnSp>
+        <p:nvCxnSpPr>
+          <p:cNvPr id="9" name="Straight Arrow Connector 8"/>
+          <p:cNvCxnSpPr/>
+          <p:nvPr/>
+        </p:nvCxnSpPr>
+        <p:spPr bwMode="auto">
+          <a:xfrm flipV="1">
+            <a:off x="4365440" y="3743990"/>
+            <a:ext cx="790647" cy="11601"/>
+          </a:xfrm>
+          <a:prstGeom prst="straightConnector1">
+            <a:avLst/>
+          </a:prstGeom>
+          <a:solidFill>
+            <a:schemeClr val="accent1"/>
+          </a:solidFill>
+          <a:ln w="9525" cap="flat" cmpd="sng" algn="ctr">
+            <a:solidFill>
+              <a:schemeClr val="tx1"/>
+            </a:solidFill>
+            <a:prstDash val="solid"/>
+            <a:round/>
+            <a:headEnd type="none" w="med" len="med"/>
+            <a:tailEnd type="triangle" w="lg" len="lg"/>
+          </a:ln>
+          <a:effectLst/>
+          <a:extLst/>
+        </p:spPr>
+      </p:cxnSp>
+      <p:cxnSp>
+        <p:nvCxnSpPr>
+          <p:cNvPr id="10" name="Straight Arrow Connector 9"/>
+          <p:cNvCxnSpPr/>
+          <p:nvPr/>
+        </p:nvCxnSpPr>
+        <p:spPr bwMode="auto">
+          <a:xfrm>
+            <a:off x="7238071" y="2990020"/>
+            <a:ext cx="1648424" cy="14777"/>
+          </a:xfrm>
+          <a:prstGeom prst="straightConnector1">
+            <a:avLst/>
+          </a:prstGeom>
+          <a:solidFill>
+            <a:schemeClr val="accent1"/>
+          </a:solidFill>
+          <a:ln w="9525" cap="flat" cmpd="sng" algn="ctr">
+            <a:solidFill>
+              <a:schemeClr val="tx1"/>
+            </a:solidFill>
+            <a:prstDash val="solid"/>
+            <a:round/>
+            <a:headEnd type="none" w="med" len="med"/>
+            <a:tailEnd type="triangle" w="lg" len="lg"/>
+          </a:ln>
+          <a:effectLst/>
+          <a:extLst/>
+        </p:spPr>
+      </p:cxnSp>
+      <p:cxnSp>
+        <p:nvCxnSpPr>
+          <p:cNvPr id="11" name="Straight Arrow Connector 10"/>
+          <p:cNvCxnSpPr/>
+          <p:nvPr/>
+        </p:nvCxnSpPr>
+        <p:spPr bwMode="auto">
+          <a:xfrm>
+            <a:off x="7247500" y="4135458"/>
+            <a:ext cx="1648424" cy="14777"/>
+          </a:xfrm>
+          <a:prstGeom prst="straightConnector1">
+            <a:avLst/>
+          </a:prstGeom>
+          <a:solidFill>
+            <a:schemeClr val="accent1"/>
+          </a:solidFill>
+          <a:ln w="9525" cap="flat" cmpd="sng" algn="ctr">
+            <a:solidFill>
+              <a:schemeClr val="tx1"/>
+            </a:solidFill>
+            <a:prstDash val="solid"/>
+            <a:round/>
+            <a:headEnd type="none" w="med" len="med"/>
+            <a:tailEnd type="triangle" w="lg" len="lg"/>
+          </a:ln>
+          <a:effectLst/>
+          <a:extLst/>
+        </p:spPr>
+      </p:cxnSp>
+      <p:sp>
+        <p:nvSpPr>
+          <p:cNvPr id="12" name="TextBox 11"/>
+          <p:cNvSpPr txBox="1"/>
+          <p:nvPr/>
+        </p:nvSpPr>
+        <p:spPr>
+          <a:xfrm>
+            <a:off x="4454585" y="3210063"/>
+            <a:ext cx="529946" cy="461665"/>
+          </a:xfrm>
+          <a:prstGeom prst="rect">
+            <a:avLst/>
+          </a:prstGeom>
+          <a:noFill/>
+        </p:spPr>
+        <p:txBody>
+          <a:bodyPr wrap="none" rtlCol="0">
+            <a:spAutoFit/>
+          </a:bodyPr>
+          <a:lstStyle/>
+          <a:p>
+            <a:r>
+              <a:rPr lang="en-US" sz="2400" i="1" dirty="0" smtClean="0">
+                <a:solidFill>
+                  <a:srgbClr val="000000"/>
+                </a:solidFill>
+                <a:latin typeface="Times New Roman"/>
+                <a:cs typeface="Times New Roman"/>
+              </a:rPr>
+              <a:t>w</a:t>
+            </a:r>
+            <a:r>
+              <a:rPr lang="en-US" sz="2400" baseline="-25000" dirty="0" smtClean="0">
+                <a:solidFill>
+                  <a:srgbClr val="000000"/>
+                </a:solidFill>
+                <a:latin typeface="Times New Roman"/>
+                <a:cs typeface="Times New Roman"/>
+              </a:rPr>
+              <a:t>0</a:t>
+            </a:r>
+            <a:endParaRPr lang="en-US" sz="2400" baseline="-25000" dirty="0">
+              <a:solidFill>
+                <a:srgbClr val="000000"/>
+              </a:solidFill>
+              <a:latin typeface="Times New Roman"/>
+              <a:cs typeface="Times New Roman"/>
+            </a:endParaRPr>
+          </a:p>
+        </p:txBody>
+      </p:sp>
+      <p:sp>
+        <p:nvSpPr>
+          <p:cNvPr id="13" name="TextBox 12"/>
+          <p:cNvSpPr txBox="1"/>
+          <p:nvPr/>
+        </p:nvSpPr>
+        <p:spPr>
+          <a:xfrm>
+            <a:off x="7922422" y="2515622"/>
+            <a:ext cx="695473" cy="461665"/>
+          </a:xfrm>
+          <a:prstGeom prst="rect">
+            <a:avLst/>
+          </a:prstGeom>
+          <a:noFill/>
+        </p:spPr>
+        <p:txBody>
+          <a:bodyPr wrap="none" rtlCol="0">
+            <a:spAutoFit/>
+          </a:bodyPr>
+          <a:lstStyle/>
+          <a:p>
+            <a:r>
+              <a:rPr lang="en-US" sz="2400" i="1" dirty="0" smtClean="0">
+                <a:solidFill>
+                  <a:srgbClr val="FFFFFF"/>
+                </a:solidFill>
+                <a:latin typeface="Times New Roman"/>
+                <a:cs typeface="Times New Roman"/>
+              </a:rPr>
+              <a:t>key</a:t>
+            </a:r>
+            <a:endParaRPr lang="en-US" sz="2400" i="1" dirty="0">
+              <a:solidFill>
+                <a:srgbClr val="FFFFFF"/>
+              </a:solidFill>
+              <a:latin typeface="Times New Roman"/>
+              <a:cs typeface="Times New Roman"/>
+            </a:endParaRPr>
+          </a:p>
+        </p:txBody>
+      </p:sp>
+      <p:sp>
+        <p:nvSpPr>
+          <p:cNvPr id="14" name="TextBox 13"/>
+          <p:cNvSpPr txBox="1"/>
+          <p:nvPr/>
+        </p:nvSpPr>
+        <p:spPr>
+          <a:xfrm>
+            <a:off x="7842499" y="3546097"/>
+            <a:ext cx="496183" cy="523220"/>
+          </a:xfrm>
+          <a:prstGeom prst="rect">
+            <a:avLst/>
+          </a:prstGeom>
+          <a:solidFill>
+            <a:srgbClr val="008000"/>
+          </a:solidFill>
+        </p:spPr>
+        <p:txBody>
+          <a:bodyPr wrap="none" rtlCol="0">
+            <a:spAutoFit/>
+          </a:bodyPr>
+          <a:lstStyle/>
+          <a:p>
+            <a:pPr algn="ctr"/>
+            <a:r>
+              <a:rPr lang="en-US" sz="2800" i="1" dirty="0" smtClean="0">
+                <a:solidFill>
+                  <a:srgbClr val="FFFFFF"/>
+                </a:solidFill>
+                <a:latin typeface="Times New Roman"/>
+                <a:cs typeface="Times New Roman"/>
+              </a:rPr>
+              <a:t>p</a:t>
+            </a:r>
+            <a:endParaRPr lang="en-US" sz="2800" i="1" dirty="0">
+              <a:solidFill>
+                <a:srgbClr val="FFFFFF"/>
+              </a:solidFill>
+              <a:latin typeface="Times New Roman"/>
+              <a:cs typeface="Times New Roman"/>
+            </a:endParaRPr>
+          </a:p>
+        </p:txBody>
+      </p:sp>
+      <p:cxnSp>
+        <p:nvCxnSpPr>
+          <p:cNvPr id="15" name="Elbow Connector 14"/>
+          <p:cNvCxnSpPr/>
+          <p:nvPr/>
+        </p:nvCxnSpPr>
+        <p:spPr>
+          <a:xfrm rot="10800000" flipH="1">
+            <a:off x="5156090" y="3343540"/>
+            <a:ext cx="622200" cy="413835"/>
+          </a:xfrm>
+          <a:prstGeom prst="bentConnector3">
+            <a:avLst>
+              <a:gd name="adj1" fmla="val 36073"/>
+            </a:avLst>
+          </a:prstGeom>
+          <a:ln w="9525">
+            <a:solidFill>
+              <a:schemeClr val="tx1"/>
+            </a:solidFill>
+            <a:tailEnd type="triangle" w="lg" len="lg"/>
+          </a:ln>
+          <a:effectLst/>
+        </p:spPr>
+        <p:style>
+          <a:lnRef idx="2">
+            <a:schemeClr val="accent1"/>
+          </a:lnRef>
+          <a:fillRef idx="0">
+            <a:schemeClr val="accent1"/>
+          </a:fillRef>
+          <a:effectRef idx="1">
+            <a:schemeClr val="accent1"/>
+          </a:effectRef>
+          <a:fontRef idx="minor">
+            <a:schemeClr val="tx1"/>
+          </a:fontRef>
+        </p:style>
+      </p:cxnSp>
+      <p:grpSp>
+        <p:nvGrpSpPr>
+          <p:cNvPr id="16" name="Group 15"/>
+          <p:cNvGrpSpPr/>
+          <p:nvPr/>
+        </p:nvGrpSpPr>
+        <p:grpSpPr>
+          <a:xfrm>
+            <a:off x="5778298" y="2814872"/>
+            <a:ext cx="777140" cy="1044618"/>
+            <a:chOff x="6851952" y="2558143"/>
+            <a:chExt cx="967619" cy="1491952"/>
+          </a:xfrm>
+        </p:grpSpPr>
+        <p:sp>
+          <p:nvSpPr>
+            <p:cNvPr id="17" name="Trapezoid 16"/>
+            <p:cNvSpPr/>
+            <p:nvPr/>
+          </p:nvSpPr>
+          <p:spPr bwMode="auto">
+            <a:xfrm rot="5400000">
+              <a:off x="6589786" y="2820309"/>
+              <a:ext cx="1491952" cy="967619"/>
+            </a:xfrm>
+            <a:prstGeom prst="trapezoid">
+              <a:avLst>
+                <a:gd name="adj" fmla="val 42500"/>
+              </a:avLst>
+            </a:prstGeom>
+            <a:noFill/>
+            <a:ln w="9525" cap="flat" cmpd="sng" algn="ctr">
+              <a:solidFill>
+                <a:schemeClr val="tx1"/>
+              </a:solidFill>
+              <a:prstDash val="solid"/>
+              <a:round/>
+              <a:headEnd type="none" w="med" len="med"/>
+              <a:tailEnd type="triangle" w="lg" len="lg"/>
+            </a:ln>
+            <a:effectLst/>
+            <a:extLst/>
+          </p:spPr>
+          <p:txBody>
+            <a:bodyPr vert="horz" wrap="square" lIns="91440" tIns="45720" rIns="91440" bIns="45720" numCol="1" rtlCol="0" anchor="t" anchorCtr="0" compatLnSpc="1">
+              <a:prstTxWarp prst="textNoShape">
+                <a:avLst/>
+              </a:prstTxWarp>
+              <a:spAutoFit/>
+            </a:bodyPr>
+            <a:lstStyle/>
+            <a:p>
+              <a:pPr marL="0" marR="0" indent="0" algn="l" defTabSz="914400" rtl="0" eaLnBrk="1" fontAlgn="base" latinLnBrk="0" hangingPunct="1">
+                <a:lnSpc>
+                  <a:spcPct val="100000"/>
+                </a:lnSpc>
+                <a:spcBef>
+                  <a:spcPct val="50000"/>
+                </a:spcBef>
+                <a:spcAft>
+                  <a:spcPct val="0"/>
+                </a:spcAft>
+                <a:buClrTx/>
+                <a:buSzTx/>
+                <a:buFontTx/>
+                <a:buNone/>
+                <a:tabLst/>
+              </a:pPr>
+              <a:endParaRPr kumimoji="0" lang="en-US" sz="3200" b="0" i="0" u="none" strike="noStrike" cap="none" normalizeH="0" baseline="0">
+                <a:ln>
+                  <a:noFill/>
+                </a:ln>
+                <a:solidFill>
+                  <a:schemeClr val="tx1"/>
+                </a:solidFill>
+                <a:effectLst/>
+                <a:latin typeface="Arial Narrow" charset="0"/>
+                <a:ea typeface="ＭＳ Ｐゴシック" charset="0"/>
+              </a:endParaRPr>
+            </a:p>
+          </p:txBody>
+        </p:sp>
+        <p:sp>
+          <p:nvSpPr>
+            <p:cNvPr id="18" name="TextBox 17"/>
+            <p:cNvSpPr txBox="1"/>
+            <p:nvPr/>
+          </p:nvSpPr>
+          <p:spPr>
+            <a:xfrm>
+              <a:off x="6894285" y="2997469"/>
+              <a:ext cx="866310" cy="659363"/>
+            </a:xfrm>
+            <a:prstGeom prst="rect">
+              <a:avLst/>
+            </a:prstGeom>
+            <a:noFill/>
+          </p:spPr>
+          <p:txBody>
+            <a:bodyPr wrap="none" rtlCol="0">
+              <a:spAutoFit/>
+            </a:bodyPr>
+            <a:lstStyle/>
+            <a:p>
+              <a:r>
+                <a:rPr lang="en-US" sz="2400" i="1" dirty="0" smtClean="0">
+                  <a:solidFill>
+                    <a:srgbClr val="000000"/>
+                  </a:solidFill>
+                  <a:latin typeface="Times New Roman"/>
+                  <a:cs typeface="Times New Roman"/>
+                </a:rPr>
+                <a:t>Ext</a:t>
+              </a:r>
+              <a:endParaRPr lang="en-US" i="1" dirty="0">
+                <a:solidFill>
+                  <a:srgbClr val="000000"/>
+                </a:solidFill>
+                <a:latin typeface="Times New Roman"/>
+                <a:cs typeface="Times New Roman"/>
+              </a:endParaRPr>
+            </a:p>
+          </p:txBody>
+        </p:sp>
+      </p:grpSp>
+      <p:cxnSp>
+        <p:nvCxnSpPr>
+          <p:cNvPr id="19" name="Elbow Connector 18"/>
+          <p:cNvCxnSpPr>
+            <a:endCxn id="17" idx="0"/>
+          </p:cNvCxnSpPr>
+          <p:nvPr/>
+        </p:nvCxnSpPr>
+        <p:spPr>
+          <a:xfrm rot="10800000" flipV="1">
+            <a:off x="6555439" y="2990019"/>
+            <a:ext cx="682635" cy="347162"/>
+          </a:xfrm>
+          <a:prstGeom prst="bentConnector3">
+            <a:avLst/>
+          </a:prstGeom>
+          <a:ln w="9525">
+            <a:solidFill>
+              <a:schemeClr val="tx1"/>
+            </a:solidFill>
+          </a:ln>
+          <a:effectLst/>
+        </p:spPr>
+        <p:style>
+          <a:lnRef idx="2">
+            <a:schemeClr val="accent1"/>
+          </a:lnRef>
+          <a:fillRef idx="0">
+            <a:schemeClr val="accent1"/>
+          </a:fillRef>
+          <a:effectRef idx="1">
+            <a:schemeClr val="accent1"/>
+          </a:effectRef>
+          <a:fontRef idx="minor">
+            <a:schemeClr val="tx1"/>
+          </a:fontRef>
+        </p:style>
+      </p:cxnSp>
+      <p:cxnSp>
+        <p:nvCxnSpPr>
+          <p:cNvPr id="20" name="Elbow Connector 19"/>
+          <p:cNvCxnSpPr/>
+          <p:nvPr/>
+        </p:nvCxnSpPr>
+        <p:spPr>
+          <a:xfrm rot="10800000" flipH="1" flipV="1">
+            <a:off x="5167632" y="3757374"/>
+            <a:ext cx="622203" cy="519762"/>
+          </a:xfrm>
+          <a:prstGeom prst="bentConnector3">
+            <a:avLst>
+              <a:gd name="adj1" fmla="val 34764"/>
+            </a:avLst>
+          </a:prstGeom>
+          <a:ln w="9525">
+            <a:solidFill>
+              <a:schemeClr val="tx1"/>
+            </a:solidFill>
+            <a:tailEnd type="triangle" w="lg" len="lg"/>
+          </a:ln>
+          <a:effectLst/>
+        </p:spPr>
+        <p:style>
+          <a:lnRef idx="2">
+            <a:schemeClr val="accent1"/>
+          </a:lnRef>
+          <a:fillRef idx="0">
+            <a:schemeClr val="accent1"/>
+          </a:fillRef>
+          <a:effectRef idx="1">
+            <a:schemeClr val="accent1"/>
+          </a:effectRef>
+          <a:fontRef idx="minor">
+            <a:schemeClr val="tx1"/>
+          </a:fontRef>
+        </p:style>
+      </p:cxnSp>
+      <p:grpSp>
+        <p:nvGrpSpPr>
+          <p:cNvPr id="21" name="Group 20"/>
+          <p:cNvGrpSpPr/>
+          <p:nvPr/>
+        </p:nvGrpSpPr>
+        <p:grpSpPr>
+          <a:xfrm>
+            <a:off x="5711466" y="3909773"/>
+            <a:ext cx="1018094" cy="734722"/>
+            <a:chOff x="7008234" y="2074428"/>
+            <a:chExt cx="391556" cy="749241"/>
+          </a:xfrm>
+        </p:grpSpPr>
+        <p:sp>
+          <p:nvSpPr>
+            <p:cNvPr id="22" name="Trapezoid 21"/>
+            <p:cNvSpPr/>
+            <p:nvPr/>
+          </p:nvSpPr>
+          <p:spPr bwMode="auto">
+            <a:xfrm rot="5400000">
+              <a:off x="6808760" y="2299608"/>
+              <a:ext cx="749241" cy="298882"/>
+            </a:xfrm>
+            <a:prstGeom prst="trapezoid">
+              <a:avLst>
+                <a:gd name="adj" fmla="val 0"/>
+              </a:avLst>
+            </a:prstGeom>
+            <a:noFill/>
+            <a:ln w="9525" cap="flat" cmpd="sng" algn="ctr">
+              <a:solidFill>
+                <a:schemeClr val="tx1"/>
+              </a:solidFill>
+              <a:prstDash val="solid"/>
+              <a:round/>
+              <a:headEnd type="none" w="med" len="med"/>
+              <a:tailEnd type="triangle" w="lg" len="lg"/>
+            </a:ln>
+            <a:effectLst/>
+            <a:extLst/>
+          </p:spPr>
+          <p:txBody>
+            <a:bodyPr vert="horz" wrap="square" lIns="91440" tIns="45720" rIns="91440" bIns="45720" numCol="1" rtlCol="0" anchor="t" anchorCtr="0" compatLnSpc="1">
+              <a:prstTxWarp prst="textNoShape">
+                <a:avLst/>
+              </a:prstTxWarp>
+              <a:spAutoFit/>
+            </a:bodyPr>
+            <a:lstStyle/>
+            <a:p>
+              <a:pPr marL="0" marR="0" indent="0" algn="l" defTabSz="914400" rtl="0" eaLnBrk="1" fontAlgn="base" latinLnBrk="0" hangingPunct="1">
+                <a:lnSpc>
+                  <a:spcPct val="100000"/>
+                </a:lnSpc>
+                <a:spcBef>
+                  <a:spcPct val="50000"/>
+                </a:spcBef>
+                <a:spcAft>
+                  <a:spcPct val="0"/>
+                </a:spcAft>
+                <a:buClrTx/>
+                <a:buSzTx/>
+                <a:buFontTx/>
+                <a:buNone/>
+                <a:tabLst/>
+              </a:pPr>
+              <a:endParaRPr kumimoji="0" lang="en-US" sz="3200" b="0" i="0" u="none" strike="noStrike" cap="none" normalizeH="0" baseline="0">
+                <a:ln>
+                  <a:noFill/>
+                </a:ln>
+                <a:solidFill>
+                  <a:schemeClr val="tx1"/>
+                </a:solidFill>
+                <a:effectLst/>
+                <a:latin typeface="Arial Narrow" charset="0"/>
+                <a:ea typeface="ＭＳ Ｐゴシック" charset="0"/>
+              </a:endParaRPr>
+            </a:p>
+          </p:txBody>
+        </p:sp>
+        <p:sp>
+          <p:nvSpPr>
+            <p:cNvPr id="23" name="TextBox 22"/>
+            <p:cNvSpPr txBox="1"/>
+            <p:nvPr/>
+          </p:nvSpPr>
+          <p:spPr>
+            <a:xfrm>
+              <a:off x="7008234" y="2260734"/>
+              <a:ext cx="391556" cy="439402"/>
+            </a:xfrm>
+            <a:prstGeom prst="rect">
+              <a:avLst/>
+            </a:prstGeom>
+            <a:noFill/>
+          </p:spPr>
+          <p:txBody>
+            <a:bodyPr wrap="none" rtlCol="0">
+              <a:spAutoFit/>
+            </a:bodyPr>
+            <a:lstStyle/>
+            <a:p>
+              <a:r>
+                <a:rPr lang="en-US" sz="2200" i="1" dirty="0" smtClean="0">
+                  <a:solidFill>
+                    <a:srgbClr val="000000"/>
+                  </a:solidFill>
+                  <a:latin typeface="Times New Roman"/>
+                  <a:cs typeface="Times New Roman"/>
+                </a:rPr>
+                <a:t>Sketch</a:t>
+              </a:r>
+              <a:endParaRPr lang="en-US" sz="2200" i="1" dirty="0">
+                <a:solidFill>
+                  <a:srgbClr val="000000"/>
+                </a:solidFill>
+                <a:latin typeface="Times New Roman"/>
+                <a:cs typeface="Times New Roman"/>
+              </a:endParaRPr>
+            </a:p>
+          </p:txBody>
+        </p:sp>
+      </p:grpSp>
+      <p:cxnSp>
+        <p:nvCxnSpPr>
+          <p:cNvPr id="24" name="Elbow Connector 23"/>
+          <p:cNvCxnSpPr/>
+          <p:nvPr/>
+        </p:nvCxnSpPr>
+        <p:spPr>
+          <a:xfrm rot="10800000" flipV="1">
+            <a:off x="6555429" y="4135458"/>
+            <a:ext cx="682642" cy="141678"/>
+          </a:xfrm>
+          <a:prstGeom prst="bentConnector3">
+            <a:avLst/>
+          </a:prstGeom>
+          <a:ln w="9525">
+            <a:solidFill>
+              <a:schemeClr val="tx1"/>
+            </a:solidFill>
+          </a:ln>
+          <a:effectLst/>
+        </p:spPr>
+        <p:style>
+          <a:lnRef idx="2">
+            <a:schemeClr val="accent1"/>
+          </a:lnRef>
+          <a:fillRef idx="0">
+            <a:schemeClr val="accent1"/>
+          </a:fillRef>
+          <a:effectRef idx="1">
+            <a:schemeClr val="accent1"/>
+          </a:effectRef>
+          <a:fontRef idx="minor">
+            <a:schemeClr val="tx1"/>
+          </a:fontRef>
+        </p:style>
+      </p:cxnSp>
+    </p:spTree>
+    <p:extLst>
+      <p:ext uri="{BB962C8B-B14F-4D97-AF65-F5344CB8AC3E}">
+        <p14:creationId xmlns:p14="http://schemas.microsoft.com/office/powerpoint/2010/main" val="3302027521"/>
+      </p:ext>
+    </p:extLst>
+  </p:cSld>
+  <p:clrMapOvr>
+    <a:masterClrMapping/>
+  </p:clrMapOvr>
+  <p:timing>
+    <p:tnLst>
+      <p:par>
+        <p:cTn xmlns:p14="http://schemas.microsoft.com/office/powerpoint/2010/main" id="1" dur="indefinite" restart="never" nodeType="tmRoot"/>
+      </p:par>
+    </p:tnLst>
+  </p:timing>
+</p:sld>
+</file>
+
+<file path=ppt/slides/slide6.xml><?xml version="1.0" encoding="utf-8"?>
+<p:sld xmlns:a="http://schemas.openxmlformats.org/drawingml/2006/main" xmlns:r="http://schemas.openxmlformats.org/officeDocument/2006/relationships" xmlns:p="http://schemas.openxmlformats.org/presentationml/2006/main">
+  <p:cSld>
+    <p:spTree>
+      <p:nvGrpSpPr>
+        <p:cNvPr id="1" name=""/>
+        <p:cNvGrpSpPr/>
+        <p:nvPr/>
+      </p:nvGrpSpPr>
+      <p:grpSpPr>
+        <a:xfrm>
+          <a:off x="0" y="0"/>
+          <a:ext cx="0" cy="0"/>
+          <a:chOff x="0" y="0"/>
+          <a:chExt cx="0" cy="0"/>
+        </a:xfrm>
+      </p:grpSpPr>
+      <p:sp>
+        <p:nvSpPr>
+          <p:cNvPr id="27" name="Trapezoid 26"/>
+          <p:cNvSpPr/>
+          <p:nvPr/>
+        </p:nvSpPr>
+        <p:spPr bwMode="auto">
+          <a:xfrm rot="5400000">
+            <a:off x="5651631" y="2951467"/>
+            <a:ext cx="1044618" cy="762976"/>
+          </a:xfrm>
+          <a:prstGeom prst="trapezoid">
+            <a:avLst>
+              <a:gd name="adj" fmla="val 42500"/>
+            </a:avLst>
+          </a:prstGeom>
+          <a:solidFill>
+            <a:srgbClr val="FFF40A"/>
+          </a:solidFill>
+          <a:ln>
+            <a:noFill/>
+          </a:ln>
+          <a:extLst/>
+        </p:spPr>
+        <p:style>
+          <a:lnRef idx="1">
+            <a:schemeClr val="accent1"/>
+          </a:lnRef>
+          <a:fillRef idx="3">
+            <a:schemeClr val="accent1"/>
+          </a:fillRef>
+          <a:effectRef idx="2">
+            <a:schemeClr val="accent1"/>
+          </a:effectRef>
+          <a:fontRef idx="minor">
+            <a:schemeClr val="lt1"/>
+          </a:fontRef>
+        </p:style>
+        <p:txBody>
+          <a:bodyPr rtlCol="0" anchor="ctr"/>
+          <a:lstStyle/>
+          <a:p>
+            <a:pPr algn="ctr"/>
+            <a:endParaRPr lang="en-US">
+              <a:solidFill>
+                <a:schemeClr val="lt1"/>
+              </a:solidFill>
+            </a:endParaRPr>
+          </a:p>
+        </p:txBody>
+      </p:sp>
+      <p:sp>
+        <p:nvSpPr>
+          <p:cNvPr id="2" name="Title 1"/>
+          <p:cNvSpPr>
+            <a:spLocks noGrp="1"/>
+          </p:cNvSpPr>
+          <p:nvPr>
+            <p:ph type="title"/>
+          </p:nvPr>
+        </p:nvSpPr>
+        <p:spPr>
+          <a:xfrm>
+            <a:off x="457200" y="-114300"/>
+            <a:ext cx="8229600" cy="1143000"/>
+          </a:xfrm>
+        </p:spPr>
+        <p:txBody>
+          <a:bodyPr>
+            <a:normAutofit/>
+          </a:bodyPr>
+          <a:lstStyle/>
+          <a:p>
+            <a:pPr algn="l"/>
+            <a:r>
+              <a:rPr lang="en-US" sz="3600" dirty="0" smtClean="0"/>
+              <a:t>Can we do better in computational setting?</a:t>
+            </a:r>
+            <a:endParaRPr lang="en-US" sz="3600" dirty="0"/>
+          </a:p>
+        </p:txBody>
+      </p:sp>
+      <p:sp>
+        <p:nvSpPr>
+          <p:cNvPr id="3" name="Content Placeholder 2"/>
+          <p:cNvSpPr>
+            <a:spLocks noGrp="1"/>
+          </p:cNvSpPr>
+          <p:nvPr>
+            <p:ph idx="1"/>
+          </p:nvPr>
+        </p:nvSpPr>
+        <p:spPr>
+          <a:xfrm>
+            <a:off x="42825" y="1236510"/>
+            <a:ext cx="4941706" cy="5253182"/>
+          </a:xfrm>
+        </p:spPr>
+        <p:txBody>
+          <a:bodyPr>
+            <a:noAutofit/>
+          </a:bodyPr>
+          <a:lstStyle/>
+          <a:p>
+            <a:r>
+              <a:rPr lang="en-US" sz="2800" dirty="0" smtClean="0"/>
+              <a:t>Using sketch-and-extract: NO</a:t>
+            </a:r>
+          </a:p>
+          <a:p>
+            <a:pPr lvl="1"/>
+            <a:r>
+              <a:rPr lang="en-US" sz="2200" u="sng" dirty="0" err="1" smtClean="0"/>
+              <a:t>Thm</a:t>
+            </a:r>
+            <a:r>
+              <a:rPr lang="en-US" sz="2200" u="sng" dirty="0" smtClean="0"/>
+              <a:t>:</a:t>
+            </a:r>
+            <a:r>
+              <a:rPr lang="en-US" sz="2200" dirty="0" smtClean="0">
+                <a:latin typeface="Calibri"/>
+                <a:cs typeface="Calibri"/>
+              </a:rPr>
+              <a:t> Defining secure sketches</a:t>
+            </a:r>
+            <a:br>
+              <a:rPr lang="en-US" sz="2200" dirty="0" smtClean="0">
+                <a:latin typeface="Calibri"/>
+                <a:cs typeface="Calibri"/>
+              </a:rPr>
+            </a:br>
+            <a:r>
+              <a:rPr lang="en-US" sz="2200" dirty="0" smtClean="0">
+                <a:latin typeface="Calibri"/>
+                <a:cs typeface="Calibri"/>
+              </a:rPr>
+              <a:t>using computational entropy </a:t>
+            </a:r>
+            <a:br>
+              <a:rPr lang="en-US" sz="2200" dirty="0" smtClean="0">
+                <a:latin typeface="Calibri"/>
+                <a:cs typeface="Calibri"/>
+              </a:rPr>
+            </a:br>
+            <a:r>
+              <a:rPr lang="en-US" sz="2200" dirty="0" smtClean="0">
+                <a:latin typeface="Calibri"/>
+                <a:cs typeface="Calibri"/>
+              </a:rPr>
+              <a:t>is unlikely to help</a:t>
+            </a:r>
+            <a:endParaRPr lang="en-US" sz="2200" dirty="0" smtClean="0"/>
+          </a:p>
+          <a:p>
+            <a:endParaRPr lang="en-US" sz="2800" dirty="0" smtClean="0"/>
+          </a:p>
+          <a:p>
+            <a:endParaRPr lang="en-US" sz="2800" dirty="0" smtClean="0"/>
+          </a:p>
+          <a:p>
+            <a:r>
+              <a:rPr lang="en-US" sz="2800" dirty="0" smtClean="0"/>
+              <a:t>Using a new construction: YES</a:t>
+            </a:r>
+          </a:p>
+          <a:p>
+            <a:pPr lvl="1"/>
+            <a:r>
+              <a:rPr lang="en-US" sz="2200" dirty="0" smtClean="0"/>
+              <a:t>Know we can’t change the sketch</a:t>
+            </a:r>
+          </a:p>
+          <a:p>
+            <a:pPr lvl="1"/>
+            <a:r>
+              <a:rPr lang="en-US" sz="2200" dirty="0" smtClean="0"/>
+              <a:t>Could </a:t>
+            </a:r>
+            <a:r>
+              <a:rPr lang="en-US" sz="2200" dirty="0"/>
+              <a:t>use computational extractor </a:t>
+            </a:r>
+            <a:endParaRPr lang="en-US" sz="2200" dirty="0" smtClean="0"/>
+          </a:p>
+          <a:p>
+            <a:pPr marL="914400" lvl="2" indent="0">
+              <a:buNone/>
+            </a:pPr>
+            <a:r>
+              <a:rPr lang="en-US" sz="2200" dirty="0" smtClean="0"/>
+              <a:t>(Must have enough entropy remaining after the sketch)</a:t>
+            </a:r>
+          </a:p>
+          <a:p>
+            <a:pPr lvl="1"/>
+            <a:r>
+              <a:rPr lang="en-US" sz="2200" dirty="0" smtClean="0">
+                <a:solidFill>
+                  <a:srgbClr val="FFFFFF"/>
+                </a:solidFill>
+              </a:rPr>
+              <a:t>We make the whole process computational</a:t>
+            </a:r>
+          </a:p>
+          <a:p>
+            <a:pPr lvl="1"/>
+            <a:endParaRPr lang="en-US" sz="2000" dirty="0"/>
+          </a:p>
+        </p:txBody>
+      </p:sp>
+      <p:sp>
+        <p:nvSpPr>
+          <p:cNvPr id="4" name="Rectangle 3"/>
+          <p:cNvSpPr/>
+          <p:nvPr/>
+        </p:nvSpPr>
+        <p:spPr>
+          <a:xfrm>
+            <a:off x="7915834" y="2489342"/>
+            <a:ext cx="640194" cy="479703"/>
+          </a:xfrm>
+          <a:prstGeom prst="rect">
+            <a:avLst/>
+          </a:prstGeom>
+          <a:solidFill>
+            <a:srgbClr val="0011B2"/>
+          </a:solidFill>
+          <a:ln>
+            <a:solidFill>
+              <a:srgbClr val="0011B2"/>
+            </a:solidFill>
+          </a:ln>
+        </p:spPr>
+        <p:style>
+          <a:lnRef idx="1">
+            <a:schemeClr val="accent1"/>
+          </a:lnRef>
+          <a:fillRef idx="3">
+            <a:schemeClr val="accent1"/>
+          </a:fillRef>
+          <a:effectRef idx="2">
+            <a:schemeClr val="accent1"/>
+          </a:effectRef>
+          <a:fontRef idx="minor">
+            <a:schemeClr val="lt1"/>
+          </a:fontRef>
+        </p:style>
+        <p:txBody>
+          <a:bodyPr rtlCol="0" anchor="ctr"/>
+          <a:lstStyle/>
+          <a:p>
+            <a:pPr algn="ctr"/>
+            <a:endParaRPr lang="en-US"/>
+          </a:p>
+        </p:txBody>
+      </p:sp>
+      <p:sp>
+        <p:nvSpPr>
+          <p:cNvPr id="5" name="Rectangle 4"/>
+          <p:cNvSpPr/>
+          <p:nvPr/>
+        </p:nvSpPr>
+        <p:spPr>
+          <a:xfrm>
+            <a:off x="4515956" y="3289382"/>
+            <a:ext cx="352425" cy="358642"/>
+          </a:xfrm>
+          <a:prstGeom prst="rect">
+            <a:avLst/>
+          </a:prstGeom>
+          <a:solidFill>
+            <a:srgbClr val="82A0FF"/>
+          </a:solidFill>
+          <a:ln>
+            <a:solidFill>
+              <a:srgbClr val="0000FF"/>
+            </a:solidFill>
+          </a:ln>
+        </p:spPr>
+        <p:style>
+          <a:lnRef idx="1">
+            <a:schemeClr val="accent1"/>
+          </a:lnRef>
+          <a:fillRef idx="3">
+            <a:schemeClr val="accent1"/>
+          </a:fillRef>
+          <a:effectRef idx="2">
+            <a:schemeClr val="accent1"/>
+          </a:effectRef>
+          <a:fontRef idx="minor">
+            <a:schemeClr val="lt1"/>
+          </a:fontRef>
+        </p:style>
+        <p:txBody>
+          <a:bodyPr rtlCol="0" anchor="ctr"/>
+          <a:lstStyle/>
+          <a:p>
+            <a:pPr algn="ctr"/>
+            <a:endParaRPr lang="en-US">
+              <a:solidFill>
+                <a:srgbClr val="000000"/>
+              </a:solidFill>
+            </a:endParaRPr>
+          </a:p>
+        </p:txBody>
+      </p:sp>
+      <p:grpSp>
+        <p:nvGrpSpPr>
+          <p:cNvPr id="6" name="Group 5"/>
+          <p:cNvGrpSpPr/>
+          <p:nvPr/>
+        </p:nvGrpSpPr>
+        <p:grpSpPr>
+          <a:xfrm>
+            <a:off x="5126228" y="2383616"/>
+            <a:ext cx="2111840" cy="2342700"/>
+            <a:chOff x="6838074" y="2246479"/>
+            <a:chExt cx="981495" cy="1803616"/>
+          </a:xfrm>
+        </p:grpSpPr>
+        <p:sp>
+          <p:nvSpPr>
+            <p:cNvPr id="7" name="Trapezoid 6"/>
+            <p:cNvSpPr/>
+            <p:nvPr/>
+          </p:nvSpPr>
+          <p:spPr bwMode="auto">
+            <a:xfrm rot="5400000">
+              <a:off x="6589784" y="2820309"/>
+              <a:ext cx="1491952" cy="967619"/>
+            </a:xfrm>
+            <a:prstGeom prst="trapezoid">
+              <a:avLst>
+                <a:gd name="adj" fmla="val 0"/>
+              </a:avLst>
+            </a:prstGeom>
+            <a:noFill/>
+            <a:ln w="9525" cap="flat" cmpd="sng" algn="ctr">
+              <a:solidFill>
+                <a:schemeClr val="tx1"/>
+              </a:solidFill>
+              <a:prstDash val="solid"/>
+              <a:round/>
+              <a:headEnd type="none" w="med" len="med"/>
+              <a:tailEnd type="triangle" w="lg" len="lg"/>
+            </a:ln>
+            <a:effectLst/>
+            <a:extLst/>
+          </p:spPr>
+          <p:txBody>
+            <a:bodyPr vert="horz" wrap="square" lIns="91440" tIns="45720" rIns="91440" bIns="45720" numCol="1" rtlCol="0" anchor="t" anchorCtr="0" compatLnSpc="1">
+              <a:prstTxWarp prst="textNoShape">
+                <a:avLst/>
+              </a:prstTxWarp>
+              <a:spAutoFit/>
+            </a:bodyPr>
+            <a:lstStyle/>
+            <a:p>
+              <a:pPr marL="0" marR="0" indent="0" algn="l" defTabSz="914400" rtl="0" eaLnBrk="1" fontAlgn="base" latinLnBrk="0" hangingPunct="1">
+                <a:lnSpc>
+                  <a:spcPct val="100000"/>
+                </a:lnSpc>
+                <a:spcBef>
+                  <a:spcPct val="50000"/>
+                </a:spcBef>
+                <a:spcAft>
+                  <a:spcPct val="0"/>
+                </a:spcAft>
+                <a:buClrTx/>
+                <a:buSzTx/>
+                <a:buFontTx/>
+                <a:buNone/>
+                <a:tabLst/>
+              </a:pPr>
+              <a:endParaRPr kumimoji="0" lang="en-US" sz="3200" b="0" i="0" u="none" strike="noStrike" cap="none" normalizeH="0" baseline="0">
+                <a:ln>
+                  <a:noFill/>
+                </a:ln>
+                <a:solidFill>
+                  <a:schemeClr val="tx1"/>
+                </a:solidFill>
+                <a:effectLst/>
+                <a:latin typeface="Arial Narrow" charset="0"/>
+                <a:ea typeface="ＭＳ Ｐゴシック" charset="0"/>
+              </a:endParaRPr>
+            </a:p>
+          </p:txBody>
+        </p:sp>
+        <p:sp>
+          <p:nvSpPr>
+            <p:cNvPr id="8" name="TextBox 7"/>
+            <p:cNvSpPr txBox="1"/>
+            <p:nvPr/>
+          </p:nvSpPr>
+          <p:spPr>
+            <a:xfrm>
+              <a:off x="6838074" y="2246479"/>
+              <a:ext cx="371070" cy="355430"/>
+            </a:xfrm>
+            <a:prstGeom prst="rect">
+              <a:avLst/>
+            </a:prstGeom>
+            <a:noFill/>
+          </p:spPr>
+          <p:txBody>
+            <a:bodyPr wrap="none" rtlCol="0">
+              <a:spAutoFit/>
+            </a:bodyPr>
+            <a:lstStyle/>
+            <a:p>
+              <a:r>
+                <a:rPr lang="en-US" sz="2400" i="1" dirty="0" smtClean="0">
+                  <a:latin typeface="Times New Roman"/>
+                  <a:cs typeface="Times New Roman"/>
+                </a:rPr>
+                <a:t>Gen</a:t>
+              </a:r>
+              <a:endParaRPr lang="en-US" sz="2400" i="1" dirty="0">
+                <a:latin typeface="Times New Roman"/>
+                <a:cs typeface="Times New Roman"/>
+              </a:endParaRPr>
+            </a:p>
+          </p:txBody>
+        </p:sp>
+      </p:grpSp>
+      <p:cxnSp>
+        <p:nvCxnSpPr>
+          <p:cNvPr id="9" name="Straight Arrow Connector 8"/>
+          <p:cNvCxnSpPr/>
+          <p:nvPr/>
+        </p:nvCxnSpPr>
+        <p:spPr bwMode="auto">
+          <a:xfrm flipV="1">
+            <a:off x="4365440" y="3743990"/>
+            <a:ext cx="790647" cy="11601"/>
+          </a:xfrm>
+          <a:prstGeom prst="straightConnector1">
+            <a:avLst/>
+          </a:prstGeom>
+          <a:solidFill>
+            <a:schemeClr val="accent1"/>
+          </a:solidFill>
+          <a:ln w="9525" cap="flat" cmpd="sng" algn="ctr">
+            <a:solidFill>
+              <a:schemeClr val="tx1"/>
+            </a:solidFill>
+            <a:prstDash val="solid"/>
+            <a:round/>
+            <a:headEnd type="none" w="med" len="med"/>
+            <a:tailEnd type="triangle" w="lg" len="lg"/>
+          </a:ln>
+          <a:effectLst/>
+          <a:extLst/>
+        </p:spPr>
+      </p:cxnSp>
+      <p:cxnSp>
+        <p:nvCxnSpPr>
+          <p:cNvPr id="10" name="Straight Arrow Connector 9"/>
+          <p:cNvCxnSpPr/>
+          <p:nvPr/>
+        </p:nvCxnSpPr>
+        <p:spPr bwMode="auto">
+          <a:xfrm>
+            <a:off x="7238071" y="2990020"/>
+            <a:ext cx="1648424" cy="14777"/>
+          </a:xfrm>
+          <a:prstGeom prst="straightConnector1">
+            <a:avLst/>
+          </a:prstGeom>
+          <a:solidFill>
+            <a:schemeClr val="accent1"/>
+          </a:solidFill>
+          <a:ln w="9525" cap="flat" cmpd="sng" algn="ctr">
+            <a:solidFill>
+              <a:schemeClr val="tx1"/>
+            </a:solidFill>
+            <a:prstDash val="solid"/>
+            <a:round/>
+            <a:headEnd type="none" w="med" len="med"/>
+            <a:tailEnd type="triangle" w="lg" len="lg"/>
+          </a:ln>
+          <a:effectLst/>
+          <a:extLst/>
+        </p:spPr>
+      </p:cxnSp>
+      <p:cxnSp>
+        <p:nvCxnSpPr>
+          <p:cNvPr id="11" name="Straight Arrow Connector 10"/>
+          <p:cNvCxnSpPr/>
+          <p:nvPr/>
+        </p:nvCxnSpPr>
+        <p:spPr bwMode="auto">
+          <a:xfrm>
+            <a:off x="7247500" y="4135458"/>
+            <a:ext cx="1648424" cy="14777"/>
+          </a:xfrm>
+          <a:prstGeom prst="straightConnector1">
+            <a:avLst/>
+          </a:prstGeom>
+          <a:solidFill>
+            <a:schemeClr val="accent1"/>
+          </a:solidFill>
+          <a:ln w="9525" cap="flat" cmpd="sng" algn="ctr">
+            <a:solidFill>
+              <a:schemeClr val="tx1"/>
+            </a:solidFill>
+            <a:prstDash val="solid"/>
+            <a:round/>
+            <a:headEnd type="none" w="med" len="med"/>
+            <a:tailEnd type="triangle" w="lg" len="lg"/>
+          </a:ln>
+          <a:effectLst/>
+          <a:extLst/>
+        </p:spPr>
+      </p:cxnSp>
+      <p:sp>
+        <p:nvSpPr>
+          <p:cNvPr id="12" name="TextBox 11"/>
+          <p:cNvSpPr txBox="1"/>
+          <p:nvPr/>
+        </p:nvSpPr>
+        <p:spPr>
+          <a:xfrm>
+            <a:off x="4454585" y="3210063"/>
+            <a:ext cx="529946" cy="461665"/>
+          </a:xfrm>
+          <a:prstGeom prst="rect">
+            <a:avLst/>
+          </a:prstGeom>
+          <a:noFill/>
+        </p:spPr>
+        <p:txBody>
+          <a:bodyPr wrap="none" rtlCol="0">
+            <a:spAutoFit/>
+          </a:bodyPr>
+          <a:lstStyle/>
+          <a:p>
+            <a:r>
+              <a:rPr lang="en-US" sz="2400" i="1" dirty="0" smtClean="0">
+                <a:solidFill>
+                  <a:srgbClr val="000000"/>
+                </a:solidFill>
+                <a:latin typeface="Times New Roman"/>
+                <a:cs typeface="Times New Roman"/>
+              </a:rPr>
+              <a:t>w</a:t>
+            </a:r>
+            <a:r>
+              <a:rPr lang="en-US" sz="2400" baseline="-25000" dirty="0" smtClean="0">
+                <a:solidFill>
+                  <a:srgbClr val="000000"/>
+                </a:solidFill>
+                <a:latin typeface="Times New Roman"/>
+                <a:cs typeface="Times New Roman"/>
+              </a:rPr>
+              <a:t>0</a:t>
+            </a:r>
+            <a:endParaRPr lang="en-US" sz="2400" baseline="-25000" dirty="0">
+              <a:solidFill>
+                <a:srgbClr val="000000"/>
+              </a:solidFill>
+              <a:latin typeface="Times New Roman"/>
+              <a:cs typeface="Times New Roman"/>
+            </a:endParaRPr>
+          </a:p>
+        </p:txBody>
+      </p:sp>
+      <p:sp>
+        <p:nvSpPr>
+          <p:cNvPr id="13" name="TextBox 12"/>
+          <p:cNvSpPr txBox="1"/>
+          <p:nvPr/>
+        </p:nvSpPr>
+        <p:spPr>
+          <a:xfrm>
+            <a:off x="7922422" y="2515622"/>
+            <a:ext cx="695473" cy="461665"/>
+          </a:xfrm>
+          <a:prstGeom prst="rect">
+            <a:avLst/>
+          </a:prstGeom>
+          <a:noFill/>
+        </p:spPr>
+        <p:txBody>
+          <a:bodyPr wrap="none" rtlCol="0">
+            <a:spAutoFit/>
+          </a:bodyPr>
+          <a:lstStyle/>
+          <a:p>
+            <a:r>
+              <a:rPr lang="en-US" sz="2400" i="1" dirty="0" smtClean="0">
+                <a:solidFill>
+                  <a:srgbClr val="FFFFFF"/>
+                </a:solidFill>
+                <a:latin typeface="Times New Roman"/>
+                <a:cs typeface="Times New Roman"/>
+              </a:rPr>
+              <a:t>key</a:t>
+            </a:r>
+            <a:endParaRPr lang="en-US" sz="2400" i="1" dirty="0">
+              <a:solidFill>
+                <a:srgbClr val="FFFFFF"/>
+              </a:solidFill>
+              <a:latin typeface="Times New Roman"/>
+              <a:cs typeface="Times New Roman"/>
+            </a:endParaRPr>
+          </a:p>
+        </p:txBody>
+      </p:sp>
+      <p:sp>
+        <p:nvSpPr>
+          <p:cNvPr id="14" name="TextBox 13"/>
+          <p:cNvSpPr txBox="1"/>
+          <p:nvPr/>
+        </p:nvSpPr>
+        <p:spPr>
+          <a:xfrm>
+            <a:off x="7842499" y="3546097"/>
+            <a:ext cx="496183" cy="523220"/>
+          </a:xfrm>
+          <a:prstGeom prst="rect">
+            <a:avLst/>
+          </a:prstGeom>
+          <a:solidFill>
+            <a:srgbClr val="008000"/>
+          </a:solidFill>
+        </p:spPr>
+        <p:txBody>
+          <a:bodyPr wrap="none" rtlCol="0">
+            <a:spAutoFit/>
+          </a:bodyPr>
+          <a:lstStyle/>
+          <a:p>
+            <a:pPr algn="ctr"/>
+            <a:r>
+              <a:rPr lang="en-US" sz="2800" i="1" dirty="0" smtClean="0">
+                <a:solidFill>
+                  <a:srgbClr val="FFFFFF"/>
+                </a:solidFill>
+                <a:latin typeface="Times New Roman"/>
+                <a:cs typeface="Times New Roman"/>
+              </a:rPr>
+              <a:t>p</a:t>
+            </a:r>
+            <a:endParaRPr lang="en-US" sz="2800" i="1" dirty="0">
+              <a:solidFill>
+                <a:srgbClr val="FFFFFF"/>
+              </a:solidFill>
+              <a:latin typeface="Times New Roman"/>
+              <a:cs typeface="Times New Roman"/>
+            </a:endParaRPr>
+          </a:p>
+        </p:txBody>
+      </p:sp>
+      <p:cxnSp>
+        <p:nvCxnSpPr>
+          <p:cNvPr id="15" name="Elbow Connector 14"/>
+          <p:cNvCxnSpPr/>
+          <p:nvPr/>
+        </p:nvCxnSpPr>
+        <p:spPr>
+          <a:xfrm rot="10800000" flipH="1">
+            <a:off x="5156090" y="3343540"/>
+            <a:ext cx="622200" cy="413835"/>
+          </a:xfrm>
+          <a:prstGeom prst="bentConnector3">
+            <a:avLst>
+              <a:gd name="adj1" fmla="val 36073"/>
+            </a:avLst>
+          </a:prstGeom>
+          <a:ln w="9525">
+            <a:solidFill>
+              <a:schemeClr val="tx1"/>
+            </a:solidFill>
+            <a:tailEnd type="triangle" w="lg" len="lg"/>
+          </a:ln>
+          <a:effectLst/>
+        </p:spPr>
+        <p:style>
+          <a:lnRef idx="2">
+            <a:schemeClr val="accent1"/>
+          </a:lnRef>
+          <a:fillRef idx="0">
+            <a:schemeClr val="accent1"/>
+          </a:fillRef>
+          <a:effectRef idx="1">
+            <a:schemeClr val="accent1"/>
+          </a:effectRef>
+          <a:fontRef idx="minor">
+            <a:schemeClr val="tx1"/>
+          </a:fontRef>
+        </p:style>
+      </p:cxnSp>
+      <p:grpSp>
+        <p:nvGrpSpPr>
+          <p:cNvPr id="16" name="Group 15"/>
+          <p:cNvGrpSpPr/>
+          <p:nvPr/>
+        </p:nvGrpSpPr>
+        <p:grpSpPr>
+          <a:xfrm>
+            <a:off x="5778298" y="2814872"/>
+            <a:ext cx="777140" cy="1044618"/>
+            <a:chOff x="6851952" y="2558143"/>
+            <a:chExt cx="967619" cy="1491952"/>
+          </a:xfrm>
+        </p:grpSpPr>
+        <p:sp>
+          <p:nvSpPr>
+            <p:cNvPr id="17" name="Trapezoid 16"/>
+            <p:cNvSpPr/>
+            <p:nvPr/>
+          </p:nvSpPr>
+          <p:spPr bwMode="auto">
+            <a:xfrm rot="5400000">
+              <a:off x="6589786" y="2820309"/>
+              <a:ext cx="1491952" cy="967619"/>
+            </a:xfrm>
+            <a:prstGeom prst="trapezoid">
+              <a:avLst>
+                <a:gd name="adj" fmla="val 42500"/>
+              </a:avLst>
+            </a:prstGeom>
+            <a:noFill/>
+            <a:ln w="9525" cap="flat" cmpd="sng" algn="ctr">
+              <a:solidFill>
+                <a:schemeClr val="tx1"/>
+              </a:solidFill>
+              <a:prstDash val="solid"/>
+              <a:round/>
+              <a:headEnd type="none" w="med" len="med"/>
+              <a:tailEnd type="triangle" w="lg" len="lg"/>
+            </a:ln>
+            <a:effectLst/>
+            <a:extLst/>
+          </p:spPr>
+          <p:txBody>
+            <a:bodyPr vert="horz" wrap="square" lIns="91440" tIns="45720" rIns="91440" bIns="45720" numCol="1" rtlCol="0" anchor="t" anchorCtr="0" compatLnSpc="1">
+              <a:prstTxWarp prst="textNoShape">
+                <a:avLst/>
+              </a:prstTxWarp>
+              <a:spAutoFit/>
+            </a:bodyPr>
+            <a:lstStyle/>
+            <a:p>
+              <a:pPr marL="0" marR="0" indent="0" algn="l" defTabSz="914400" rtl="0" eaLnBrk="1" fontAlgn="base" latinLnBrk="0" hangingPunct="1">
+                <a:lnSpc>
+                  <a:spcPct val="100000"/>
+                </a:lnSpc>
+                <a:spcBef>
+                  <a:spcPct val="50000"/>
+                </a:spcBef>
+                <a:spcAft>
+                  <a:spcPct val="0"/>
+                </a:spcAft>
+                <a:buClrTx/>
+                <a:buSzTx/>
+                <a:buFontTx/>
+                <a:buNone/>
+                <a:tabLst/>
+              </a:pPr>
+              <a:endParaRPr kumimoji="0" lang="en-US" sz="3200" b="0" i="0" u="none" strike="noStrike" cap="none" normalizeH="0" baseline="0">
+                <a:ln>
+                  <a:noFill/>
+                </a:ln>
+                <a:solidFill>
+                  <a:schemeClr val="tx1"/>
+                </a:solidFill>
+                <a:effectLst/>
+                <a:latin typeface="Arial Narrow" charset="0"/>
+                <a:ea typeface="ＭＳ Ｐゴシック" charset="0"/>
+              </a:endParaRPr>
+            </a:p>
+          </p:txBody>
+        </p:sp>
+        <p:sp>
+          <p:nvSpPr>
+            <p:cNvPr id="18" name="TextBox 17"/>
+            <p:cNvSpPr txBox="1"/>
+            <p:nvPr/>
+          </p:nvSpPr>
+          <p:spPr>
+            <a:xfrm>
+              <a:off x="6894285" y="2997469"/>
+              <a:ext cx="866310" cy="659363"/>
+            </a:xfrm>
+            <a:prstGeom prst="rect">
+              <a:avLst/>
+            </a:prstGeom>
+            <a:noFill/>
+          </p:spPr>
+          <p:txBody>
+            <a:bodyPr wrap="none" rtlCol="0">
+              <a:spAutoFit/>
+            </a:bodyPr>
+            <a:lstStyle/>
+            <a:p>
+              <a:r>
+                <a:rPr lang="en-US" sz="2400" i="1" dirty="0" smtClean="0">
+                  <a:solidFill>
+                    <a:srgbClr val="000000"/>
+                  </a:solidFill>
+                  <a:latin typeface="Times New Roman"/>
+                  <a:cs typeface="Times New Roman"/>
+                </a:rPr>
+                <a:t>Ext</a:t>
+              </a:r>
+              <a:endParaRPr lang="en-US" i="1" dirty="0">
+                <a:solidFill>
+                  <a:srgbClr val="000000"/>
+                </a:solidFill>
+                <a:latin typeface="Times New Roman"/>
+                <a:cs typeface="Times New Roman"/>
+              </a:endParaRPr>
+            </a:p>
+          </p:txBody>
+        </p:sp>
+      </p:grpSp>
+      <p:cxnSp>
+        <p:nvCxnSpPr>
+          <p:cNvPr id="19" name="Elbow Connector 18"/>
+          <p:cNvCxnSpPr>
+            <a:endCxn id="17" idx="0"/>
+          </p:cNvCxnSpPr>
+          <p:nvPr/>
+        </p:nvCxnSpPr>
+        <p:spPr>
+          <a:xfrm rot="10800000" flipV="1">
+            <a:off x="6555439" y="2990019"/>
+            <a:ext cx="682635" cy="347162"/>
+          </a:xfrm>
+          <a:prstGeom prst="bentConnector3">
+            <a:avLst/>
+          </a:prstGeom>
+          <a:ln w="9525">
+            <a:solidFill>
+              <a:schemeClr val="tx1"/>
+            </a:solidFill>
+          </a:ln>
+          <a:effectLst/>
+        </p:spPr>
+        <p:style>
+          <a:lnRef idx="2">
+            <a:schemeClr val="accent1"/>
+          </a:lnRef>
+          <a:fillRef idx="0">
+            <a:schemeClr val="accent1"/>
+          </a:fillRef>
+          <a:effectRef idx="1">
+            <a:schemeClr val="accent1"/>
+          </a:effectRef>
+          <a:fontRef idx="minor">
+            <a:schemeClr val="tx1"/>
+          </a:fontRef>
+        </p:style>
+      </p:cxnSp>
+      <p:cxnSp>
+        <p:nvCxnSpPr>
+          <p:cNvPr id="20" name="Elbow Connector 19"/>
+          <p:cNvCxnSpPr/>
+          <p:nvPr/>
+        </p:nvCxnSpPr>
+        <p:spPr>
+          <a:xfrm rot="10800000" flipH="1" flipV="1">
+            <a:off x="5167632" y="3757374"/>
+            <a:ext cx="622203" cy="519762"/>
+          </a:xfrm>
+          <a:prstGeom prst="bentConnector3">
+            <a:avLst>
+              <a:gd name="adj1" fmla="val 34764"/>
+            </a:avLst>
+          </a:prstGeom>
+          <a:ln w="9525">
+            <a:solidFill>
+              <a:schemeClr val="tx1"/>
+            </a:solidFill>
+            <a:tailEnd type="triangle" w="lg" len="lg"/>
+          </a:ln>
+          <a:effectLst/>
+        </p:spPr>
+        <p:style>
+          <a:lnRef idx="2">
+            <a:schemeClr val="accent1"/>
+          </a:lnRef>
+          <a:fillRef idx="0">
+            <a:schemeClr val="accent1"/>
+          </a:fillRef>
+          <a:effectRef idx="1">
+            <a:schemeClr val="accent1"/>
+          </a:effectRef>
+          <a:fontRef idx="minor">
+            <a:schemeClr val="tx1"/>
+          </a:fontRef>
+        </p:style>
+      </p:cxnSp>
+      <p:grpSp>
+        <p:nvGrpSpPr>
+          <p:cNvPr id="21" name="Group 20"/>
+          <p:cNvGrpSpPr/>
+          <p:nvPr/>
+        </p:nvGrpSpPr>
+        <p:grpSpPr>
+          <a:xfrm>
+            <a:off x="5711466" y="3909773"/>
+            <a:ext cx="1018094" cy="734722"/>
+            <a:chOff x="7008234" y="2074428"/>
+            <a:chExt cx="391556" cy="749241"/>
+          </a:xfrm>
+        </p:grpSpPr>
+        <p:sp>
+          <p:nvSpPr>
+            <p:cNvPr id="22" name="Trapezoid 21"/>
+            <p:cNvSpPr/>
+            <p:nvPr/>
+          </p:nvSpPr>
+          <p:spPr bwMode="auto">
+            <a:xfrm rot="5400000">
+              <a:off x="6808760" y="2299608"/>
+              <a:ext cx="749241" cy="298882"/>
+            </a:xfrm>
+            <a:prstGeom prst="trapezoid">
+              <a:avLst>
+                <a:gd name="adj" fmla="val 0"/>
+              </a:avLst>
+            </a:prstGeom>
+            <a:noFill/>
+            <a:ln w="9525" cap="flat" cmpd="sng" algn="ctr">
+              <a:solidFill>
+                <a:schemeClr val="tx1"/>
+              </a:solidFill>
+              <a:prstDash val="solid"/>
+              <a:round/>
+              <a:headEnd type="none" w="med" len="med"/>
+              <a:tailEnd type="triangle" w="lg" len="lg"/>
+            </a:ln>
+            <a:effectLst/>
+            <a:extLst/>
+          </p:spPr>
+          <p:txBody>
+            <a:bodyPr vert="horz" wrap="square" lIns="91440" tIns="45720" rIns="91440" bIns="45720" numCol="1" rtlCol="0" anchor="t" anchorCtr="0" compatLnSpc="1">
+              <a:prstTxWarp prst="textNoShape">
+                <a:avLst/>
+              </a:prstTxWarp>
+              <a:spAutoFit/>
+            </a:bodyPr>
+            <a:lstStyle/>
+            <a:p>
+              <a:pPr marL="0" marR="0" indent="0" algn="l" defTabSz="914400" rtl="0" eaLnBrk="1" fontAlgn="base" latinLnBrk="0" hangingPunct="1">
+                <a:lnSpc>
+                  <a:spcPct val="100000"/>
+                </a:lnSpc>
+                <a:spcBef>
+                  <a:spcPct val="50000"/>
+                </a:spcBef>
+                <a:spcAft>
+                  <a:spcPct val="0"/>
+                </a:spcAft>
+                <a:buClrTx/>
+                <a:buSzTx/>
+                <a:buFontTx/>
+                <a:buNone/>
+                <a:tabLst/>
+              </a:pPr>
+              <a:endParaRPr kumimoji="0" lang="en-US" sz="3200" b="0" i="0" u="none" strike="noStrike" cap="none" normalizeH="0" baseline="0">
+                <a:ln>
+                  <a:noFill/>
+                </a:ln>
+                <a:solidFill>
+                  <a:schemeClr val="tx1"/>
+                </a:solidFill>
+                <a:effectLst/>
+                <a:latin typeface="Arial Narrow" charset="0"/>
+                <a:ea typeface="ＭＳ Ｐゴシック" charset="0"/>
+              </a:endParaRPr>
+            </a:p>
+          </p:txBody>
+        </p:sp>
+        <p:sp>
+          <p:nvSpPr>
+            <p:cNvPr id="23" name="TextBox 22"/>
+            <p:cNvSpPr txBox="1"/>
+            <p:nvPr/>
+          </p:nvSpPr>
+          <p:spPr>
+            <a:xfrm>
+              <a:off x="7008234" y="2260734"/>
+              <a:ext cx="391556" cy="439402"/>
+            </a:xfrm>
+            <a:prstGeom prst="rect">
+              <a:avLst/>
+            </a:prstGeom>
+            <a:noFill/>
+          </p:spPr>
+          <p:txBody>
+            <a:bodyPr wrap="none" rtlCol="0">
+              <a:spAutoFit/>
+            </a:bodyPr>
+            <a:lstStyle/>
+            <a:p>
+              <a:r>
+                <a:rPr lang="en-US" sz="2200" i="1" dirty="0" smtClean="0">
+                  <a:solidFill>
+                    <a:srgbClr val="000000"/>
+                  </a:solidFill>
+                  <a:latin typeface="Times New Roman"/>
+                  <a:cs typeface="Times New Roman"/>
+                </a:rPr>
+                <a:t>Sketch</a:t>
+              </a:r>
+              <a:endParaRPr lang="en-US" sz="2200" i="1" dirty="0">
+                <a:solidFill>
+                  <a:srgbClr val="000000"/>
+                </a:solidFill>
+                <a:latin typeface="Times New Roman"/>
+                <a:cs typeface="Times New Roman"/>
+              </a:endParaRPr>
+            </a:p>
+          </p:txBody>
+        </p:sp>
+      </p:grpSp>
+      <p:cxnSp>
+        <p:nvCxnSpPr>
+          <p:cNvPr id="24" name="Elbow Connector 23"/>
+          <p:cNvCxnSpPr/>
+          <p:nvPr/>
+        </p:nvCxnSpPr>
+        <p:spPr>
+          <a:xfrm rot="10800000" flipV="1">
+            <a:off x="6555429" y="4135458"/>
+            <a:ext cx="682642" cy="141678"/>
+          </a:xfrm>
+          <a:prstGeom prst="bentConnector3">
+            <a:avLst/>
+          </a:prstGeom>
+          <a:ln w="9525">
+            <a:solidFill>
+              <a:schemeClr val="tx1"/>
+            </a:solidFill>
+          </a:ln>
+          <a:effectLst/>
+        </p:spPr>
+        <p:style>
+          <a:lnRef idx="2">
+            <a:schemeClr val="accent1"/>
+          </a:lnRef>
+          <a:fillRef idx="0">
+            <a:schemeClr val="accent1"/>
+          </a:fillRef>
+          <a:effectRef idx="1">
+            <a:schemeClr val="accent1"/>
+          </a:effectRef>
+          <a:fontRef idx="minor">
+            <a:schemeClr val="tx1"/>
+          </a:fontRef>
+        </p:style>
+      </p:cxnSp>
+    </p:spTree>
+    <p:extLst>
+      <p:ext uri="{BB962C8B-B14F-4D97-AF65-F5344CB8AC3E}">
+        <p14:creationId xmlns:p14="http://schemas.microsoft.com/office/powerpoint/2010/main" val="3075042308"/>
+      </p:ext>
+    </p:extLst>
+  </p:cSld>
+  <p:clrMapOvr>
+    <a:masterClrMapping/>
+  </p:clrMapOvr>
+  <p:timing>
+    <p:tnLst>
+      <p:par>
+        <p:cTn xmlns:p14="http://schemas.microsoft.com/office/powerpoint/2010/main" id="1" dur="indefinite" restart="never" nodeType="tmRoot"/>
+      </p:par>
+    </p:tnLst>
+  </p:timing>
+</p:sld>
+</file>
+
+<file path=ppt/slides/slide7.xml><?xml version="1.0" encoding="utf-8"?>
+<p:sld xmlns:a="http://schemas.openxmlformats.org/drawingml/2006/main" xmlns:r="http://schemas.openxmlformats.org/officeDocument/2006/relationships" xmlns:p="http://schemas.openxmlformats.org/presentationml/2006/main">
+  <p:cSld>
+    <p:spTree>
+      <p:nvGrpSpPr>
+        <p:cNvPr id="1" name=""/>
+        <p:cNvGrpSpPr/>
+        <p:nvPr/>
+      </p:nvGrpSpPr>
+      <p:grpSpPr>
+        <a:xfrm>
+          <a:off x="0" y="0"/>
+          <a:ext cx="0" cy="0"/>
+          <a:chOff x="0" y="0"/>
+          <a:chExt cx="0" cy="0"/>
+        </a:xfrm>
+      </p:grpSpPr>
+      <p:sp>
+        <p:nvSpPr>
+          <p:cNvPr id="2" name="Title 1"/>
+          <p:cNvSpPr>
+            <a:spLocks noGrp="1"/>
+          </p:cNvSpPr>
+          <p:nvPr>
+            <p:ph type="title"/>
+          </p:nvPr>
+        </p:nvSpPr>
+        <p:spPr>
+          <a:xfrm>
+            <a:off x="457200" y="-114300"/>
+            <a:ext cx="8229600" cy="1143000"/>
+          </a:xfrm>
+        </p:spPr>
+        <p:txBody>
+          <a:bodyPr>
+            <a:normAutofit/>
+          </a:bodyPr>
+          <a:lstStyle/>
+          <a:p>
+            <a:pPr algn="l"/>
+            <a:r>
+              <a:rPr lang="en-US" sz="3600" dirty="0" smtClean="0"/>
+              <a:t>Can we do better in computational setting?</a:t>
+            </a:r>
+            <a:endParaRPr lang="en-US" sz="3600" dirty="0"/>
+          </a:p>
+        </p:txBody>
+      </p:sp>
+      <p:sp>
+        <p:nvSpPr>
+          <p:cNvPr id="3" name="Content Placeholder 2"/>
+          <p:cNvSpPr>
+            <a:spLocks noGrp="1"/>
+          </p:cNvSpPr>
+          <p:nvPr>
+            <p:ph idx="1"/>
+          </p:nvPr>
+        </p:nvSpPr>
+        <p:spPr>
+          <a:xfrm>
+            <a:off x="42825" y="1236510"/>
+            <a:ext cx="4941706" cy="5253182"/>
+          </a:xfrm>
+        </p:spPr>
+        <p:txBody>
+          <a:bodyPr>
+            <a:noAutofit/>
+          </a:bodyPr>
+          <a:lstStyle/>
+          <a:p>
+            <a:r>
+              <a:rPr lang="en-US" sz="2800" dirty="0" smtClean="0"/>
+              <a:t>Using sketch-and-extract: NO</a:t>
+            </a:r>
+          </a:p>
+          <a:p>
+            <a:pPr lvl="1"/>
+            <a:r>
+              <a:rPr lang="en-US" sz="2200" u="sng" dirty="0" err="1" smtClean="0"/>
+              <a:t>Thm</a:t>
+            </a:r>
+            <a:r>
+              <a:rPr lang="en-US" sz="2200" u="sng" dirty="0" smtClean="0"/>
+              <a:t>:</a:t>
+            </a:r>
+            <a:r>
+              <a:rPr lang="en-US" sz="2200" dirty="0" smtClean="0">
+                <a:latin typeface="Calibri"/>
+                <a:cs typeface="Calibri"/>
+              </a:rPr>
+              <a:t> Defining secure sketches</a:t>
+            </a:r>
+            <a:br>
+              <a:rPr lang="en-US" sz="2200" dirty="0" smtClean="0">
+                <a:latin typeface="Calibri"/>
+                <a:cs typeface="Calibri"/>
+              </a:rPr>
+            </a:br>
+            <a:r>
+              <a:rPr lang="en-US" sz="2200" dirty="0" smtClean="0">
+                <a:latin typeface="Calibri"/>
+                <a:cs typeface="Calibri"/>
+              </a:rPr>
+              <a:t>using computational entropy </a:t>
+            </a:r>
+            <a:br>
+              <a:rPr lang="en-US" sz="2200" dirty="0" smtClean="0">
+                <a:latin typeface="Calibri"/>
+                <a:cs typeface="Calibri"/>
+              </a:rPr>
+            </a:br>
+            <a:r>
+              <a:rPr lang="en-US" sz="2200" dirty="0" smtClean="0">
+                <a:latin typeface="Calibri"/>
+                <a:cs typeface="Calibri"/>
+              </a:rPr>
+              <a:t>is unlikely to help</a:t>
+            </a:r>
+            <a:endParaRPr lang="en-US" sz="2200" dirty="0" smtClean="0"/>
+          </a:p>
+          <a:p>
+            <a:endParaRPr lang="en-US" sz="2800" dirty="0" smtClean="0"/>
+          </a:p>
+          <a:p>
+            <a:endParaRPr lang="en-US" sz="2800" dirty="0" smtClean="0"/>
+          </a:p>
+          <a:p>
+            <a:r>
+              <a:rPr lang="en-US" sz="2800" dirty="0" smtClean="0"/>
+              <a:t>Using a new construction: YES</a:t>
+            </a:r>
+          </a:p>
+          <a:p>
+            <a:pPr lvl="1"/>
+            <a:r>
+              <a:rPr lang="en-US" sz="2200" dirty="0" smtClean="0"/>
+              <a:t>Know we can’t change the sketch</a:t>
+            </a:r>
+          </a:p>
+          <a:p>
+            <a:pPr lvl="1"/>
+            <a:r>
+              <a:rPr lang="en-US" sz="2200" dirty="0" smtClean="0"/>
+              <a:t>Could </a:t>
+            </a:r>
+            <a:r>
+              <a:rPr lang="en-US" sz="2200" dirty="0"/>
+              <a:t>use computational extractor </a:t>
+            </a:r>
+            <a:endParaRPr lang="en-US" sz="2200" dirty="0" smtClean="0"/>
+          </a:p>
+          <a:p>
+            <a:pPr marL="914400" lvl="2" indent="0">
+              <a:buNone/>
+            </a:pPr>
+            <a:r>
+              <a:rPr lang="en-US" sz="2200" dirty="0" smtClean="0"/>
+              <a:t>(Must have enough entropy remaining after the sketch)</a:t>
+            </a:r>
+          </a:p>
+          <a:p>
+            <a:pPr lvl="1"/>
+            <a:r>
+              <a:rPr lang="en-US" sz="2200" dirty="0" smtClean="0"/>
+              <a:t>We make the whole process computational</a:t>
+            </a:r>
+          </a:p>
+          <a:p>
+            <a:pPr lvl="1"/>
+            <a:endParaRPr lang="en-US" sz="2000" dirty="0"/>
+          </a:p>
+        </p:txBody>
+      </p:sp>
+      <p:sp>
+        <p:nvSpPr>
+          <p:cNvPr id="4" name="Rectangle 3"/>
+          <p:cNvSpPr/>
+          <p:nvPr/>
+        </p:nvSpPr>
+        <p:spPr>
+          <a:xfrm>
+            <a:off x="7915834" y="2489342"/>
+            <a:ext cx="640194" cy="479703"/>
+          </a:xfrm>
+          <a:prstGeom prst="rect">
+            <a:avLst/>
+          </a:prstGeom>
+          <a:solidFill>
+            <a:srgbClr val="0011B2"/>
+          </a:solidFill>
+          <a:ln>
+            <a:solidFill>
+              <a:srgbClr val="0011B2"/>
+            </a:solidFill>
+          </a:ln>
+        </p:spPr>
+        <p:style>
+          <a:lnRef idx="1">
+            <a:schemeClr val="accent1"/>
+          </a:lnRef>
+          <a:fillRef idx="3">
+            <a:schemeClr val="accent1"/>
+          </a:fillRef>
+          <a:effectRef idx="2">
+            <a:schemeClr val="accent1"/>
+          </a:effectRef>
+          <a:fontRef idx="minor">
+            <a:schemeClr val="lt1"/>
+          </a:fontRef>
+        </p:style>
+        <p:txBody>
+          <a:bodyPr rtlCol="0" anchor="ctr"/>
+          <a:lstStyle/>
+          <a:p>
+            <a:pPr algn="ctr"/>
+            <a:endParaRPr lang="en-US"/>
+          </a:p>
+        </p:txBody>
+      </p:sp>
+      <p:sp>
+        <p:nvSpPr>
+          <p:cNvPr id="5" name="Rectangle 4"/>
+          <p:cNvSpPr/>
+          <p:nvPr/>
+        </p:nvSpPr>
+        <p:spPr>
+          <a:xfrm>
+            <a:off x="4515956" y="3289382"/>
+            <a:ext cx="352425" cy="358642"/>
+          </a:xfrm>
+          <a:prstGeom prst="rect">
+            <a:avLst/>
+          </a:prstGeom>
+          <a:solidFill>
+            <a:srgbClr val="82A0FF"/>
+          </a:solidFill>
+          <a:ln>
+            <a:solidFill>
+              <a:srgbClr val="0000FF"/>
+            </a:solidFill>
+          </a:ln>
+        </p:spPr>
+        <p:style>
+          <a:lnRef idx="1">
+            <a:schemeClr val="accent1"/>
+          </a:lnRef>
+          <a:fillRef idx="3">
+            <a:schemeClr val="accent1"/>
+          </a:fillRef>
+          <a:effectRef idx="2">
+            <a:schemeClr val="accent1"/>
+          </a:effectRef>
+          <a:fontRef idx="minor">
+            <a:schemeClr val="lt1"/>
+          </a:fontRef>
+        </p:style>
+        <p:txBody>
+          <a:bodyPr rtlCol="0" anchor="ctr"/>
+          <a:lstStyle/>
+          <a:p>
+            <a:pPr algn="ctr"/>
+            <a:endParaRPr lang="en-US">
+              <a:solidFill>
+                <a:srgbClr val="000000"/>
+              </a:solidFill>
+            </a:endParaRPr>
+          </a:p>
+        </p:txBody>
+      </p:sp>
+      <p:grpSp>
+        <p:nvGrpSpPr>
+          <p:cNvPr id="6" name="Group 5"/>
+          <p:cNvGrpSpPr/>
+          <p:nvPr/>
+        </p:nvGrpSpPr>
+        <p:grpSpPr>
+          <a:xfrm>
+            <a:off x="5126228" y="2383616"/>
+            <a:ext cx="2111840" cy="2342700"/>
+            <a:chOff x="6838074" y="2246479"/>
+            <a:chExt cx="981495" cy="1803616"/>
+          </a:xfrm>
+        </p:grpSpPr>
+        <p:sp>
+          <p:nvSpPr>
+            <p:cNvPr id="7" name="Trapezoid 6"/>
+            <p:cNvSpPr/>
+            <p:nvPr/>
+          </p:nvSpPr>
+          <p:spPr bwMode="auto">
+            <a:xfrm rot="5400000">
+              <a:off x="6589784" y="2820309"/>
+              <a:ext cx="1491952" cy="967619"/>
+            </a:xfrm>
+            <a:prstGeom prst="trapezoid">
+              <a:avLst>
+                <a:gd name="adj" fmla="val 0"/>
+              </a:avLst>
+            </a:prstGeom>
+            <a:noFill/>
+            <a:ln w="9525" cap="flat" cmpd="sng" algn="ctr">
+              <a:solidFill>
+                <a:schemeClr val="tx1"/>
+              </a:solidFill>
+              <a:prstDash val="solid"/>
+              <a:round/>
+              <a:headEnd type="none" w="med" len="med"/>
+              <a:tailEnd type="triangle" w="lg" len="lg"/>
+            </a:ln>
+            <a:effectLst/>
+            <a:extLst/>
+          </p:spPr>
+          <p:txBody>
+            <a:bodyPr vert="horz" wrap="square" lIns="91440" tIns="45720" rIns="91440" bIns="45720" numCol="1" rtlCol="0" anchor="t" anchorCtr="0" compatLnSpc="1">
+              <a:prstTxWarp prst="textNoShape">
+                <a:avLst/>
+              </a:prstTxWarp>
+              <a:spAutoFit/>
+            </a:bodyPr>
+            <a:lstStyle/>
+            <a:p>
+              <a:pPr marL="0" marR="0" indent="0" algn="l" defTabSz="914400" rtl="0" eaLnBrk="1" fontAlgn="base" latinLnBrk="0" hangingPunct="1">
+                <a:lnSpc>
+                  <a:spcPct val="100000"/>
+                </a:lnSpc>
+                <a:spcBef>
+                  <a:spcPct val="50000"/>
+                </a:spcBef>
+                <a:spcAft>
+                  <a:spcPct val="0"/>
+                </a:spcAft>
+                <a:buClrTx/>
+                <a:buSzTx/>
+                <a:buFontTx/>
+                <a:buNone/>
+                <a:tabLst/>
+              </a:pPr>
+              <a:endParaRPr kumimoji="0" lang="en-US" sz="3200" b="0" i="0" u="none" strike="noStrike" cap="none" normalizeH="0" baseline="0">
+                <a:ln>
+                  <a:noFill/>
+                </a:ln>
+                <a:solidFill>
+                  <a:schemeClr val="tx1"/>
+                </a:solidFill>
+                <a:effectLst/>
+                <a:latin typeface="Arial Narrow" charset="0"/>
+                <a:ea typeface="ＭＳ Ｐゴシック" charset="0"/>
+              </a:endParaRPr>
+            </a:p>
+          </p:txBody>
+        </p:sp>
+        <p:sp>
+          <p:nvSpPr>
+            <p:cNvPr id="8" name="TextBox 7"/>
+            <p:cNvSpPr txBox="1"/>
+            <p:nvPr/>
+          </p:nvSpPr>
+          <p:spPr>
+            <a:xfrm>
+              <a:off x="6838074" y="2246479"/>
+              <a:ext cx="371070" cy="355430"/>
+            </a:xfrm>
+            <a:prstGeom prst="rect">
+              <a:avLst/>
+            </a:prstGeom>
+            <a:noFill/>
+          </p:spPr>
+          <p:txBody>
+            <a:bodyPr wrap="none" rtlCol="0">
+              <a:spAutoFit/>
+            </a:bodyPr>
+            <a:lstStyle/>
+            <a:p>
+              <a:r>
+                <a:rPr lang="en-US" sz="2400" i="1" dirty="0" smtClean="0">
+                  <a:latin typeface="Times New Roman"/>
+                  <a:cs typeface="Times New Roman"/>
+                </a:rPr>
+                <a:t>Gen</a:t>
+              </a:r>
+              <a:endParaRPr lang="en-US" sz="2400" i="1" dirty="0">
+                <a:latin typeface="Times New Roman"/>
+                <a:cs typeface="Times New Roman"/>
+              </a:endParaRPr>
+            </a:p>
+          </p:txBody>
+        </p:sp>
+      </p:grpSp>
+      <p:cxnSp>
+        <p:nvCxnSpPr>
+          <p:cNvPr id="9" name="Straight Arrow Connector 8"/>
+          <p:cNvCxnSpPr/>
+          <p:nvPr/>
+        </p:nvCxnSpPr>
+        <p:spPr bwMode="auto">
+          <a:xfrm flipV="1">
+            <a:off x="4365440" y="3743990"/>
+            <a:ext cx="790647" cy="11601"/>
+          </a:xfrm>
+          <a:prstGeom prst="straightConnector1">
+            <a:avLst/>
+          </a:prstGeom>
+          <a:solidFill>
+            <a:schemeClr val="accent1"/>
+          </a:solidFill>
+          <a:ln w="9525" cap="flat" cmpd="sng" algn="ctr">
+            <a:solidFill>
+              <a:schemeClr val="tx1"/>
+            </a:solidFill>
+            <a:prstDash val="solid"/>
+            <a:round/>
+            <a:headEnd type="none" w="med" len="med"/>
+            <a:tailEnd type="triangle" w="lg" len="lg"/>
+          </a:ln>
+          <a:effectLst/>
+          <a:extLst/>
+        </p:spPr>
+      </p:cxnSp>
+      <p:cxnSp>
+        <p:nvCxnSpPr>
+          <p:cNvPr id="10" name="Straight Arrow Connector 9"/>
+          <p:cNvCxnSpPr/>
+          <p:nvPr/>
+        </p:nvCxnSpPr>
+        <p:spPr bwMode="auto">
+          <a:xfrm>
+            <a:off x="7238071" y="2990020"/>
+            <a:ext cx="1648424" cy="14777"/>
+          </a:xfrm>
+          <a:prstGeom prst="straightConnector1">
+            <a:avLst/>
+          </a:prstGeom>
+          <a:solidFill>
+            <a:schemeClr val="accent1"/>
+          </a:solidFill>
+          <a:ln w="9525" cap="flat" cmpd="sng" algn="ctr">
+            <a:solidFill>
+              <a:schemeClr val="tx1"/>
+            </a:solidFill>
+            <a:prstDash val="solid"/>
+            <a:round/>
+            <a:headEnd type="none" w="med" len="med"/>
+            <a:tailEnd type="triangle" w="lg" len="lg"/>
+          </a:ln>
+          <a:effectLst/>
+          <a:extLst/>
+        </p:spPr>
+      </p:cxnSp>
+      <p:cxnSp>
+        <p:nvCxnSpPr>
+          <p:cNvPr id="11" name="Straight Arrow Connector 10"/>
+          <p:cNvCxnSpPr/>
+          <p:nvPr/>
+        </p:nvCxnSpPr>
+        <p:spPr bwMode="auto">
+          <a:xfrm>
+            <a:off x="7247500" y="4135458"/>
+            <a:ext cx="1648424" cy="14777"/>
+          </a:xfrm>
+          <a:prstGeom prst="straightConnector1">
+            <a:avLst/>
+          </a:prstGeom>
+          <a:solidFill>
+            <a:schemeClr val="accent1"/>
+          </a:solidFill>
+          <a:ln w="9525" cap="flat" cmpd="sng" algn="ctr">
+            <a:solidFill>
+              <a:schemeClr val="tx1"/>
+            </a:solidFill>
+            <a:prstDash val="solid"/>
+            <a:round/>
+            <a:headEnd type="none" w="med" len="med"/>
+            <a:tailEnd type="triangle" w="lg" len="lg"/>
+          </a:ln>
+          <a:effectLst/>
+          <a:extLst/>
+        </p:spPr>
+      </p:cxnSp>
+      <p:sp>
+        <p:nvSpPr>
+          <p:cNvPr id="12" name="TextBox 11"/>
+          <p:cNvSpPr txBox="1"/>
+          <p:nvPr/>
+        </p:nvSpPr>
+        <p:spPr>
+          <a:xfrm>
+            <a:off x="4454585" y="3210063"/>
+            <a:ext cx="529946" cy="461665"/>
+          </a:xfrm>
+          <a:prstGeom prst="rect">
+            <a:avLst/>
+          </a:prstGeom>
+          <a:noFill/>
+        </p:spPr>
+        <p:txBody>
+          <a:bodyPr wrap="none" rtlCol="0">
+            <a:spAutoFit/>
+          </a:bodyPr>
+          <a:lstStyle/>
+          <a:p>
+            <a:r>
+              <a:rPr lang="en-US" sz="2400" i="1" dirty="0" smtClean="0">
+                <a:solidFill>
+                  <a:srgbClr val="000000"/>
+                </a:solidFill>
+                <a:latin typeface="Times New Roman"/>
+                <a:cs typeface="Times New Roman"/>
+              </a:rPr>
+              <a:t>w</a:t>
+            </a:r>
+            <a:r>
+              <a:rPr lang="en-US" sz="2400" baseline="-25000" dirty="0" smtClean="0">
+                <a:solidFill>
+                  <a:srgbClr val="000000"/>
+                </a:solidFill>
+                <a:latin typeface="Times New Roman"/>
+                <a:cs typeface="Times New Roman"/>
+              </a:rPr>
+              <a:t>0</a:t>
+            </a:r>
+            <a:endParaRPr lang="en-US" sz="2400" baseline="-25000" dirty="0">
+              <a:solidFill>
+                <a:srgbClr val="000000"/>
+              </a:solidFill>
+              <a:latin typeface="Times New Roman"/>
+              <a:cs typeface="Times New Roman"/>
+            </a:endParaRPr>
+          </a:p>
+        </p:txBody>
+      </p:sp>
+      <p:sp>
+        <p:nvSpPr>
+          <p:cNvPr id="13" name="TextBox 12"/>
+          <p:cNvSpPr txBox="1"/>
+          <p:nvPr/>
+        </p:nvSpPr>
+        <p:spPr>
+          <a:xfrm>
+            <a:off x="7922422" y="2515622"/>
+            <a:ext cx="695473" cy="461665"/>
+          </a:xfrm>
+          <a:prstGeom prst="rect">
+            <a:avLst/>
+          </a:prstGeom>
+          <a:noFill/>
+        </p:spPr>
+        <p:txBody>
+          <a:bodyPr wrap="none" rtlCol="0">
+            <a:spAutoFit/>
+          </a:bodyPr>
+          <a:lstStyle/>
+          <a:p>
+            <a:r>
+              <a:rPr lang="en-US" sz="2400" i="1" dirty="0" smtClean="0">
+                <a:solidFill>
+                  <a:srgbClr val="FFFFFF"/>
+                </a:solidFill>
+                <a:latin typeface="Times New Roman"/>
+                <a:cs typeface="Times New Roman"/>
+              </a:rPr>
+              <a:t>key</a:t>
+            </a:r>
+            <a:endParaRPr lang="en-US" sz="2400" i="1" dirty="0">
+              <a:solidFill>
+                <a:srgbClr val="FFFFFF"/>
+              </a:solidFill>
+              <a:latin typeface="Times New Roman"/>
+              <a:cs typeface="Times New Roman"/>
+            </a:endParaRPr>
+          </a:p>
+        </p:txBody>
+      </p:sp>
+      <p:sp>
+        <p:nvSpPr>
+          <p:cNvPr id="14" name="TextBox 13"/>
+          <p:cNvSpPr txBox="1"/>
+          <p:nvPr/>
+        </p:nvSpPr>
+        <p:spPr>
+          <a:xfrm>
+            <a:off x="7842499" y="3546097"/>
+            <a:ext cx="496183" cy="523220"/>
+          </a:xfrm>
+          <a:prstGeom prst="rect">
+            <a:avLst/>
+          </a:prstGeom>
+          <a:solidFill>
+            <a:srgbClr val="008000"/>
+          </a:solidFill>
+        </p:spPr>
+        <p:txBody>
+          <a:bodyPr wrap="none" rtlCol="0">
+            <a:spAutoFit/>
+          </a:bodyPr>
+          <a:lstStyle/>
+          <a:p>
+            <a:pPr algn="ctr"/>
+            <a:r>
+              <a:rPr lang="en-US" sz="2800" i="1" dirty="0" smtClean="0">
+                <a:solidFill>
+                  <a:srgbClr val="FFFFFF"/>
+                </a:solidFill>
+                <a:latin typeface="Times New Roman"/>
+                <a:cs typeface="Times New Roman"/>
+              </a:rPr>
+              <a:t>p</a:t>
+            </a:r>
+            <a:endParaRPr lang="en-US" sz="2800" i="1" dirty="0">
+              <a:solidFill>
+                <a:srgbClr val="FFFFFF"/>
+              </a:solidFill>
+              <a:latin typeface="Times New Roman"/>
+              <a:cs typeface="Times New Roman"/>
+            </a:endParaRPr>
+          </a:p>
+        </p:txBody>
+      </p:sp>
+    </p:spTree>
+    <p:extLst>
+      <p:ext uri="{BB962C8B-B14F-4D97-AF65-F5344CB8AC3E}">
+        <p14:creationId xmlns:p14="http://schemas.microsoft.com/office/powerpoint/2010/main" val="3959820158"/>
+      </p:ext>
+    </p:extLst>
+  </p:cSld>
+  <p:clrMapOvr>
+    <a:masterClrMapping/>
+  </p:clrMapOvr>
+  <p:timing>
+    <p:tnLst>
+      <p:par>
+        <p:cTn xmlns:p14="http://schemas.microsoft.com/office/powerpoint/2010/main" id="1" dur="indefinite" restart="never" nodeType="tmRoot"/>
+      </p:par>
+    </p:tnLst>
+  </p:timing>
+</p:sld>
+</file>
+
+<file path=ppt/slides/slide8.xml><?xml version="1.0" encoding="utf-8"?>
 <p:sld xmlns:a="http://schemas.openxmlformats.org/drawingml/2006/main" xmlns:r="http://schemas.openxmlformats.org/officeDocument/2006/relationships" xmlns:p="http://schemas.openxmlformats.org/presentationml/2006/main">
   <p:cSld>
     <p:spTree>
@@ -10625,7 +14096,7 @@
 </p:sld>
 </file>
 
-<file path=ppt/slides/slide5.xml><?xml version="1.0" encoding="utf-8"?>
+<file path=ppt/slides/slide9.xml><?xml version="1.0" encoding="utf-8"?>
 <p:sld xmlns:a="http://schemas.openxmlformats.org/drawingml/2006/main" xmlns:r="http://schemas.openxmlformats.org/officeDocument/2006/relationships" xmlns:p="http://schemas.openxmlformats.org/presentationml/2006/main">
   <p:cSld>
     <p:spTree>
@@ -10684,7 +14155,7 @@
         <p:spPr>
           <a:xfrm>
             <a:off x="457199" y="1143000"/>
-            <a:ext cx="8455891" cy="4525963"/>
+            <a:ext cx="8848437" cy="4525963"/>
           </a:xfrm>
         </p:spPr>
         <p:txBody>
@@ -10693,18 +14164,32 @@
           <a:p>
             <a:r>
               <a:rPr lang="en-US" dirty="0" smtClean="0"/>
-              <a:t>Security for arbitrary high entropy distributions</a:t>
-            </a:r>
-          </a:p>
-          <a:p>
-            <a:r>
-              <a:rPr lang="en-US" smtClean="0"/>
-              <a:t>Efficient reproduction for </a:t>
+              <a:t>Show security </a:t>
             </a:r>
             <a:r>
               <a:rPr lang="en-US" dirty="0" smtClean="0"/>
-              <a:t>constant error rate</a:t>
-            </a:r>
+              <a:t>for arbitrary </a:t>
+            </a:r>
+            <a:r>
+              <a:rPr lang="en-US" dirty="0" smtClean="0"/>
+              <a:t>hig</a:t>
+            </a:r>
+            <a:r>
+              <a:rPr lang="en-US" dirty="0" smtClean="0"/>
+              <a:t>h entropy </a:t>
+            </a:r>
+            <a:r>
+              <a:rPr lang="en-US" dirty="0" smtClean="0"/>
+              <a:t>sources</a:t>
+            </a:r>
+            <a:endParaRPr lang="en-US" dirty="0" smtClean="0"/>
+          </a:p>
+          <a:p>
+            <a:r>
+              <a:rPr lang="en-US" dirty="0" smtClean="0"/>
+              <a:t>Support higher error rates</a:t>
+            </a:r>
+            <a:endParaRPr lang="en-US" dirty="0" smtClean="0"/>
           </a:p>
           <a:p>
             <a:endParaRPr lang="en-US" dirty="0"/>

--- a/ComputationalFuzzyExtractors-CryptoRump.pptx
+++ b/ComputationalFuzzyExtractors-CryptoRump.pptx
@@ -5972,7 +5972,7 @@
           <a:p>
             <a:r>
               <a:rPr lang="en-US" sz="2400" dirty="0" smtClean="0"/>
-              <a:t>Current techniques for removing noise impose large entropy losses and prevent use in authentication</a:t>
+              <a:t>Current techniques for removing noise impose large entropy losses and inhibit use in authentication</a:t>
             </a:r>
             <a:endParaRPr lang="en-US" sz="2400" dirty="0"/>
           </a:p>
@@ -6047,7 +6047,7 @@
         <p:spPr>
           <a:xfrm>
             <a:off x="6938818" y="6488668"/>
-            <a:ext cx="1704688" cy="369332"/>
+            <a:ext cx="1118365" cy="369332"/>
           </a:xfrm>
           <a:prstGeom prst="rect">
             <a:avLst/>
@@ -6061,12 +6061,24 @@
           <a:lstStyle/>
           <a:p>
             <a:r>
-              <a:rPr lang="en-US" dirty="0" err="1" smtClean="0"/>
+              <a:rPr lang="en-US" dirty="0" smtClean="0"/>
+              <a:t>[</a:t>
+            </a:r>
+            <a:r>
+              <a:rPr lang="en-US" smtClean="0"/>
               <a:t>Tuyls</a:t>
             </a:r>
             <a:r>
+              <a:rPr lang="en-US" baseline="30000" smtClean="0"/>
+              <a:t>+</a:t>
+            </a:r>
+            <a:r>
+              <a:rPr lang="en-US" smtClean="0"/>
+              <a:t>06</a:t>
+            </a:r>
+            <a:r>
               <a:rPr lang="en-US" dirty="0" smtClean="0"/>
-              <a:t> et al. 2006</a:t>
+              <a:t>]</a:t>
             </a:r>
           </a:p>
         </p:txBody>
@@ -12702,6 +12714,13 @@
               <a:t>Need encryption algorithm that allows decryption from close </a:t>
             </a:r>
             <a:r>
+              <a:rPr lang="en-US" sz="2200" dirty="0" smtClean="0">
+                <a:latin typeface="Calibri"/>
+                <a:cs typeface="Calibri"/>
+              </a:rPr>
+              <a:t>secret key </a:t>
+            </a:r>
+            <a:r>
               <a:rPr lang="en-US" sz="2200" i="1" dirty="0" smtClean="0">
                 <a:latin typeface="Times New Roman"/>
                 <a:cs typeface="Times New Roman"/>
